--- a/assets/_drawings.pptx
+++ b/assets/_drawings.pptx
@@ -14287,7 +14287,7 @@
           <a:graphicData uri="http://schemas.openxmlformats.org/presentationml/2006/ole">
             <mc:AlternateContent xmlns:mc="http://schemas.openxmlformats.org/markup-compatibility/2006">
               <mc:Choice xmlns:v="urn:schemas-microsoft-com:vml" Requires="v">
-                <p:oleObj spid="_x0000_s1080" name="Worksheet" r:id="rId3" imgW="11763331" imgH="8772584" progId="Excel.Sheet.12">
+                <p:oleObj spid="_x0000_s1081" name="Worksheet" r:id="rId3" imgW="11763331" imgH="8772584" progId="Excel.Sheet.12">
                   <p:embed/>
                 </p:oleObj>
               </mc:Choice>
@@ -14380,7 +14380,7 @@
           <a:graphicData uri="http://schemas.openxmlformats.org/presentationml/2006/ole">
             <mc:AlternateContent xmlns:mc="http://schemas.openxmlformats.org/markup-compatibility/2006">
               <mc:Choice xmlns:v="urn:schemas-microsoft-com:vml" Requires="v">
-                <p:oleObj spid="_x0000_s2087" name="Worksheet" r:id="rId3" imgW="12373108" imgH="6677005" progId="Excel.Sheet.12">
+                <p:oleObj spid="_x0000_s2088" name="Worksheet" r:id="rId3" imgW="12373108" imgH="6677005" progId="Excel.Sheet.12">
                   <p:embed/>
                 </p:oleObj>
               </mc:Choice>
@@ -14479,7 +14479,7 @@
           <a:graphicData uri="http://schemas.openxmlformats.org/presentationml/2006/ole">
             <mc:AlternateContent xmlns:mc="http://schemas.openxmlformats.org/markup-compatibility/2006">
               <mc:Choice xmlns:v="urn:schemas-microsoft-com:vml" Requires="v">
-                <p:oleObj spid="_x0000_s4109" name="Worksheet" r:id="rId3" imgW="12201392" imgH="10868162" progId="Excel.Sheet.12">
+                <p:oleObj spid="_x0000_s4110" name="Worksheet" r:id="rId3" imgW="12201392" imgH="10868162" progId="Excel.Sheet.12">
                   <p:embed/>
                 </p:oleObj>
               </mc:Choice>

--- a/assets/_drawings.pptx
+++ b/assets/_drawings.pptx
@@ -14287,7 +14287,7 @@
           <a:graphicData uri="http://schemas.openxmlformats.org/presentationml/2006/ole">
             <mc:AlternateContent xmlns:mc="http://schemas.openxmlformats.org/markup-compatibility/2006">
               <mc:Choice xmlns:v="urn:schemas-microsoft-com:vml" Requires="v">
-                <p:oleObj spid="_x0000_s1081" name="Worksheet" r:id="rId3" imgW="11763331" imgH="8772584" progId="Excel.Sheet.12">
+                <p:oleObj spid="_x0000_s1082" name="Worksheet" r:id="rId3" imgW="11763331" imgH="8772584" progId="Excel.Sheet.12">
                   <p:embed/>
                 </p:oleObj>
               </mc:Choice>
@@ -14380,7 +14380,7 @@
           <a:graphicData uri="http://schemas.openxmlformats.org/presentationml/2006/ole">
             <mc:AlternateContent xmlns:mc="http://schemas.openxmlformats.org/markup-compatibility/2006">
               <mc:Choice xmlns:v="urn:schemas-microsoft-com:vml" Requires="v">
-                <p:oleObj spid="_x0000_s2088" name="Worksheet" r:id="rId3" imgW="12373108" imgH="6677005" progId="Excel.Sheet.12">
+                <p:oleObj spid="_x0000_s2089" name="Worksheet" r:id="rId3" imgW="12373108" imgH="6677005" progId="Excel.Sheet.12">
                   <p:embed/>
                 </p:oleObj>
               </mc:Choice>
@@ -14479,7 +14479,7 @@
           <a:graphicData uri="http://schemas.openxmlformats.org/presentationml/2006/ole">
             <mc:AlternateContent xmlns:mc="http://schemas.openxmlformats.org/markup-compatibility/2006">
               <mc:Choice xmlns:v="urn:schemas-microsoft-com:vml" Requires="v">
-                <p:oleObj spid="_x0000_s4110" name="Worksheet" r:id="rId3" imgW="12201392" imgH="10868162" progId="Excel.Sheet.12">
+                <p:oleObj spid="_x0000_s4111" name="Worksheet" r:id="rId3" imgW="12201392" imgH="10868162" progId="Excel.Sheet.12">
                   <p:embed/>
                 </p:oleObj>
               </mc:Choice>

--- a/assets/_drawings.pptx
+++ b/assets/_drawings.pptx
@@ -12,18 +12,19 @@
     <p:sldId id="282" r:id="rId6"/>
     <p:sldId id="284" r:id="rId7"/>
     <p:sldId id="259" r:id="rId8"/>
-    <p:sldId id="271" r:id="rId9"/>
-    <p:sldId id="260" r:id="rId10"/>
-    <p:sldId id="262" r:id="rId11"/>
-    <p:sldId id="268" r:id="rId12"/>
-    <p:sldId id="269" r:id="rId13"/>
-    <p:sldId id="279" r:id="rId14"/>
-    <p:sldId id="286" r:id="rId15"/>
-    <p:sldId id="277" r:id="rId16"/>
-    <p:sldId id="283" r:id="rId17"/>
-    <p:sldId id="288" r:id="rId18"/>
-    <p:sldId id="275" r:id="rId19"/>
-    <p:sldId id="289" r:id="rId20"/>
+    <p:sldId id="290" r:id="rId9"/>
+    <p:sldId id="271" r:id="rId10"/>
+    <p:sldId id="260" r:id="rId11"/>
+    <p:sldId id="262" r:id="rId12"/>
+    <p:sldId id="268" r:id="rId13"/>
+    <p:sldId id="269" r:id="rId14"/>
+    <p:sldId id="279" r:id="rId15"/>
+    <p:sldId id="286" r:id="rId16"/>
+    <p:sldId id="277" r:id="rId17"/>
+    <p:sldId id="283" r:id="rId18"/>
+    <p:sldId id="288" r:id="rId19"/>
+    <p:sldId id="275" r:id="rId20"/>
+    <p:sldId id="289" r:id="rId21"/>
   </p:sldIdLst>
   <p:sldSz cx="12192000" cy="6858000"/>
   <p:notesSz cx="6858000" cy="9144000"/>
@@ -7669,7 +7670,7 @@
           <a:p>
             <a:fld id="{C3F690FB-D2F8-4FAA-B5D4-40764D6363E4}" type="datetimeFigureOut">
               <a:rPr lang="en-GB" smtClean="0"/>
-              <a:t>24/12/2020</a:t>
+              <a:t>17/02/2021</a:t>
             </a:fld>
             <a:endParaRPr lang="en-GB"/>
           </a:p>
@@ -7869,7 +7870,7 @@
           <a:p>
             <a:fld id="{C3F690FB-D2F8-4FAA-B5D4-40764D6363E4}" type="datetimeFigureOut">
               <a:rPr lang="en-GB" smtClean="0"/>
-              <a:t>24/12/2020</a:t>
+              <a:t>17/02/2021</a:t>
             </a:fld>
             <a:endParaRPr lang="en-GB"/>
           </a:p>
@@ -8079,7 +8080,7 @@
           <a:p>
             <a:fld id="{C3F690FB-D2F8-4FAA-B5D4-40764D6363E4}" type="datetimeFigureOut">
               <a:rPr lang="en-GB" smtClean="0"/>
-              <a:t>24/12/2020</a:t>
+              <a:t>17/02/2021</a:t>
             </a:fld>
             <a:endParaRPr lang="en-GB"/>
           </a:p>
@@ -8279,7 +8280,7 @@
           <a:p>
             <a:fld id="{C3F690FB-D2F8-4FAA-B5D4-40764D6363E4}" type="datetimeFigureOut">
               <a:rPr lang="en-GB" smtClean="0"/>
-              <a:t>24/12/2020</a:t>
+              <a:t>17/02/2021</a:t>
             </a:fld>
             <a:endParaRPr lang="en-GB"/>
           </a:p>
@@ -8555,7 +8556,7 @@
           <a:p>
             <a:fld id="{C3F690FB-D2F8-4FAA-B5D4-40764D6363E4}" type="datetimeFigureOut">
               <a:rPr lang="en-GB" smtClean="0"/>
-              <a:t>24/12/2020</a:t>
+              <a:t>17/02/2021</a:t>
             </a:fld>
             <a:endParaRPr lang="en-GB"/>
           </a:p>
@@ -8823,7 +8824,7 @@
           <a:p>
             <a:fld id="{C3F690FB-D2F8-4FAA-B5D4-40764D6363E4}" type="datetimeFigureOut">
               <a:rPr lang="en-GB" smtClean="0"/>
-              <a:t>24/12/2020</a:t>
+              <a:t>17/02/2021</a:t>
             </a:fld>
             <a:endParaRPr lang="en-GB"/>
           </a:p>
@@ -9238,7 +9239,7 @@
           <a:p>
             <a:fld id="{C3F690FB-D2F8-4FAA-B5D4-40764D6363E4}" type="datetimeFigureOut">
               <a:rPr lang="en-GB" smtClean="0"/>
-              <a:t>24/12/2020</a:t>
+              <a:t>17/02/2021</a:t>
             </a:fld>
             <a:endParaRPr lang="en-GB"/>
           </a:p>
@@ -9380,7 +9381,7 @@
           <a:p>
             <a:fld id="{C3F690FB-D2F8-4FAA-B5D4-40764D6363E4}" type="datetimeFigureOut">
               <a:rPr lang="en-GB" smtClean="0"/>
-              <a:t>24/12/2020</a:t>
+              <a:t>17/02/2021</a:t>
             </a:fld>
             <a:endParaRPr lang="en-GB"/>
           </a:p>
@@ -9493,7 +9494,7 @@
           <a:p>
             <a:fld id="{C3F690FB-D2F8-4FAA-B5D4-40764D6363E4}" type="datetimeFigureOut">
               <a:rPr lang="en-GB" smtClean="0"/>
-              <a:t>24/12/2020</a:t>
+              <a:t>17/02/2021</a:t>
             </a:fld>
             <a:endParaRPr lang="en-GB"/>
           </a:p>
@@ -9806,7 +9807,7 @@
           <a:p>
             <a:fld id="{C3F690FB-D2F8-4FAA-B5D4-40764D6363E4}" type="datetimeFigureOut">
               <a:rPr lang="en-GB" smtClean="0"/>
-              <a:t>24/12/2020</a:t>
+              <a:t>17/02/2021</a:t>
             </a:fld>
             <a:endParaRPr lang="en-GB"/>
           </a:p>
@@ -10095,7 +10096,7 @@
           <a:p>
             <a:fld id="{C3F690FB-D2F8-4FAA-B5D4-40764D6363E4}" type="datetimeFigureOut">
               <a:rPr lang="en-GB" smtClean="0"/>
-              <a:t>24/12/2020</a:t>
+              <a:t>17/02/2021</a:t>
             </a:fld>
             <a:endParaRPr lang="en-GB"/>
           </a:p>
@@ -10338,7 +10339,7 @@
           <a:p>
             <a:fld id="{C3F690FB-D2F8-4FAA-B5D4-40764D6363E4}" type="datetimeFigureOut">
               <a:rPr lang="en-GB" smtClean="0"/>
-              <a:t>24/12/2020</a:t>
+              <a:t>17/02/2021</a:t>
             </a:fld>
             <a:endParaRPr lang="en-GB"/>
           </a:p>
@@ -13482,6 +13483,1356 @@
 </file>
 
 <file path=ppt/slides/slide10.xml><?xml version="1.0" encoding="utf-8"?>
+<p:sld xmlns:a="http://schemas.openxmlformats.org/drawingml/2006/main" xmlns:r="http://schemas.openxmlformats.org/officeDocument/2006/relationships" xmlns:p="http://schemas.openxmlformats.org/presentationml/2006/main">
+  <p:cSld>
+    <p:spTree>
+      <p:nvGrpSpPr>
+        <p:cNvPr id="1" name=""/>
+        <p:cNvGrpSpPr/>
+        <p:nvPr/>
+      </p:nvGrpSpPr>
+      <p:grpSpPr>
+        <a:xfrm>
+          <a:off x="0" y="0"/>
+          <a:ext cx="0" cy="0"/>
+          <a:chOff x="0" y="0"/>
+          <a:chExt cx="0" cy="0"/>
+        </a:xfrm>
+      </p:grpSpPr>
+      <p:sp>
+        <p:nvSpPr>
+          <p:cNvPr id="7" name="Flowchart: Connector 6">
+            <a:extLst>
+              <a:ext uri="{FF2B5EF4-FFF2-40B4-BE49-F238E27FC236}">
+                <a16:creationId xmlns:a16="http://schemas.microsoft.com/office/drawing/2014/main" id="{99434963-4B37-4237-A845-FC7618EB3815}"/>
+              </a:ext>
+            </a:extLst>
+          </p:cNvPr>
+          <p:cNvSpPr>
+            <a:spLocks noChangeAspect="1"/>
+          </p:cNvSpPr>
+          <p:nvPr/>
+        </p:nvSpPr>
+        <p:spPr>
+          <a:xfrm>
+            <a:off x="5618195" y="931641"/>
+            <a:ext cx="955610" cy="955610"/>
+          </a:xfrm>
+          <a:prstGeom prst="flowChartConnector">
+            <a:avLst/>
+          </a:prstGeom>
+          <a:solidFill>
+            <a:schemeClr val="accent5">
+              <a:lumMod val="20000"/>
+              <a:lumOff val="80000"/>
+            </a:schemeClr>
+          </a:solidFill>
+          <a:ln w="50800">
+            <a:solidFill>
+              <a:schemeClr val="accent1">
+                <a:lumMod val="60000"/>
+                <a:lumOff val="40000"/>
+              </a:schemeClr>
+            </a:solidFill>
+          </a:ln>
+        </p:spPr>
+        <p:style>
+          <a:lnRef idx="2">
+            <a:schemeClr val="accent1">
+              <a:shade val="50000"/>
+            </a:schemeClr>
+          </a:lnRef>
+          <a:fillRef idx="1">
+            <a:schemeClr val="accent1"/>
+          </a:fillRef>
+          <a:effectRef idx="0">
+            <a:schemeClr val="accent1"/>
+          </a:effectRef>
+          <a:fontRef idx="minor">
+            <a:schemeClr val="lt1"/>
+          </a:fontRef>
+        </p:style>
+        <p:txBody>
+          <a:bodyPr rtlCol="0" anchor="ctr"/>
+          <a:lstStyle/>
+          <a:p>
+            <a:pPr algn="ctr"/>
+            <a:endParaRPr lang="en-GB"/>
+          </a:p>
+        </p:txBody>
+      </p:sp>
+      <p:grpSp>
+        <p:nvGrpSpPr>
+          <p:cNvPr id="14" name="Group 13">
+            <a:extLst>
+              <a:ext uri="{FF2B5EF4-FFF2-40B4-BE49-F238E27FC236}">
+                <a16:creationId xmlns:a16="http://schemas.microsoft.com/office/drawing/2014/main" id="{8826E3FB-DA11-49EA-9833-19740449D6B0}"/>
+              </a:ext>
+            </a:extLst>
+          </p:cNvPr>
+          <p:cNvGrpSpPr/>
+          <p:nvPr/>
+        </p:nvGrpSpPr>
+        <p:grpSpPr>
+          <a:xfrm>
+            <a:off x="640765" y="904962"/>
+            <a:ext cx="2468240" cy="982289"/>
+            <a:chOff x="401216" y="2528564"/>
+            <a:chExt cx="2468240" cy="982289"/>
+          </a:xfrm>
+        </p:grpSpPr>
+        <p:grpSp>
+          <p:nvGrpSpPr>
+            <p:cNvPr id="15" name="Group 14">
+              <a:extLst>
+                <a:ext uri="{FF2B5EF4-FFF2-40B4-BE49-F238E27FC236}">
+                  <a16:creationId xmlns:a16="http://schemas.microsoft.com/office/drawing/2014/main" id="{11E7B514-37CC-40D7-8B08-BF76D6B172AF}"/>
+                </a:ext>
+              </a:extLst>
+            </p:cNvPr>
+            <p:cNvGrpSpPr/>
+            <p:nvPr/>
+          </p:nvGrpSpPr>
+          <p:grpSpPr>
+            <a:xfrm>
+              <a:off x="1616016" y="2528564"/>
+              <a:ext cx="1253440" cy="982289"/>
+              <a:chOff x="1590962" y="2537895"/>
+              <a:chExt cx="1253440" cy="982289"/>
+            </a:xfrm>
+          </p:grpSpPr>
+          <p:sp>
+            <p:nvSpPr>
+              <p:cNvPr id="18" name="Flowchart: Connector 17">
+                <a:extLst>
+                  <a:ext uri="{FF2B5EF4-FFF2-40B4-BE49-F238E27FC236}">
+                    <a16:creationId xmlns:a16="http://schemas.microsoft.com/office/drawing/2014/main" id="{75C28F05-9F03-40EF-9456-F3B1DD7BB59D}"/>
+                  </a:ext>
+                </a:extLst>
+              </p:cNvPr>
+              <p:cNvSpPr>
+                <a:spLocks noChangeAspect="1"/>
+              </p:cNvSpPr>
+              <p:nvPr/>
+            </p:nvSpPr>
+            <p:spPr>
+              <a:xfrm>
+                <a:off x="2070978" y="2628616"/>
+                <a:ext cx="773424" cy="773424"/>
+              </a:xfrm>
+              <a:prstGeom prst="flowChartConnector">
+                <a:avLst/>
+              </a:prstGeom>
+              <a:solidFill>
+                <a:schemeClr val="bg1">
+                  <a:lumMod val="85000"/>
+                </a:schemeClr>
+              </a:solidFill>
+              <a:ln>
+                <a:noFill/>
+              </a:ln>
+            </p:spPr>
+            <p:style>
+              <a:lnRef idx="2">
+                <a:schemeClr val="accent1">
+                  <a:shade val="50000"/>
+                </a:schemeClr>
+              </a:lnRef>
+              <a:fillRef idx="1">
+                <a:schemeClr val="accent1"/>
+              </a:fillRef>
+              <a:effectRef idx="0">
+                <a:schemeClr val="accent1"/>
+              </a:effectRef>
+              <a:fontRef idx="minor">
+                <a:schemeClr val="lt1"/>
+              </a:fontRef>
+            </p:style>
+            <p:txBody>
+              <a:bodyPr rtlCol="0" anchor="ctr"/>
+              <a:lstStyle/>
+              <a:p>
+                <a:pPr algn="ctr"/>
+                <a:endParaRPr lang="en-GB" sz="2000"/>
+              </a:p>
+            </p:txBody>
+          </p:sp>
+          <p:sp>
+            <p:nvSpPr>
+              <p:cNvPr id="19" name="Rectangle 18">
+                <a:extLst>
+                  <a:ext uri="{FF2B5EF4-FFF2-40B4-BE49-F238E27FC236}">
+                    <a16:creationId xmlns:a16="http://schemas.microsoft.com/office/drawing/2014/main" id="{6C88E62B-7DA1-4EBC-9346-361BF1317942}"/>
+                  </a:ext>
+                </a:extLst>
+              </p:cNvPr>
+              <p:cNvSpPr/>
+              <p:nvPr/>
+            </p:nvSpPr>
+            <p:spPr>
+              <a:xfrm>
+                <a:off x="1644292" y="2611196"/>
+                <a:ext cx="800100" cy="795528"/>
+              </a:xfrm>
+              <a:prstGeom prst="rect">
+                <a:avLst/>
+              </a:prstGeom>
+              <a:solidFill>
+                <a:schemeClr val="bg1">
+                  <a:lumMod val="85000"/>
+                </a:schemeClr>
+              </a:solidFill>
+              <a:ln>
+                <a:noFill/>
+              </a:ln>
+            </p:spPr>
+            <p:style>
+              <a:lnRef idx="2">
+                <a:schemeClr val="accent1">
+                  <a:shade val="50000"/>
+                </a:schemeClr>
+              </a:lnRef>
+              <a:fillRef idx="1">
+                <a:schemeClr val="accent1"/>
+              </a:fillRef>
+              <a:effectRef idx="0">
+                <a:schemeClr val="accent1"/>
+              </a:effectRef>
+              <a:fontRef idx="minor">
+                <a:schemeClr val="lt1"/>
+              </a:fontRef>
+            </p:style>
+            <p:txBody>
+              <a:bodyPr rtlCol="0" anchor="ctr"/>
+              <a:lstStyle/>
+              <a:p>
+                <a:pPr algn="ctr"/>
+                <a:endParaRPr lang="en-GB" dirty="0"/>
+              </a:p>
+            </p:txBody>
+          </p:sp>
+          <p:sp>
+            <p:nvSpPr>
+              <p:cNvPr id="20" name="Rectangle 19">
+                <a:extLst>
+                  <a:ext uri="{FF2B5EF4-FFF2-40B4-BE49-F238E27FC236}">
+                    <a16:creationId xmlns:a16="http://schemas.microsoft.com/office/drawing/2014/main" id="{8A54825C-9964-4CBC-8353-8DD74ACCD22C}"/>
+                  </a:ext>
+                </a:extLst>
+              </p:cNvPr>
+              <p:cNvSpPr/>
+              <p:nvPr/>
+            </p:nvSpPr>
+            <p:spPr>
+              <a:xfrm>
+                <a:off x="1590962" y="2537895"/>
+                <a:ext cx="74095" cy="982289"/>
+              </a:xfrm>
+              <a:prstGeom prst="rect">
+                <a:avLst/>
+              </a:prstGeom>
+              <a:solidFill>
+                <a:schemeClr val="bg1">
+                  <a:lumMod val="85000"/>
+                </a:schemeClr>
+              </a:solidFill>
+              <a:ln>
+                <a:noFill/>
+              </a:ln>
+            </p:spPr>
+            <p:style>
+              <a:lnRef idx="2">
+                <a:schemeClr val="accent1">
+                  <a:shade val="50000"/>
+                </a:schemeClr>
+              </a:lnRef>
+              <a:fillRef idx="1">
+                <a:schemeClr val="accent1"/>
+              </a:fillRef>
+              <a:effectRef idx="0">
+                <a:schemeClr val="accent1"/>
+              </a:effectRef>
+              <a:fontRef idx="minor">
+                <a:schemeClr val="lt1"/>
+              </a:fontRef>
+            </p:style>
+            <p:txBody>
+              <a:bodyPr rtlCol="0" anchor="ctr"/>
+              <a:lstStyle/>
+              <a:p>
+                <a:pPr algn="ctr"/>
+                <a:endParaRPr lang="en-GB"/>
+              </a:p>
+            </p:txBody>
+          </p:sp>
+        </p:grpSp>
+        <p:cxnSp>
+          <p:nvCxnSpPr>
+            <p:cNvPr id="16" name="Straight Connector 15">
+              <a:extLst>
+                <a:ext uri="{FF2B5EF4-FFF2-40B4-BE49-F238E27FC236}">
+                  <a16:creationId xmlns:a16="http://schemas.microsoft.com/office/drawing/2014/main" id="{081261FB-01DF-415D-800E-1BD09F443764}"/>
+                </a:ext>
+              </a:extLst>
+            </p:cNvPr>
+            <p:cNvCxnSpPr/>
+            <p:nvPr/>
+          </p:nvCxnSpPr>
+          <p:spPr>
+            <a:xfrm>
+              <a:off x="662473" y="2867009"/>
+              <a:ext cx="953543" cy="0"/>
+            </a:xfrm>
+            <a:prstGeom prst="line">
+              <a:avLst/>
+            </a:prstGeom>
+            <a:ln w="31750">
+              <a:solidFill>
+                <a:schemeClr val="tx1"/>
+              </a:solidFill>
+            </a:ln>
+          </p:spPr>
+          <p:style>
+            <a:lnRef idx="1">
+              <a:schemeClr val="accent1"/>
+            </a:lnRef>
+            <a:fillRef idx="0">
+              <a:schemeClr val="accent1"/>
+            </a:fillRef>
+            <a:effectRef idx="0">
+              <a:schemeClr val="accent1"/>
+            </a:effectRef>
+            <a:fontRef idx="minor">
+              <a:schemeClr val="tx1"/>
+            </a:fontRef>
+          </p:style>
+        </p:cxnSp>
+        <p:cxnSp>
+          <p:nvCxnSpPr>
+            <p:cNvPr id="17" name="Straight Connector 16">
+              <a:extLst>
+                <a:ext uri="{FF2B5EF4-FFF2-40B4-BE49-F238E27FC236}">
+                  <a16:creationId xmlns:a16="http://schemas.microsoft.com/office/drawing/2014/main" id="{43AEE6A9-39F1-4742-B353-8748B5FCD9CA}"/>
+                </a:ext>
+              </a:extLst>
+            </p:cNvPr>
+            <p:cNvCxnSpPr>
+              <a:cxnSpLocks/>
+            </p:cNvCxnSpPr>
+            <p:nvPr/>
+          </p:nvCxnSpPr>
+          <p:spPr>
+            <a:xfrm>
+              <a:off x="401216" y="3122046"/>
+              <a:ext cx="1214799" cy="0"/>
+            </a:xfrm>
+            <a:prstGeom prst="line">
+              <a:avLst/>
+            </a:prstGeom>
+            <a:ln w="31750">
+              <a:solidFill>
+                <a:schemeClr val="tx1"/>
+              </a:solidFill>
+            </a:ln>
+          </p:spPr>
+          <p:style>
+            <a:lnRef idx="1">
+              <a:schemeClr val="accent1"/>
+            </a:lnRef>
+            <a:fillRef idx="0">
+              <a:schemeClr val="accent1"/>
+            </a:fillRef>
+            <a:effectRef idx="0">
+              <a:schemeClr val="accent1"/>
+            </a:effectRef>
+            <a:fontRef idx="minor">
+              <a:schemeClr val="tx1"/>
+            </a:fontRef>
+          </p:style>
+        </p:cxnSp>
+      </p:grpSp>
+      <p:grpSp>
+        <p:nvGrpSpPr>
+          <p:cNvPr id="21" name="Group 20">
+            <a:extLst>
+              <a:ext uri="{FF2B5EF4-FFF2-40B4-BE49-F238E27FC236}">
+                <a16:creationId xmlns:a16="http://schemas.microsoft.com/office/drawing/2014/main" id="{BC3D4B6D-E877-4CAC-B0E0-64FD59F57196}"/>
+              </a:ext>
+            </a:extLst>
+          </p:cNvPr>
+          <p:cNvGrpSpPr/>
+          <p:nvPr/>
+        </p:nvGrpSpPr>
+        <p:grpSpPr>
+          <a:xfrm rot="16200000">
+            <a:off x="4861880" y="5034095"/>
+            <a:ext cx="2468240" cy="982289"/>
+            <a:chOff x="401216" y="2528564"/>
+            <a:chExt cx="2468240" cy="982289"/>
+          </a:xfrm>
+        </p:grpSpPr>
+        <p:grpSp>
+          <p:nvGrpSpPr>
+            <p:cNvPr id="22" name="Group 21">
+              <a:extLst>
+                <a:ext uri="{FF2B5EF4-FFF2-40B4-BE49-F238E27FC236}">
+                  <a16:creationId xmlns:a16="http://schemas.microsoft.com/office/drawing/2014/main" id="{24B62DAB-3E3B-4CAB-A47F-8629601EE213}"/>
+                </a:ext>
+              </a:extLst>
+            </p:cNvPr>
+            <p:cNvGrpSpPr/>
+            <p:nvPr/>
+          </p:nvGrpSpPr>
+          <p:grpSpPr>
+            <a:xfrm>
+              <a:off x="1616016" y="2528564"/>
+              <a:ext cx="1253440" cy="982289"/>
+              <a:chOff x="1590962" y="2537895"/>
+              <a:chExt cx="1253440" cy="982289"/>
+            </a:xfrm>
+          </p:grpSpPr>
+          <p:sp>
+            <p:nvSpPr>
+              <p:cNvPr id="25" name="Flowchart: Connector 24">
+                <a:extLst>
+                  <a:ext uri="{FF2B5EF4-FFF2-40B4-BE49-F238E27FC236}">
+                    <a16:creationId xmlns:a16="http://schemas.microsoft.com/office/drawing/2014/main" id="{80EAA912-10B2-4E83-813A-8373886EDFB5}"/>
+                  </a:ext>
+                </a:extLst>
+              </p:cNvPr>
+              <p:cNvSpPr>
+                <a:spLocks noChangeAspect="1"/>
+              </p:cNvSpPr>
+              <p:nvPr/>
+            </p:nvSpPr>
+            <p:spPr>
+              <a:xfrm>
+                <a:off x="2070978" y="2628617"/>
+                <a:ext cx="773424" cy="773424"/>
+              </a:xfrm>
+              <a:prstGeom prst="flowChartConnector">
+                <a:avLst/>
+              </a:prstGeom>
+              <a:solidFill>
+                <a:schemeClr val="bg1">
+                  <a:lumMod val="85000"/>
+                </a:schemeClr>
+              </a:solidFill>
+              <a:ln>
+                <a:noFill/>
+              </a:ln>
+            </p:spPr>
+            <p:style>
+              <a:lnRef idx="2">
+                <a:schemeClr val="accent1">
+                  <a:shade val="50000"/>
+                </a:schemeClr>
+              </a:lnRef>
+              <a:fillRef idx="1">
+                <a:schemeClr val="accent1"/>
+              </a:fillRef>
+              <a:effectRef idx="0">
+                <a:schemeClr val="accent1"/>
+              </a:effectRef>
+              <a:fontRef idx="minor">
+                <a:schemeClr val="lt1"/>
+              </a:fontRef>
+            </p:style>
+            <p:txBody>
+              <a:bodyPr rtlCol="0" anchor="ctr"/>
+              <a:lstStyle/>
+              <a:p>
+                <a:pPr algn="ctr"/>
+                <a:endParaRPr lang="en-GB" sz="2000"/>
+              </a:p>
+            </p:txBody>
+          </p:sp>
+          <p:sp>
+            <p:nvSpPr>
+              <p:cNvPr id="26" name="Rectangle 25">
+                <a:extLst>
+                  <a:ext uri="{FF2B5EF4-FFF2-40B4-BE49-F238E27FC236}">
+                    <a16:creationId xmlns:a16="http://schemas.microsoft.com/office/drawing/2014/main" id="{7E3BE99D-E1DB-4650-930F-E95015ECE0A5}"/>
+                  </a:ext>
+                </a:extLst>
+              </p:cNvPr>
+              <p:cNvSpPr/>
+              <p:nvPr/>
+            </p:nvSpPr>
+            <p:spPr>
+              <a:xfrm>
+                <a:off x="1644292" y="2628614"/>
+                <a:ext cx="800100" cy="795528"/>
+              </a:xfrm>
+              <a:prstGeom prst="rect">
+                <a:avLst/>
+              </a:prstGeom>
+              <a:solidFill>
+                <a:schemeClr val="bg1">
+                  <a:lumMod val="85000"/>
+                </a:schemeClr>
+              </a:solidFill>
+              <a:ln>
+                <a:noFill/>
+              </a:ln>
+            </p:spPr>
+            <p:style>
+              <a:lnRef idx="2">
+                <a:schemeClr val="accent1">
+                  <a:shade val="50000"/>
+                </a:schemeClr>
+              </a:lnRef>
+              <a:fillRef idx="1">
+                <a:schemeClr val="accent1"/>
+              </a:fillRef>
+              <a:effectRef idx="0">
+                <a:schemeClr val="accent1"/>
+              </a:effectRef>
+              <a:fontRef idx="minor">
+                <a:schemeClr val="lt1"/>
+              </a:fontRef>
+            </p:style>
+            <p:txBody>
+              <a:bodyPr rtlCol="0" anchor="ctr"/>
+              <a:lstStyle/>
+              <a:p>
+                <a:pPr algn="ctr"/>
+                <a:endParaRPr lang="en-GB" dirty="0"/>
+              </a:p>
+            </p:txBody>
+          </p:sp>
+          <p:sp>
+            <p:nvSpPr>
+              <p:cNvPr id="27" name="Rectangle 26">
+                <a:extLst>
+                  <a:ext uri="{FF2B5EF4-FFF2-40B4-BE49-F238E27FC236}">
+                    <a16:creationId xmlns:a16="http://schemas.microsoft.com/office/drawing/2014/main" id="{1C6C81D2-E41B-4308-8FF6-B4BDB2A03E7E}"/>
+                  </a:ext>
+                </a:extLst>
+              </p:cNvPr>
+              <p:cNvSpPr/>
+              <p:nvPr/>
+            </p:nvSpPr>
+            <p:spPr>
+              <a:xfrm>
+                <a:off x="1590962" y="2537895"/>
+                <a:ext cx="74095" cy="982289"/>
+              </a:xfrm>
+              <a:prstGeom prst="rect">
+                <a:avLst/>
+              </a:prstGeom>
+              <a:solidFill>
+                <a:schemeClr val="bg1">
+                  <a:lumMod val="85000"/>
+                </a:schemeClr>
+              </a:solidFill>
+              <a:ln>
+                <a:noFill/>
+              </a:ln>
+            </p:spPr>
+            <p:style>
+              <a:lnRef idx="2">
+                <a:schemeClr val="accent1">
+                  <a:shade val="50000"/>
+                </a:schemeClr>
+              </a:lnRef>
+              <a:fillRef idx="1">
+                <a:schemeClr val="accent1"/>
+              </a:fillRef>
+              <a:effectRef idx="0">
+                <a:schemeClr val="accent1"/>
+              </a:effectRef>
+              <a:fontRef idx="minor">
+                <a:schemeClr val="lt1"/>
+              </a:fontRef>
+            </p:style>
+            <p:txBody>
+              <a:bodyPr rtlCol="0" anchor="ctr"/>
+              <a:lstStyle/>
+              <a:p>
+                <a:pPr algn="ctr"/>
+                <a:endParaRPr lang="en-GB"/>
+              </a:p>
+            </p:txBody>
+          </p:sp>
+        </p:grpSp>
+        <p:cxnSp>
+          <p:nvCxnSpPr>
+            <p:cNvPr id="23" name="Straight Connector 22">
+              <a:extLst>
+                <a:ext uri="{FF2B5EF4-FFF2-40B4-BE49-F238E27FC236}">
+                  <a16:creationId xmlns:a16="http://schemas.microsoft.com/office/drawing/2014/main" id="{79648CA4-8805-45A9-9F9E-6B91C549E99E}"/>
+                </a:ext>
+              </a:extLst>
+            </p:cNvPr>
+            <p:cNvCxnSpPr/>
+            <p:nvPr/>
+          </p:nvCxnSpPr>
+          <p:spPr>
+            <a:xfrm>
+              <a:off x="662473" y="2867009"/>
+              <a:ext cx="953543" cy="0"/>
+            </a:xfrm>
+            <a:prstGeom prst="line">
+              <a:avLst/>
+            </a:prstGeom>
+            <a:ln w="31750">
+              <a:solidFill>
+                <a:schemeClr val="tx1"/>
+              </a:solidFill>
+            </a:ln>
+          </p:spPr>
+          <p:style>
+            <a:lnRef idx="1">
+              <a:schemeClr val="accent1"/>
+            </a:lnRef>
+            <a:fillRef idx="0">
+              <a:schemeClr val="accent1"/>
+            </a:fillRef>
+            <a:effectRef idx="0">
+              <a:schemeClr val="accent1"/>
+            </a:effectRef>
+            <a:fontRef idx="minor">
+              <a:schemeClr val="tx1"/>
+            </a:fontRef>
+          </p:style>
+        </p:cxnSp>
+        <p:cxnSp>
+          <p:nvCxnSpPr>
+            <p:cNvPr id="24" name="Straight Connector 23">
+              <a:extLst>
+                <a:ext uri="{FF2B5EF4-FFF2-40B4-BE49-F238E27FC236}">
+                  <a16:creationId xmlns:a16="http://schemas.microsoft.com/office/drawing/2014/main" id="{D0DBDE8B-463A-4730-AD1E-166E15775B9B}"/>
+                </a:ext>
+              </a:extLst>
+            </p:cNvPr>
+            <p:cNvCxnSpPr>
+              <a:cxnSpLocks/>
+            </p:cNvCxnSpPr>
+            <p:nvPr/>
+          </p:nvCxnSpPr>
+          <p:spPr>
+            <a:xfrm>
+              <a:off x="401216" y="3122046"/>
+              <a:ext cx="1214799" cy="0"/>
+            </a:xfrm>
+            <a:prstGeom prst="line">
+              <a:avLst/>
+            </a:prstGeom>
+            <a:ln w="31750">
+              <a:solidFill>
+                <a:schemeClr val="tx1"/>
+              </a:solidFill>
+            </a:ln>
+          </p:spPr>
+          <p:style>
+            <a:lnRef idx="1">
+              <a:schemeClr val="accent1"/>
+            </a:lnRef>
+            <a:fillRef idx="0">
+              <a:schemeClr val="accent1"/>
+            </a:fillRef>
+            <a:effectRef idx="0">
+              <a:schemeClr val="accent1"/>
+            </a:effectRef>
+            <a:fontRef idx="minor">
+              <a:schemeClr val="tx1"/>
+            </a:fontRef>
+          </p:style>
+        </p:cxnSp>
+      </p:grpSp>
+      <p:sp>
+        <p:nvSpPr>
+          <p:cNvPr id="28" name="Arrow: Right 27">
+            <a:extLst>
+              <a:ext uri="{FF2B5EF4-FFF2-40B4-BE49-F238E27FC236}">
+                <a16:creationId xmlns:a16="http://schemas.microsoft.com/office/drawing/2014/main" id="{05B650BD-9410-46B8-B3BC-7C52A20E9D66}"/>
+              </a:ext>
+            </a:extLst>
+          </p:cNvPr>
+          <p:cNvSpPr>
+            <a:spLocks noChangeAspect="1"/>
+          </p:cNvSpPr>
+          <p:nvPr/>
+        </p:nvSpPr>
+        <p:spPr>
+          <a:xfrm>
+            <a:off x="3304743" y="773659"/>
+            <a:ext cx="2122942" cy="1239572"/>
+          </a:xfrm>
+          <a:prstGeom prst="rightArrow">
+            <a:avLst/>
+          </a:prstGeom>
+          <a:solidFill>
+            <a:schemeClr val="bg1">
+              <a:lumMod val="65000"/>
+            </a:schemeClr>
+          </a:solidFill>
+          <a:ln>
+            <a:noFill/>
+          </a:ln>
+        </p:spPr>
+        <p:style>
+          <a:lnRef idx="2">
+            <a:schemeClr val="accent1">
+              <a:shade val="50000"/>
+            </a:schemeClr>
+          </a:lnRef>
+          <a:fillRef idx="1">
+            <a:schemeClr val="accent1"/>
+          </a:fillRef>
+          <a:effectRef idx="0">
+            <a:schemeClr val="accent1"/>
+          </a:effectRef>
+          <a:fontRef idx="minor">
+            <a:schemeClr val="lt1"/>
+          </a:fontRef>
+        </p:style>
+        <p:txBody>
+          <a:bodyPr rtlCol="0" anchor="ctr"/>
+          <a:lstStyle/>
+          <a:p>
+            <a:pPr algn="ctr"/>
+            <a:endParaRPr lang="en-GB"/>
+          </a:p>
+        </p:txBody>
+      </p:sp>
+      <p:sp>
+        <p:nvSpPr>
+          <p:cNvPr id="29" name="Arrow: Right 28">
+            <a:extLst>
+              <a:ext uri="{FF2B5EF4-FFF2-40B4-BE49-F238E27FC236}">
+                <a16:creationId xmlns:a16="http://schemas.microsoft.com/office/drawing/2014/main" id="{1396E35A-B169-486B-B063-6BA677A60A85}"/>
+              </a:ext>
+            </a:extLst>
+          </p:cNvPr>
+          <p:cNvSpPr>
+            <a:spLocks noChangeAspect="1"/>
+          </p:cNvSpPr>
+          <p:nvPr/>
+        </p:nvSpPr>
+        <p:spPr>
+          <a:xfrm rot="16200000">
+            <a:off x="5077072" y="2496270"/>
+            <a:ext cx="2045831" cy="1194548"/>
+          </a:xfrm>
+          <a:prstGeom prst="rightArrow">
+            <a:avLst/>
+          </a:prstGeom>
+          <a:solidFill>
+            <a:schemeClr val="bg1">
+              <a:lumMod val="65000"/>
+            </a:schemeClr>
+          </a:solidFill>
+          <a:ln w="50800">
+            <a:solidFill>
+              <a:schemeClr val="tx1"/>
+            </a:solidFill>
+          </a:ln>
+        </p:spPr>
+        <p:style>
+          <a:lnRef idx="2">
+            <a:schemeClr val="accent1">
+              <a:shade val="50000"/>
+            </a:schemeClr>
+          </a:lnRef>
+          <a:fillRef idx="1">
+            <a:schemeClr val="accent1"/>
+          </a:fillRef>
+          <a:effectRef idx="0">
+            <a:schemeClr val="accent1"/>
+          </a:effectRef>
+          <a:fontRef idx="minor">
+            <a:schemeClr val="lt1"/>
+          </a:fontRef>
+        </p:style>
+        <p:txBody>
+          <a:bodyPr rtlCol="0" anchor="ctr"/>
+          <a:lstStyle/>
+          <a:p>
+            <a:pPr algn="ctr"/>
+            <a:endParaRPr lang="en-GB"/>
+          </a:p>
+        </p:txBody>
+      </p:sp>
+      <p:sp>
+        <p:nvSpPr>
+          <p:cNvPr id="30" name="Arrow: Right 29">
+            <a:extLst>
+              <a:ext uri="{FF2B5EF4-FFF2-40B4-BE49-F238E27FC236}">
+                <a16:creationId xmlns:a16="http://schemas.microsoft.com/office/drawing/2014/main" id="{42FEB97C-FB31-4891-9852-63FCB0B6BA97}"/>
+              </a:ext>
+            </a:extLst>
+          </p:cNvPr>
+          <p:cNvSpPr>
+            <a:spLocks/>
+          </p:cNvSpPr>
+          <p:nvPr/>
+        </p:nvSpPr>
+        <p:spPr>
+          <a:xfrm>
+            <a:off x="6792451" y="759594"/>
+            <a:ext cx="2122942" cy="491145"/>
+          </a:xfrm>
+          <a:prstGeom prst="rightArrow">
+            <a:avLst/>
+          </a:prstGeom>
+          <a:solidFill>
+            <a:schemeClr val="bg1">
+              <a:lumMod val="65000"/>
+            </a:schemeClr>
+          </a:solidFill>
+          <a:ln w="50800">
+            <a:solidFill>
+              <a:schemeClr val="bg1">
+                <a:lumMod val="65000"/>
+              </a:schemeClr>
+            </a:solidFill>
+          </a:ln>
+        </p:spPr>
+        <p:style>
+          <a:lnRef idx="2">
+            <a:schemeClr val="accent1">
+              <a:shade val="50000"/>
+            </a:schemeClr>
+          </a:lnRef>
+          <a:fillRef idx="1">
+            <a:schemeClr val="accent1"/>
+          </a:fillRef>
+          <a:effectRef idx="0">
+            <a:schemeClr val="accent1"/>
+          </a:effectRef>
+          <a:fontRef idx="minor">
+            <a:schemeClr val="lt1"/>
+          </a:fontRef>
+        </p:style>
+        <p:txBody>
+          <a:bodyPr rtlCol="0" anchor="ctr"/>
+          <a:lstStyle/>
+          <a:p>
+            <a:pPr algn="ctr"/>
+            <a:endParaRPr lang="en-GB"/>
+          </a:p>
+        </p:txBody>
+      </p:sp>
+      <p:grpSp>
+        <p:nvGrpSpPr>
+          <p:cNvPr id="34" name="Group 33">
+            <a:extLst>
+              <a:ext uri="{FF2B5EF4-FFF2-40B4-BE49-F238E27FC236}">
+                <a16:creationId xmlns:a16="http://schemas.microsoft.com/office/drawing/2014/main" id="{12DD13D6-3404-40ED-A87A-BA4AD0D924A0}"/>
+              </a:ext>
+            </a:extLst>
+          </p:cNvPr>
+          <p:cNvGrpSpPr/>
+          <p:nvPr/>
+        </p:nvGrpSpPr>
+        <p:grpSpPr>
+          <a:xfrm>
+            <a:off x="10043518" y="903677"/>
+            <a:ext cx="1682380" cy="983574"/>
+            <a:chOff x="10090959" y="2553620"/>
+            <a:chExt cx="1682380" cy="983574"/>
+          </a:xfrm>
+        </p:grpSpPr>
+        <p:sp>
+          <p:nvSpPr>
+            <p:cNvPr id="35" name="Rectangle: Rounded Corners 34">
+              <a:extLst>
+                <a:ext uri="{FF2B5EF4-FFF2-40B4-BE49-F238E27FC236}">
+                  <a16:creationId xmlns:a16="http://schemas.microsoft.com/office/drawing/2014/main" id="{10BB3B0F-6876-44DB-95FE-CC6187B4385C}"/>
+                </a:ext>
+              </a:extLst>
+            </p:cNvPr>
+            <p:cNvSpPr/>
+            <p:nvPr/>
+          </p:nvSpPr>
+          <p:spPr>
+            <a:xfrm>
+              <a:off x="10091672" y="2553620"/>
+              <a:ext cx="1506276" cy="983574"/>
+            </a:xfrm>
+            <a:prstGeom prst="roundRect">
+              <a:avLst/>
+            </a:prstGeom>
+            <a:solidFill>
+              <a:schemeClr val="accent2">
+                <a:lumMod val="20000"/>
+                <a:lumOff val="80000"/>
+              </a:schemeClr>
+            </a:solidFill>
+            <a:ln w="47625">
+              <a:solidFill>
+                <a:schemeClr val="accent2">
+                  <a:lumMod val="75000"/>
+                </a:schemeClr>
+              </a:solidFill>
+            </a:ln>
+          </p:spPr>
+          <p:style>
+            <a:lnRef idx="2">
+              <a:schemeClr val="accent1">
+                <a:shade val="50000"/>
+              </a:schemeClr>
+            </a:lnRef>
+            <a:fillRef idx="1">
+              <a:schemeClr val="accent1"/>
+            </a:fillRef>
+            <a:effectRef idx="0">
+              <a:schemeClr val="accent1"/>
+            </a:effectRef>
+            <a:fontRef idx="minor">
+              <a:schemeClr val="lt1"/>
+            </a:fontRef>
+          </p:style>
+          <p:txBody>
+            <a:bodyPr rtlCol="0" anchor="ctr"/>
+            <a:lstStyle/>
+            <a:p>
+              <a:pPr algn="ctr"/>
+              <a:endParaRPr lang="en-GB"/>
+            </a:p>
+          </p:txBody>
+        </p:sp>
+        <p:sp>
+          <p:nvSpPr>
+            <p:cNvPr id="36" name="TextBox 35">
+              <a:extLst>
+                <a:ext uri="{FF2B5EF4-FFF2-40B4-BE49-F238E27FC236}">
+                  <a16:creationId xmlns:a16="http://schemas.microsoft.com/office/drawing/2014/main" id="{F03D8D61-7C84-4C31-8DEE-53E805E64BF1}"/>
+                </a:ext>
+              </a:extLst>
+            </p:cNvPr>
+            <p:cNvSpPr txBox="1"/>
+            <p:nvPr/>
+          </p:nvSpPr>
+          <p:spPr>
+            <a:xfrm>
+              <a:off x="10090959" y="2753019"/>
+              <a:ext cx="1682380" cy="584775"/>
+            </a:xfrm>
+            <a:prstGeom prst="rect">
+              <a:avLst/>
+            </a:prstGeom>
+            <a:noFill/>
+          </p:spPr>
+          <p:txBody>
+            <a:bodyPr wrap="square" rtlCol="0">
+              <a:spAutoFit/>
+            </a:bodyPr>
+            <a:lstStyle/>
+            <a:p>
+              <a:r>
+                <a:rPr lang="en-GB" sz="3200" b="1" dirty="0">
+                  <a:cs typeface="Aparajita" panose="020B0502040204020203" pitchFamily="18" charset="0"/>
+                </a:rPr>
+                <a:t>1.25678</a:t>
+              </a:r>
+            </a:p>
+          </p:txBody>
+        </p:sp>
+      </p:grpSp>
+      <p:sp>
+        <p:nvSpPr>
+          <p:cNvPr id="37" name="Arrow: Right 36">
+            <a:extLst>
+              <a:ext uri="{FF2B5EF4-FFF2-40B4-BE49-F238E27FC236}">
+                <a16:creationId xmlns:a16="http://schemas.microsoft.com/office/drawing/2014/main" id="{BF6E9965-22B0-4740-AB68-8252EC61191C}"/>
+              </a:ext>
+            </a:extLst>
+          </p:cNvPr>
+          <p:cNvSpPr>
+            <a:spLocks/>
+          </p:cNvSpPr>
+          <p:nvPr/>
+        </p:nvSpPr>
+        <p:spPr>
+          <a:xfrm>
+            <a:off x="6792451" y="1477496"/>
+            <a:ext cx="2122942" cy="491145"/>
+          </a:xfrm>
+          <a:prstGeom prst="rightArrow">
+            <a:avLst/>
+          </a:prstGeom>
+          <a:solidFill>
+            <a:schemeClr val="bg1">
+              <a:lumMod val="65000"/>
+            </a:schemeClr>
+          </a:solidFill>
+          <a:ln w="50800">
+            <a:solidFill>
+              <a:schemeClr val="tx1"/>
+            </a:solidFill>
+          </a:ln>
+        </p:spPr>
+        <p:style>
+          <a:lnRef idx="2">
+            <a:schemeClr val="accent1">
+              <a:shade val="50000"/>
+            </a:schemeClr>
+          </a:lnRef>
+          <a:fillRef idx="1">
+            <a:schemeClr val="accent1"/>
+          </a:fillRef>
+          <a:effectRef idx="0">
+            <a:schemeClr val="accent1"/>
+          </a:effectRef>
+          <a:fontRef idx="minor">
+            <a:schemeClr val="lt1"/>
+          </a:fontRef>
+        </p:style>
+        <p:txBody>
+          <a:bodyPr rtlCol="0" anchor="ctr"/>
+          <a:lstStyle/>
+          <a:p>
+            <a:pPr algn="ctr"/>
+            <a:endParaRPr lang="en-GB"/>
+          </a:p>
+        </p:txBody>
+      </p:sp>
+      <p:sp>
+        <p:nvSpPr>
+          <p:cNvPr id="38" name="TextBox 37">
+            <a:extLst>
+              <a:ext uri="{FF2B5EF4-FFF2-40B4-BE49-F238E27FC236}">
+                <a16:creationId xmlns:a16="http://schemas.microsoft.com/office/drawing/2014/main" id="{313D5DDC-AA37-4428-AD44-780768581F89}"/>
+              </a:ext>
+            </a:extLst>
+          </p:cNvPr>
+          <p:cNvSpPr txBox="1"/>
+          <p:nvPr/>
+        </p:nvSpPr>
+        <p:spPr>
+          <a:xfrm>
+            <a:off x="3805838" y="1208779"/>
+            <a:ext cx="667170" cy="369332"/>
+          </a:xfrm>
+          <a:prstGeom prst="rect">
+            <a:avLst/>
+          </a:prstGeom>
+          <a:noFill/>
+        </p:spPr>
+        <p:txBody>
+          <a:bodyPr wrap="none" rtlCol="0">
+            <a:spAutoFit/>
+          </a:bodyPr>
+          <a:lstStyle/>
+          <a:p>
+            <a:r>
+              <a:rPr lang="en-GB" dirty="0"/>
+              <a:t>180 </a:t>
+            </a:r>
+            <a:r>
+              <a:rPr lang="en-GB" baseline="30000" dirty="0"/>
+              <a:t>0</a:t>
+            </a:r>
+          </a:p>
+        </p:txBody>
+      </p:sp>
+      <p:sp>
+        <p:nvSpPr>
+          <p:cNvPr id="39" name="TextBox 38">
+            <a:extLst>
+              <a:ext uri="{FF2B5EF4-FFF2-40B4-BE49-F238E27FC236}">
+                <a16:creationId xmlns:a16="http://schemas.microsoft.com/office/drawing/2014/main" id="{08D4178B-0C39-4306-BD67-74EDE21311A9}"/>
+              </a:ext>
+            </a:extLst>
+          </p:cNvPr>
+          <p:cNvSpPr txBox="1"/>
+          <p:nvPr/>
+        </p:nvSpPr>
+        <p:spPr>
+          <a:xfrm rot="16200000">
+            <a:off x="5824912" y="3017310"/>
+            <a:ext cx="550151" cy="369332"/>
+          </a:xfrm>
+          <a:prstGeom prst="rect">
+            <a:avLst/>
+          </a:prstGeom>
+          <a:noFill/>
+        </p:spPr>
+        <p:txBody>
+          <a:bodyPr wrap="none" rtlCol="0">
+            <a:spAutoFit/>
+          </a:bodyPr>
+          <a:lstStyle/>
+          <a:p>
+            <a:r>
+              <a:rPr lang="en-GB" dirty="0"/>
+              <a:t>90 </a:t>
+            </a:r>
+            <a:r>
+              <a:rPr lang="en-GB" baseline="30000" dirty="0"/>
+              <a:t>0</a:t>
+            </a:r>
+          </a:p>
+        </p:txBody>
+      </p:sp>
+      <p:sp>
+        <p:nvSpPr>
+          <p:cNvPr id="40" name="TextBox 39">
+            <a:extLst>
+              <a:ext uri="{FF2B5EF4-FFF2-40B4-BE49-F238E27FC236}">
+                <a16:creationId xmlns:a16="http://schemas.microsoft.com/office/drawing/2014/main" id="{2F9FD8A6-2BFC-4965-B269-D58118420A1B}"/>
+              </a:ext>
+            </a:extLst>
+          </p:cNvPr>
+          <p:cNvSpPr txBox="1"/>
+          <p:nvPr/>
+        </p:nvSpPr>
+        <p:spPr>
+          <a:xfrm>
+            <a:off x="3805838" y="2194198"/>
+            <a:ext cx="1282723" cy="369332"/>
+          </a:xfrm>
+          <a:prstGeom prst="rect">
+            <a:avLst/>
+          </a:prstGeom>
+          <a:noFill/>
+        </p:spPr>
+        <p:txBody>
+          <a:bodyPr wrap="none" rtlCol="0">
+            <a:spAutoFit/>
+          </a:bodyPr>
+          <a:lstStyle/>
+          <a:p>
+            <a:r>
+              <a:rPr lang="en-GB" dirty="0"/>
+              <a:t>Beam angle</a:t>
+            </a:r>
+          </a:p>
+        </p:txBody>
+      </p:sp>
+      <p:sp>
+        <p:nvSpPr>
+          <p:cNvPr id="42" name="TextBox 41">
+            <a:extLst>
+              <a:ext uri="{FF2B5EF4-FFF2-40B4-BE49-F238E27FC236}">
+                <a16:creationId xmlns:a16="http://schemas.microsoft.com/office/drawing/2014/main" id="{B722AEAE-658C-4736-99A4-B934546E0207}"/>
+              </a:ext>
+            </a:extLst>
+          </p:cNvPr>
+          <p:cNvSpPr txBox="1"/>
+          <p:nvPr/>
+        </p:nvSpPr>
+        <p:spPr>
+          <a:xfrm>
+            <a:off x="3805838" y="134428"/>
+            <a:ext cx="3130985" cy="646331"/>
+          </a:xfrm>
+          <a:prstGeom prst="rect">
+            <a:avLst/>
+          </a:prstGeom>
+          <a:noFill/>
+        </p:spPr>
+        <p:txBody>
+          <a:bodyPr wrap="none" rtlCol="0">
+            <a:spAutoFit/>
+          </a:bodyPr>
+          <a:lstStyle/>
+          <a:p>
+            <a:r>
+              <a:rPr lang="en-GB" dirty="0"/>
+              <a:t>Absorbance</a:t>
+            </a:r>
+          </a:p>
+          <a:p>
+            <a:r>
+              <a:rPr lang="en-GB" dirty="0"/>
+              <a:t>Transmitted light measurement</a:t>
+            </a:r>
+          </a:p>
+        </p:txBody>
+      </p:sp>
+      <p:sp>
+        <p:nvSpPr>
+          <p:cNvPr id="43" name="TextBox 42">
+            <a:extLst>
+              <a:ext uri="{FF2B5EF4-FFF2-40B4-BE49-F238E27FC236}">
+                <a16:creationId xmlns:a16="http://schemas.microsoft.com/office/drawing/2014/main" id="{9EF5E67D-1615-495D-9E7A-A36A12BEEE0A}"/>
+              </a:ext>
+            </a:extLst>
+          </p:cNvPr>
+          <p:cNvSpPr txBox="1"/>
+          <p:nvPr/>
+        </p:nvSpPr>
+        <p:spPr>
+          <a:xfrm>
+            <a:off x="6725398" y="2013231"/>
+            <a:ext cx="2889765" cy="646331"/>
+          </a:xfrm>
+          <a:prstGeom prst="rect">
+            <a:avLst/>
+          </a:prstGeom>
+          <a:noFill/>
+        </p:spPr>
+        <p:txBody>
+          <a:bodyPr wrap="none" rtlCol="0">
+            <a:spAutoFit/>
+          </a:bodyPr>
+          <a:lstStyle/>
+          <a:p>
+            <a:r>
+              <a:rPr lang="en-GB" i="1" dirty="0"/>
+              <a:t>Nephelometric turbidity</a:t>
+            </a:r>
+          </a:p>
+          <a:p>
+            <a:r>
+              <a:rPr lang="en-GB" i="1" dirty="0"/>
+              <a:t>Scattered light measurement</a:t>
+            </a:r>
+            <a:endParaRPr lang="en-GB" dirty="0"/>
+          </a:p>
+        </p:txBody>
+      </p:sp>
+      <p:grpSp>
+        <p:nvGrpSpPr>
+          <p:cNvPr id="41" name="Group 40">
+            <a:extLst>
+              <a:ext uri="{FF2B5EF4-FFF2-40B4-BE49-F238E27FC236}">
+                <a16:creationId xmlns:a16="http://schemas.microsoft.com/office/drawing/2014/main" id="{A980970B-F0C9-4CB0-9357-252005F713CF}"/>
+              </a:ext>
+            </a:extLst>
+          </p:cNvPr>
+          <p:cNvGrpSpPr/>
+          <p:nvPr/>
+        </p:nvGrpSpPr>
+        <p:grpSpPr>
+          <a:xfrm>
+            <a:off x="9422402" y="564230"/>
+            <a:ext cx="220897" cy="1620685"/>
+            <a:chOff x="9375896" y="2238293"/>
+            <a:chExt cx="220897" cy="1620685"/>
+          </a:xfrm>
+        </p:grpSpPr>
+        <p:sp>
+          <p:nvSpPr>
+            <p:cNvPr id="44" name="Rectangle 43">
+              <a:extLst>
+                <a:ext uri="{FF2B5EF4-FFF2-40B4-BE49-F238E27FC236}">
+                  <a16:creationId xmlns:a16="http://schemas.microsoft.com/office/drawing/2014/main" id="{D7278F35-FFD1-4F94-808F-2E25BCDD44FA}"/>
+                </a:ext>
+              </a:extLst>
+            </p:cNvPr>
+            <p:cNvSpPr/>
+            <p:nvPr/>
+          </p:nvSpPr>
+          <p:spPr>
+            <a:xfrm>
+              <a:off x="9434868" y="2238293"/>
+              <a:ext cx="161925" cy="1620685"/>
+            </a:xfrm>
+            <a:prstGeom prst="rect">
+              <a:avLst/>
+            </a:prstGeom>
+            <a:solidFill>
+              <a:schemeClr val="tx1"/>
+            </a:solidFill>
+            <a:ln>
+              <a:solidFill>
+                <a:schemeClr val="accent1">
+                  <a:lumMod val="75000"/>
+                </a:schemeClr>
+              </a:solidFill>
+            </a:ln>
+          </p:spPr>
+          <p:style>
+            <a:lnRef idx="2">
+              <a:schemeClr val="accent1">
+                <a:shade val="50000"/>
+              </a:schemeClr>
+            </a:lnRef>
+            <a:fillRef idx="1">
+              <a:schemeClr val="accent1"/>
+            </a:fillRef>
+            <a:effectRef idx="0">
+              <a:schemeClr val="accent1"/>
+            </a:effectRef>
+            <a:fontRef idx="minor">
+              <a:schemeClr val="lt1"/>
+            </a:fontRef>
+          </p:style>
+          <p:txBody>
+            <a:bodyPr rtlCol="0" anchor="ctr"/>
+            <a:lstStyle/>
+            <a:p>
+              <a:pPr algn="ctr"/>
+              <a:endParaRPr lang="en-GB"/>
+            </a:p>
+          </p:txBody>
+        </p:sp>
+        <p:sp>
+          <p:nvSpPr>
+            <p:cNvPr id="45" name="Rectangle 44">
+              <a:extLst>
+                <a:ext uri="{FF2B5EF4-FFF2-40B4-BE49-F238E27FC236}">
+                  <a16:creationId xmlns:a16="http://schemas.microsoft.com/office/drawing/2014/main" id="{178D9F45-F1D0-4DBC-93B1-A79CE057FD4D}"/>
+                </a:ext>
+              </a:extLst>
+            </p:cNvPr>
+            <p:cNvSpPr/>
+            <p:nvPr/>
+          </p:nvSpPr>
+          <p:spPr>
+            <a:xfrm>
+              <a:off x="9375896" y="2783571"/>
+              <a:ext cx="132396" cy="472276"/>
+            </a:xfrm>
+            <a:prstGeom prst="rect">
+              <a:avLst/>
+            </a:prstGeom>
+            <a:solidFill>
+              <a:srgbClr val="FFFF00"/>
+            </a:solidFill>
+            <a:ln>
+              <a:solidFill>
+                <a:schemeClr val="accent1">
+                  <a:lumMod val="75000"/>
+                </a:schemeClr>
+              </a:solidFill>
+            </a:ln>
+          </p:spPr>
+          <p:style>
+            <a:lnRef idx="2">
+              <a:schemeClr val="accent1">
+                <a:shade val="50000"/>
+              </a:schemeClr>
+            </a:lnRef>
+            <a:fillRef idx="1">
+              <a:schemeClr val="accent1"/>
+            </a:fillRef>
+            <a:effectRef idx="0">
+              <a:schemeClr val="accent1"/>
+            </a:effectRef>
+            <a:fontRef idx="minor">
+              <a:schemeClr val="lt1"/>
+            </a:fontRef>
+          </p:style>
+          <p:txBody>
+            <a:bodyPr rtlCol="0" anchor="ctr"/>
+            <a:lstStyle/>
+            <a:p>
+              <a:pPr algn="ctr"/>
+              <a:endParaRPr lang="en-GB"/>
+            </a:p>
+          </p:txBody>
+        </p:sp>
+      </p:grpSp>
+    </p:spTree>
+    <p:extLst>
+      <p:ext uri="{BB962C8B-B14F-4D97-AF65-F5344CB8AC3E}">
+        <p14:creationId xmlns:p14="http://schemas.microsoft.com/office/powerpoint/2010/main" val="2098896582"/>
+      </p:ext>
+    </p:extLst>
+  </p:cSld>
+  <p:clrMapOvr>
+    <a:masterClrMapping/>
+  </p:clrMapOvr>
+</p:sld>
+</file>
+
+<file path=ppt/slides/slide11.xml><?xml version="1.0" encoding="utf-8"?>
 <p:sld xmlns:a="http://schemas.openxmlformats.org/drawingml/2006/main" xmlns:r="http://schemas.openxmlformats.org/officeDocument/2006/relationships" xmlns:p="http://schemas.openxmlformats.org/presentationml/2006/main">
   <p:cSld>
     <p:spTree>
@@ -14146,7 +15497,7 @@
 </p:sld>
 </file>
 
-<file path=ppt/slides/slide11.xml><?xml version="1.0" encoding="utf-8"?>
+<file path=ppt/slides/slide12.xml><?xml version="1.0" encoding="utf-8"?>
 <p:sld xmlns:a="http://schemas.openxmlformats.org/drawingml/2006/main" xmlns:r="http://schemas.openxmlformats.org/officeDocument/2006/relationships" xmlns:p="http://schemas.openxmlformats.org/presentationml/2006/main">
   <p:cSld>
     <p:spTree>
@@ -14242,7 +15593,7 @@
 </p:sld>
 </file>
 
-<file path=ppt/slides/slide12.xml><?xml version="1.0" encoding="utf-8"?>
+<file path=ppt/slides/slide13.xml><?xml version="1.0" encoding="utf-8"?>
 <p:sld xmlns:a="http://schemas.openxmlformats.org/drawingml/2006/main" xmlns:r="http://schemas.openxmlformats.org/officeDocument/2006/relationships" xmlns:p="http://schemas.openxmlformats.org/presentationml/2006/main">
   <p:cSld>
     <p:spTree>
@@ -14287,7 +15638,7 @@
           <a:graphicData uri="http://schemas.openxmlformats.org/presentationml/2006/ole">
             <mc:AlternateContent xmlns:mc="http://schemas.openxmlformats.org/markup-compatibility/2006">
               <mc:Choice xmlns:v="urn:schemas-microsoft-com:vml" Requires="v">
-                <p:oleObj spid="_x0000_s1082" name="Worksheet" r:id="rId3" imgW="11763331" imgH="8772584" progId="Excel.Sheet.12">
+                <p:oleObj spid="_x0000_s1089" name="Worksheet" r:id="rId3" imgW="11763331" imgH="8772584" progId="Excel.Sheet.12">
                   <p:embed/>
                 </p:oleObj>
               </mc:Choice>
@@ -14335,7 +15686,7 @@
 </p:sld>
 </file>
 
-<file path=ppt/slides/slide13.xml><?xml version="1.0" encoding="utf-8"?>
+<file path=ppt/slides/slide14.xml><?xml version="1.0" encoding="utf-8"?>
 <p:sld xmlns:a="http://schemas.openxmlformats.org/drawingml/2006/main" xmlns:r="http://schemas.openxmlformats.org/officeDocument/2006/relationships" xmlns:p="http://schemas.openxmlformats.org/presentationml/2006/main">
   <p:cSld>
     <p:spTree>
@@ -14380,7 +15731,7 @@
           <a:graphicData uri="http://schemas.openxmlformats.org/presentationml/2006/ole">
             <mc:AlternateContent xmlns:mc="http://schemas.openxmlformats.org/markup-compatibility/2006">
               <mc:Choice xmlns:v="urn:schemas-microsoft-com:vml" Requires="v">
-                <p:oleObj spid="_x0000_s2089" name="Worksheet" r:id="rId3" imgW="12373108" imgH="6677005" progId="Excel.Sheet.12">
+                <p:oleObj spid="_x0000_s2096" name="Worksheet" r:id="rId3" imgW="12373108" imgH="6677005" progId="Excel.Sheet.12">
                   <p:embed/>
                 </p:oleObj>
               </mc:Choice>
@@ -14434,7 +15785,7 @@
 </p:sld>
 </file>
 
-<file path=ppt/slides/slide14.xml><?xml version="1.0" encoding="utf-8"?>
+<file path=ppt/slides/slide15.xml><?xml version="1.0" encoding="utf-8"?>
 <p:sld xmlns:a="http://schemas.openxmlformats.org/drawingml/2006/main" xmlns:r="http://schemas.openxmlformats.org/officeDocument/2006/relationships" xmlns:p="http://schemas.openxmlformats.org/presentationml/2006/main">
   <p:cSld>
     <p:spTree>
@@ -14479,7 +15830,7 @@
           <a:graphicData uri="http://schemas.openxmlformats.org/presentationml/2006/ole">
             <mc:AlternateContent xmlns:mc="http://schemas.openxmlformats.org/markup-compatibility/2006">
               <mc:Choice xmlns:v="urn:schemas-microsoft-com:vml" Requires="v">
-                <p:oleObj spid="_x0000_s4111" name="Worksheet" r:id="rId3" imgW="12201392" imgH="10868162" progId="Excel.Sheet.12">
+                <p:oleObj spid="_x0000_s4118" name="Worksheet" r:id="rId3" imgW="12201392" imgH="10868162" progId="Excel.Sheet.12">
                   <p:embed/>
                 </p:oleObj>
               </mc:Choice>
@@ -14527,7 +15878,7 @@
 </p:sld>
 </file>
 
-<file path=ppt/slides/slide15.xml><?xml version="1.0" encoding="utf-8"?>
+<file path=ppt/slides/slide16.xml><?xml version="1.0" encoding="utf-8"?>
 <p:sld xmlns:a="http://schemas.openxmlformats.org/drawingml/2006/main" xmlns:r="http://schemas.openxmlformats.org/officeDocument/2006/relationships" xmlns:p="http://schemas.openxmlformats.org/presentationml/2006/main">
   <p:cSld>
     <p:spTree>
@@ -15440,7 +16791,7 @@
             <a:avLst/>
           </a:prstGeom>
           <a:solidFill>
-            <a:srgbClr val="8D0000">
+            <a:srgbClr val="FF5F00">
               <a:alpha val="49804"/>
             </a:srgbClr>
           </a:solidFill>
@@ -15494,10 +16845,9 @@
             <a:avLst/>
           </a:prstGeom>
           <a:solidFill>
-            <a:schemeClr val="bg1">
-              <a:lumMod val="75000"/>
-              <a:alpha val="50000"/>
-            </a:schemeClr>
+            <a:srgbClr val="BFBFBF">
+              <a:alpha val="49804"/>
+            </a:srgbClr>
           </a:solidFill>
           <a:ln>
             <a:noFill/>
@@ -16137,7 +17487,7 @@
 </p:sld>
 </file>
 
-<file path=ppt/slides/slide16.xml><?xml version="1.0" encoding="utf-8"?>
+<file path=ppt/slides/slide17.xml><?xml version="1.0" encoding="utf-8"?>
 <p:sld xmlns:a="http://schemas.openxmlformats.org/drawingml/2006/main" xmlns:r="http://schemas.openxmlformats.org/officeDocument/2006/relationships" xmlns:p="http://schemas.openxmlformats.org/presentationml/2006/main">
   <p:cSld>
     <p:spTree>
@@ -16199,9 +17549,9 @@
           <p:nvPr/>
         </p:nvCxnSpPr>
         <p:spPr>
-          <a:xfrm flipH="1">
-            <a:off x="6946974" y="2205875"/>
-            <a:ext cx="19050" cy="2702574"/>
+          <a:xfrm>
+            <a:off x="6946974" y="2243470"/>
+            <a:ext cx="0" cy="2664979"/>
           </a:xfrm>
           <a:prstGeom prst="line">
             <a:avLst/>
@@ -17162,7 +18512,7 @@
         </p:nvSpPr>
         <p:spPr>
           <a:xfrm>
-            <a:off x="5748992" y="1579992"/>
+            <a:off x="5856319" y="1579992"/>
             <a:ext cx="401072" cy="261610"/>
           </a:xfrm>
           <a:prstGeom prst="rect">
@@ -17274,7 +18624,7 @@
 </p:sld>
 </file>
 
-<file path=ppt/slides/slide17.xml><?xml version="1.0" encoding="utf-8"?>
+<file path=ppt/slides/slide18.xml><?xml version="1.0" encoding="utf-8"?>
 <p:sld xmlns:a="http://schemas.openxmlformats.org/drawingml/2006/main" xmlns:r="http://schemas.openxmlformats.org/officeDocument/2006/relationships" xmlns:p="http://schemas.openxmlformats.org/presentationml/2006/main">
   <p:cSld>
     <p:spTree>
@@ -18045,7 +19395,7 @@
             <a:avLst/>
           </a:prstGeom>
           <a:solidFill>
-            <a:srgbClr val="81FF00">
+            <a:srgbClr val="70FF00">
               <a:alpha val="49804"/>
             </a:srgbClr>
           </a:solidFill>
@@ -18426,10 +19776,9 @@
             <a:avLst/>
           </a:prstGeom>
           <a:solidFill>
-            <a:schemeClr val="bg1">
-              <a:lumMod val="75000"/>
-              <a:alpha val="50000"/>
-            </a:schemeClr>
+            <a:srgbClr val="610000">
+              <a:alpha val="49804"/>
+            </a:srgbClr>
           </a:solidFill>
           <a:ln>
             <a:noFill/>
@@ -19933,96 +21282,6 @@
 </p:sld>
 </file>
 
-<file path=ppt/slides/slide18.xml><?xml version="1.0" encoding="utf-8"?>
-<p:sld xmlns:a="http://schemas.openxmlformats.org/drawingml/2006/main" xmlns:r="http://schemas.openxmlformats.org/officeDocument/2006/relationships" xmlns:p="http://schemas.openxmlformats.org/presentationml/2006/main">
-  <p:cSld>
-    <p:spTree>
-      <p:nvGrpSpPr>
-        <p:cNvPr id="1" name=""/>
-        <p:cNvGrpSpPr/>
-        <p:nvPr/>
-      </p:nvGrpSpPr>
-      <p:grpSpPr>
-        <a:xfrm>
-          <a:off x="0" y="0"/>
-          <a:ext cx="0" cy="0"/>
-          <a:chOff x="0" y="0"/>
-          <a:chExt cx="0" cy="0"/>
-        </a:xfrm>
-      </p:grpSpPr>
-      <p:pic>
-        <p:nvPicPr>
-          <p:cNvPr id="4" name="Picture 3">
-            <a:extLst>
-              <a:ext uri="{FF2B5EF4-FFF2-40B4-BE49-F238E27FC236}">
-                <a16:creationId xmlns:a16="http://schemas.microsoft.com/office/drawing/2014/main" id="{8A0A75EC-338F-436D-948B-52B0BBC482AA}"/>
-              </a:ext>
-            </a:extLst>
-          </p:cNvPr>
-          <p:cNvPicPr>
-            <a:picLocks noChangeAspect="1"/>
-          </p:cNvPicPr>
-          <p:nvPr/>
-        </p:nvPicPr>
-        <p:blipFill>
-          <a:blip r:embed="rId2"/>
-          <a:stretch>
-            <a:fillRect/>
-          </a:stretch>
-        </p:blipFill>
-        <p:spPr>
-          <a:xfrm>
-            <a:off x="125088" y="420363"/>
-            <a:ext cx="11363325" cy="1781175"/>
-          </a:xfrm>
-          <a:prstGeom prst="rect">
-            <a:avLst/>
-          </a:prstGeom>
-        </p:spPr>
-      </p:pic>
-      <p:pic>
-        <p:nvPicPr>
-          <p:cNvPr id="5" name="Picture 4">
-            <a:extLst>
-              <a:ext uri="{FF2B5EF4-FFF2-40B4-BE49-F238E27FC236}">
-                <a16:creationId xmlns:a16="http://schemas.microsoft.com/office/drawing/2014/main" id="{5AC74637-C25E-4CEC-81BF-97D02AAFF20B}"/>
-              </a:ext>
-            </a:extLst>
-          </p:cNvPr>
-          <p:cNvPicPr>
-            <a:picLocks noChangeAspect="1"/>
-          </p:cNvPicPr>
-          <p:nvPr/>
-        </p:nvPicPr>
-        <p:blipFill>
-          <a:blip r:embed="rId3"/>
-          <a:stretch>
-            <a:fillRect/>
-          </a:stretch>
-        </p:blipFill>
-        <p:spPr>
-          <a:xfrm>
-            <a:off x="4854438" y="2379306"/>
-            <a:ext cx="4633434" cy="4292958"/>
-          </a:xfrm>
-          <a:prstGeom prst="rect">
-            <a:avLst/>
-          </a:prstGeom>
-        </p:spPr>
-      </p:pic>
-    </p:spTree>
-    <p:extLst>
-      <p:ext uri="{BB962C8B-B14F-4D97-AF65-F5344CB8AC3E}">
-        <p14:creationId xmlns:p14="http://schemas.microsoft.com/office/powerpoint/2010/main" val="1383527244"/>
-      </p:ext>
-    </p:extLst>
-  </p:cSld>
-  <p:clrMapOvr>
-    <a:masterClrMapping/>
-  </p:clrMapOvr>
-</p:sld>
-</file>
-
 <file path=ppt/slides/slide19.xml><?xml version="1.0" encoding="utf-8"?>
 <p:sld xmlns:a="http://schemas.openxmlformats.org/drawingml/2006/main" xmlns:r="http://schemas.openxmlformats.org/officeDocument/2006/relationships" xmlns:p="http://schemas.openxmlformats.org/presentationml/2006/main">
   <p:cSld>
@@ -20045,7 +21304,7 @@
           <p:cNvPr id="4" name="Picture 3">
             <a:extLst>
               <a:ext uri="{FF2B5EF4-FFF2-40B4-BE49-F238E27FC236}">
-                <a16:creationId xmlns:a16="http://schemas.microsoft.com/office/drawing/2014/main" id="{E99ABE99-C75D-4CE1-B46A-DAB85F89B328}"/>
+                <a16:creationId xmlns:a16="http://schemas.microsoft.com/office/drawing/2014/main" id="{8A0A75EC-338F-436D-948B-52B0BBC482AA}"/>
               </a:ext>
             </a:extLst>
           </p:cNvPr>
@@ -20062,8 +21321,38 @@
         </p:blipFill>
         <p:spPr>
           <a:xfrm>
-            <a:off x="2752725" y="1666875"/>
-            <a:ext cx="6686550" cy="3524250"/>
+            <a:off x="125088" y="420363"/>
+            <a:ext cx="11363325" cy="1781175"/>
+          </a:xfrm>
+          <a:prstGeom prst="rect">
+            <a:avLst/>
+          </a:prstGeom>
+        </p:spPr>
+      </p:pic>
+      <p:pic>
+        <p:nvPicPr>
+          <p:cNvPr id="5" name="Picture 4">
+            <a:extLst>
+              <a:ext uri="{FF2B5EF4-FFF2-40B4-BE49-F238E27FC236}">
+                <a16:creationId xmlns:a16="http://schemas.microsoft.com/office/drawing/2014/main" id="{5AC74637-C25E-4CEC-81BF-97D02AAFF20B}"/>
+              </a:ext>
+            </a:extLst>
+          </p:cNvPr>
+          <p:cNvPicPr>
+            <a:picLocks noChangeAspect="1"/>
+          </p:cNvPicPr>
+          <p:nvPr/>
+        </p:nvPicPr>
+        <p:blipFill>
+          <a:blip r:embed="rId3"/>
+          <a:stretch>
+            <a:fillRect/>
+          </a:stretch>
+        </p:blipFill>
+        <p:spPr>
+          <a:xfrm>
+            <a:off x="4854438" y="2379306"/>
+            <a:ext cx="4633434" cy="4292958"/>
           </a:xfrm>
           <a:prstGeom prst="rect">
             <a:avLst/>
@@ -20073,7 +21362,7 @@
     </p:spTree>
     <p:extLst>
       <p:ext uri="{BB962C8B-B14F-4D97-AF65-F5344CB8AC3E}">
-        <p14:creationId xmlns:p14="http://schemas.microsoft.com/office/powerpoint/2010/main" val="3187391837"/>
+        <p14:creationId xmlns:p14="http://schemas.microsoft.com/office/powerpoint/2010/main" val="1383527244"/>
       </p:ext>
     </p:extLst>
   </p:cSld>
@@ -23475,6 +24764,66 @@
 </p:sld>
 </file>
 
+<file path=ppt/slides/slide20.xml><?xml version="1.0" encoding="utf-8"?>
+<p:sld xmlns:a="http://schemas.openxmlformats.org/drawingml/2006/main" xmlns:r="http://schemas.openxmlformats.org/officeDocument/2006/relationships" xmlns:p="http://schemas.openxmlformats.org/presentationml/2006/main">
+  <p:cSld>
+    <p:spTree>
+      <p:nvGrpSpPr>
+        <p:cNvPr id="1" name=""/>
+        <p:cNvGrpSpPr/>
+        <p:nvPr/>
+      </p:nvGrpSpPr>
+      <p:grpSpPr>
+        <a:xfrm>
+          <a:off x="0" y="0"/>
+          <a:ext cx="0" cy="0"/>
+          <a:chOff x="0" y="0"/>
+          <a:chExt cx="0" cy="0"/>
+        </a:xfrm>
+      </p:grpSpPr>
+      <p:pic>
+        <p:nvPicPr>
+          <p:cNvPr id="4" name="Picture 3">
+            <a:extLst>
+              <a:ext uri="{FF2B5EF4-FFF2-40B4-BE49-F238E27FC236}">
+                <a16:creationId xmlns:a16="http://schemas.microsoft.com/office/drawing/2014/main" id="{E99ABE99-C75D-4CE1-B46A-DAB85F89B328}"/>
+              </a:ext>
+            </a:extLst>
+          </p:cNvPr>
+          <p:cNvPicPr>
+            <a:picLocks noChangeAspect="1"/>
+          </p:cNvPicPr>
+          <p:nvPr/>
+        </p:nvPicPr>
+        <p:blipFill>
+          <a:blip r:embed="rId2"/>
+          <a:stretch>
+            <a:fillRect/>
+          </a:stretch>
+        </p:blipFill>
+        <p:spPr>
+          <a:xfrm>
+            <a:off x="2752725" y="1666875"/>
+            <a:ext cx="6686550" cy="3524250"/>
+          </a:xfrm>
+          <a:prstGeom prst="rect">
+            <a:avLst/>
+          </a:prstGeom>
+        </p:spPr>
+      </p:pic>
+    </p:spTree>
+    <p:extLst>
+      <p:ext uri="{BB962C8B-B14F-4D97-AF65-F5344CB8AC3E}">
+        <p14:creationId xmlns:p14="http://schemas.microsoft.com/office/powerpoint/2010/main" val="3187391837"/>
+      </p:ext>
+    </p:extLst>
+  </p:cSld>
+  <p:clrMapOvr>
+    <a:masterClrMapping/>
+  </p:clrMapOvr>
+</p:sld>
+</file>
+
 <file path=ppt/slides/slide3.xml><?xml version="1.0" encoding="utf-8"?>
 <p:sld xmlns:a="http://schemas.openxmlformats.org/drawingml/2006/main" xmlns:r="http://schemas.openxmlformats.org/officeDocument/2006/relationships" xmlns:p="http://schemas.openxmlformats.org/presentationml/2006/main">
   <p:cSld>
@@ -25352,7 +26701,7 @@
         </p:nvSpPr>
         <p:spPr>
           <a:xfrm>
-            <a:off x="10120080" y="3785008"/>
+            <a:off x="10110780" y="4557794"/>
             <a:ext cx="1401009" cy="369332"/>
           </a:xfrm>
           <a:prstGeom prst="rect">
@@ -25368,8 +26717,16 @@
           <a:p>
             <a:pPr algn="ctr"/>
             <a:r>
+              <a:rPr lang="en-GB" dirty="0" err="1"/>
+              <a:t>T</a:t>
+            </a:r>
+            <a:r>
+              <a:rPr lang="en-GB" baseline="-25000" dirty="0" err="1"/>
+              <a:t>λ</a:t>
+            </a:r>
+            <a:r>
               <a:rPr lang="en-GB" dirty="0"/>
-              <a:t>T, </a:t>
+              <a:t>, </a:t>
             </a:r>
             <a:r>
               <a:rPr lang="en-GB" dirty="0" err="1"/>
@@ -26641,8 +27998,8 @@
         </p:nvSpPr>
         <p:spPr>
           <a:xfrm>
-            <a:off x="9021043" y="5680817"/>
-            <a:ext cx="1077393" cy="923330"/>
+            <a:off x="8991630" y="5782683"/>
+            <a:ext cx="1077393" cy="646331"/>
           </a:xfrm>
           <a:prstGeom prst="rect">
             <a:avLst/>
@@ -26659,13 +28016,6 @@
             <a:r>
               <a:rPr lang="en-GB" dirty="0"/>
               <a:t>RGB</a:t>
-            </a:r>
-          </a:p>
-          <a:p>
-            <a:pPr algn="ctr"/>
-            <a:r>
-              <a:rPr lang="en-GB" dirty="0"/>
-              <a:t>light</a:t>
             </a:r>
             <a:br>
               <a:rPr lang="en-GB" dirty="0"/>
@@ -26909,7 +28259,7 @@
                 <a:rPr lang="en-GB" sz="1400" b="1" dirty="0">
                   <a:cs typeface="Aparajita" panose="020B0502040204020203" pitchFamily="18" charset="0"/>
                 </a:rPr>
-                <a:t>R: 245</a:t>
+                <a:t>X: 0.4980</a:t>
               </a:r>
             </a:p>
             <a:p>
@@ -26917,7 +28267,7 @@
                 <a:rPr lang="en-GB" sz="1400" b="1" dirty="0">
                   <a:cs typeface="Aparajita" panose="020B0502040204020203" pitchFamily="18" charset="0"/>
                 </a:rPr>
-                <a:t>G: 134</a:t>
+                <a:t>Y: 0.3774</a:t>
               </a:r>
             </a:p>
             <a:p>
@@ -26925,7 +28275,7 @@
                 <a:rPr lang="en-GB" sz="1400" b="1" dirty="0">
                   <a:cs typeface="Aparajita" panose="020B0502040204020203" pitchFamily="18" charset="0"/>
                 </a:rPr>
-                <a:t>B:   67</a:t>
+                <a:t>Z: 0.0759</a:t>
               </a:r>
             </a:p>
           </p:txBody>
@@ -27280,83 +28630,6 @@
               <a:rPr lang="en-GB" b="1" dirty="0"/>
               <a:t>λ</a:t>
             </a:r>
-          </a:p>
-        </p:txBody>
-      </p:sp>
-      <p:sp>
-        <p:nvSpPr>
-          <p:cNvPr id="84" name="TextBox 83">
-            <a:extLst>
-              <a:ext uri="{FF2B5EF4-FFF2-40B4-BE49-F238E27FC236}">
-                <a16:creationId xmlns:a16="http://schemas.microsoft.com/office/drawing/2014/main" id="{1115A061-6AF0-470A-A20E-F6711B29CE1C}"/>
-              </a:ext>
-            </a:extLst>
-          </p:cNvPr>
-          <p:cNvSpPr txBox="1"/>
-          <p:nvPr/>
-        </p:nvSpPr>
-        <p:spPr>
-          <a:xfrm>
-            <a:off x="10120080" y="3785008"/>
-            <a:ext cx="1401009" cy="1200329"/>
-          </a:xfrm>
-          <a:prstGeom prst="rect">
-            <a:avLst/>
-          </a:prstGeom>
-          <a:noFill/>
-        </p:spPr>
-        <p:txBody>
-          <a:bodyPr wrap="square" rtlCol="0">
-            <a:spAutoFit/>
-          </a:bodyPr>
-          <a:lstStyle/>
-          <a:p>
-            <a:pPr algn="ctr"/>
-            <a:endParaRPr lang="en-GB" dirty="0"/>
-          </a:p>
-          <a:p>
-            <a:pPr algn="ctr"/>
-            <a:endParaRPr lang="en-GB" dirty="0"/>
-          </a:p>
-          <a:p>
-            <a:pPr algn="ctr"/>
-            <a:endParaRPr lang="en-GB" dirty="0"/>
-          </a:p>
-          <a:p>
-            <a:pPr algn="ctr"/>
-            <a:r>
-              <a:rPr lang="en-GB" dirty="0"/>
-              <a:t>T, </a:t>
-            </a:r>
-            <a:r>
-              <a:rPr lang="en-GB" dirty="0" err="1"/>
-              <a:t>E</a:t>
-            </a:r>
-            <a:r>
-              <a:rPr lang="en-GB" baseline="-25000" dirty="0" err="1"/>
-              <a:t>λ</a:t>
-            </a:r>
-            <a:r>
-              <a:rPr lang="en-GB" dirty="0"/>
-              <a:t>, </a:t>
-            </a:r>
-            <a:r>
-              <a:rPr lang="en-GB" i="1" dirty="0"/>
-              <a:t>SAC</a:t>
-            </a:r>
-            <a:r>
-              <a:rPr lang="el-GR" i="1" baseline="-25000" dirty="0"/>
-              <a:t>λ</a:t>
-            </a:r>
-            <a:r>
-              <a:rPr lang="de-DE" dirty="0"/>
-              <a:t>, </a:t>
-            </a:r>
-            <a:r>
-              <a:rPr lang="de-DE" i="1" dirty="0"/>
-              <a:t>c</a:t>
-            </a:r>
-            <a:endParaRPr lang="en-GB" dirty="0"/>
           </a:p>
         </p:txBody>
       </p:sp>
@@ -27760,6 +29033,79 @@
               <a:rPr lang="en-GB" dirty="0"/>
               <a:t>Gaussian bandpass filter</a:t>
             </a:r>
+          </a:p>
+        </p:txBody>
+      </p:sp>
+      <p:sp>
+        <p:nvSpPr>
+          <p:cNvPr id="53" name="TextBox 52">
+            <a:extLst>
+              <a:ext uri="{FF2B5EF4-FFF2-40B4-BE49-F238E27FC236}">
+                <a16:creationId xmlns:a16="http://schemas.microsoft.com/office/drawing/2014/main" id="{2B8F3586-F305-49D8-B49B-1AB3FEF2F042}"/>
+              </a:ext>
+            </a:extLst>
+          </p:cNvPr>
+          <p:cNvSpPr txBox="1"/>
+          <p:nvPr/>
+        </p:nvSpPr>
+        <p:spPr>
+          <a:xfrm>
+            <a:off x="10110780" y="4557794"/>
+            <a:ext cx="1401009" cy="369332"/>
+          </a:xfrm>
+          <a:prstGeom prst="rect">
+            <a:avLst/>
+          </a:prstGeom>
+          <a:noFill/>
+        </p:spPr>
+        <p:txBody>
+          <a:bodyPr wrap="square" rtlCol="0">
+            <a:spAutoFit/>
+          </a:bodyPr>
+          <a:lstStyle/>
+          <a:p>
+            <a:pPr algn="ctr"/>
+            <a:r>
+              <a:rPr lang="en-GB" dirty="0" err="1"/>
+              <a:t>T</a:t>
+            </a:r>
+            <a:r>
+              <a:rPr lang="en-GB" baseline="-25000" dirty="0" err="1"/>
+              <a:t>λ</a:t>
+            </a:r>
+            <a:r>
+              <a:rPr lang="en-GB" dirty="0"/>
+              <a:t>, </a:t>
+            </a:r>
+            <a:r>
+              <a:rPr lang="en-GB" dirty="0" err="1"/>
+              <a:t>E</a:t>
+            </a:r>
+            <a:r>
+              <a:rPr lang="en-GB" baseline="-25000" dirty="0" err="1"/>
+              <a:t>λ</a:t>
+            </a:r>
+            <a:r>
+              <a:rPr lang="en-GB" dirty="0"/>
+              <a:t>, </a:t>
+            </a:r>
+            <a:r>
+              <a:rPr lang="en-GB" i="1" dirty="0"/>
+              <a:t>SAC</a:t>
+            </a:r>
+            <a:r>
+              <a:rPr lang="el-GR" i="1" baseline="-25000" dirty="0"/>
+              <a:t>λ</a:t>
+            </a:r>
+            <a:r>
+              <a:rPr lang="de-DE" dirty="0"/>
+              <a:t>, </a:t>
+            </a:r>
+            <a:r>
+              <a:rPr lang="de-DE" i="1" dirty="0"/>
+              <a:t>c</a:t>
+            </a:r>
+            <a:endParaRPr lang="en-GB" dirty="0"/>
           </a:p>
         </p:txBody>
       </p:sp>
@@ -29539,71 +30885,6 @@
           </a:p>
         </p:txBody>
       </p:sp>
-      <p:sp>
-        <p:nvSpPr>
-          <p:cNvPr id="84" name="TextBox 83">
-            <a:extLst>
-              <a:ext uri="{FF2B5EF4-FFF2-40B4-BE49-F238E27FC236}">
-                <a16:creationId xmlns:a16="http://schemas.microsoft.com/office/drawing/2014/main" id="{1115A061-6AF0-470A-A20E-F6711B29CE1C}"/>
-              </a:ext>
-            </a:extLst>
-          </p:cNvPr>
-          <p:cNvSpPr txBox="1"/>
-          <p:nvPr/>
-        </p:nvSpPr>
-        <p:spPr>
-          <a:xfrm>
-            <a:off x="10120080" y="3785008"/>
-            <a:ext cx="1401009" cy="369332"/>
-          </a:xfrm>
-          <a:prstGeom prst="rect">
-            <a:avLst/>
-          </a:prstGeom>
-          <a:noFill/>
-        </p:spPr>
-        <p:txBody>
-          <a:bodyPr wrap="square" rtlCol="0">
-            <a:spAutoFit/>
-          </a:bodyPr>
-          <a:lstStyle/>
-          <a:p>
-            <a:pPr algn="ctr"/>
-            <a:r>
-              <a:rPr lang="en-GB" dirty="0"/>
-              <a:t>T, </a:t>
-            </a:r>
-            <a:r>
-              <a:rPr lang="en-GB" dirty="0" err="1"/>
-              <a:t>E</a:t>
-            </a:r>
-            <a:r>
-              <a:rPr lang="en-GB" baseline="-25000" dirty="0" err="1"/>
-              <a:t>λ</a:t>
-            </a:r>
-            <a:r>
-              <a:rPr lang="en-GB" dirty="0"/>
-              <a:t>, </a:t>
-            </a:r>
-            <a:r>
-              <a:rPr lang="en-GB" i="1" dirty="0"/>
-              <a:t>SAC</a:t>
-            </a:r>
-            <a:r>
-              <a:rPr lang="el-GR" i="1" baseline="-25000" dirty="0"/>
-              <a:t>λ</a:t>
-            </a:r>
-            <a:r>
-              <a:rPr lang="de-DE" dirty="0"/>
-              <a:t>, </a:t>
-            </a:r>
-            <a:r>
-              <a:rPr lang="de-DE" i="1" dirty="0"/>
-              <a:t>c</a:t>
-            </a:r>
-            <a:endParaRPr lang="en-GB" dirty="0"/>
-          </a:p>
-        </p:txBody>
-      </p:sp>
       <p:cxnSp>
         <p:nvCxnSpPr>
           <p:cNvPr id="11" name="Straight Arrow Connector 10">
@@ -30007,6 +31288,79 @@
           </a:p>
         </p:txBody>
       </p:sp>
+      <p:sp>
+        <p:nvSpPr>
+          <p:cNvPr id="53" name="TextBox 52">
+            <a:extLst>
+              <a:ext uri="{FF2B5EF4-FFF2-40B4-BE49-F238E27FC236}">
+                <a16:creationId xmlns:a16="http://schemas.microsoft.com/office/drawing/2014/main" id="{95372A5C-E903-40B5-BA9D-50837B277BB1}"/>
+              </a:ext>
+            </a:extLst>
+          </p:cNvPr>
+          <p:cNvSpPr txBox="1"/>
+          <p:nvPr/>
+        </p:nvSpPr>
+        <p:spPr>
+          <a:xfrm>
+            <a:off x="10110780" y="4557794"/>
+            <a:ext cx="1401009" cy="369332"/>
+          </a:xfrm>
+          <a:prstGeom prst="rect">
+            <a:avLst/>
+          </a:prstGeom>
+          <a:noFill/>
+        </p:spPr>
+        <p:txBody>
+          <a:bodyPr wrap="square" rtlCol="0">
+            <a:spAutoFit/>
+          </a:bodyPr>
+          <a:lstStyle/>
+          <a:p>
+            <a:pPr algn="ctr"/>
+            <a:r>
+              <a:rPr lang="en-GB" dirty="0" err="1"/>
+              <a:t>T</a:t>
+            </a:r>
+            <a:r>
+              <a:rPr lang="en-GB" baseline="-25000" dirty="0" err="1"/>
+              <a:t>λ</a:t>
+            </a:r>
+            <a:r>
+              <a:rPr lang="en-GB" dirty="0"/>
+              <a:t>, </a:t>
+            </a:r>
+            <a:r>
+              <a:rPr lang="en-GB" dirty="0" err="1"/>
+              <a:t>E</a:t>
+            </a:r>
+            <a:r>
+              <a:rPr lang="en-GB" baseline="-25000" dirty="0" err="1"/>
+              <a:t>λ</a:t>
+            </a:r>
+            <a:r>
+              <a:rPr lang="en-GB" dirty="0"/>
+              <a:t>, </a:t>
+            </a:r>
+            <a:r>
+              <a:rPr lang="en-GB" i="1" dirty="0"/>
+              <a:t>SAC</a:t>
+            </a:r>
+            <a:r>
+              <a:rPr lang="el-GR" i="1" baseline="-25000" dirty="0"/>
+              <a:t>λ</a:t>
+            </a:r>
+            <a:r>
+              <a:rPr lang="de-DE" dirty="0"/>
+              <a:t>, </a:t>
+            </a:r>
+            <a:r>
+              <a:rPr lang="de-DE" i="1" dirty="0"/>
+              <a:t>c</a:t>
+            </a:r>
+            <a:endParaRPr lang="en-GB" dirty="0"/>
+          </a:p>
+        </p:txBody>
+      </p:sp>
     </p:spTree>
     <p:extLst>
       <p:ext uri="{BB962C8B-B14F-4D97-AF65-F5344CB8AC3E}">
@@ -30526,7 +31880,7 @@
         <p:spPr>
           <a:xfrm>
             <a:off x="9004044" y="2974316"/>
-            <a:ext cx="1275414" cy="646331"/>
+            <a:ext cx="1122230" cy="646331"/>
           </a:xfrm>
           <a:prstGeom prst="rect">
             <a:avLst/>
@@ -30547,7 +31901,7 @@
           <a:p>
             <a:r>
               <a:rPr lang="en-GB" dirty="0"/>
-              <a:t>Reflectance</a:t>
+              <a:t>Reflexion</a:t>
             </a:r>
           </a:p>
         </p:txBody>
@@ -31157,6 +32511,897 @@
               <a:avLst/>
             </a:prstGeom>
             <a:solidFill>
+              <a:srgbClr val="FFC000"/>
+            </a:solidFill>
+            <a:ln w="50800">
+              <a:solidFill>
+                <a:schemeClr val="accent1">
+                  <a:lumMod val="60000"/>
+                  <a:lumOff val="40000"/>
+                </a:schemeClr>
+              </a:solidFill>
+            </a:ln>
+          </p:spPr>
+          <p:style>
+            <a:lnRef idx="2">
+              <a:schemeClr val="accent1">
+                <a:shade val="50000"/>
+              </a:schemeClr>
+            </a:lnRef>
+            <a:fillRef idx="1">
+              <a:schemeClr val="accent1"/>
+            </a:fillRef>
+            <a:effectRef idx="0">
+              <a:schemeClr val="accent1"/>
+            </a:effectRef>
+            <a:fontRef idx="minor">
+              <a:schemeClr val="lt1"/>
+            </a:fontRef>
+          </p:style>
+          <p:txBody>
+            <a:bodyPr rtlCol="0" anchor="ctr"/>
+            <a:lstStyle/>
+            <a:p>
+              <a:pPr algn="ctr"/>
+              <a:endParaRPr lang="en-GB"/>
+            </a:p>
+          </p:txBody>
+        </p:sp>
+        <p:sp>
+          <p:nvSpPr>
+            <p:cNvPr id="6" name="Rectangle 5">
+              <a:extLst>
+                <a:ext uri="{FF2B5EF4-FFF2-40B4-BE49-F238E27FC236}">
+                  <a16:creationId xmlns:a16="http://schemas.microsoft.com/office/drawing/2014/main" id="{8A4D8A11-25CB-4E70-9D6C-47C3AD89E7DD}"/>
+                </a:ext>
+              </a:extLst>
+            </p:cNvPr>
+            <p:cNvSpPr/>
+            <p:nvPr/>
+          </p:nvSpPr>
+          <p:spPr>
+            <a:xfrm>
+              <a:off x="4139849" y="671807"/>
+              <a:ext cx="914400" cy="4467974"/>
+            </a:xfrm>
+            <a:prstGeom prst="rect">
+              <a:avLst/>
+            </a:prstGeom>
+            <a:solidFill>
+              <a:srgbClr val="FFC000"/>
+            </a:solidFill>
+            <a:ln w="50800">
+              <a:solidFill>
+                <a:schemeClr val="accent1">
+                  <a:lumMod val="60000"/>
+                  <a:lumOff val="40000"/>
+                </a:schemeClr>
+              </a:solidFill>
+            </a:ln>
+          </p:spPr>
+          <p:style>
+            <a:lnRef idx="2">
+              <a:schemeClr val="accent1">
+                <a:shade val="50000"/>
+              </a:schemeClr>
+            </a:lnRef>
+            <a:fillRef idx="1">
+              <a:schemeClr val="accent1"/>
+            </a:fillRef>
+            <a:effectRef idx="0">
+              <a:schemeClr val="accent1"/>
+            </a:effectRef>
+            <a:fontRef idx="minor">
+              <a:schemeClr val="lt1"/>
+            </a:fontRef>
+          </p:style>
+          <p:txBody>
+            <a:bodyPr rtlCol="0" anchor="ctr"/>
+            <a:lstStyle/>
+            <a:p>
+              <a:pPr algn="ctr"/>
+              <a:endParaRPr lang="en-GB"/>
+            </a:p>
+          </p:txBody>
+        </p:sp>
+        <p:cxnSp>
+          <p:nvCxnSpPr>
+            <p:cNvPr id="7" name="Straight Connector 6">
+              <a:extLst>
+                <a:ext uri="{FF2B5EF4-FFF2-40B4-BE49-F238E27FC236}">
+                  <a16:creationId xmlns:a16="http://schemas.microsoft.com/office/drawing/2014/main" id="{A88E747D-AC96-4B9C-A206-5B0578796406}"/>
+                </a:ext>
+              </a:extLst>
+            </p:cNvPr>
+            <p:cNvCxnSpPr>
+              <a:cxnSpLocks/>
+            </p:cNvCxnSpPr>
+            <p:nvPr/>
+          </p:nvCxnSpPr>
+          <p:spPr>
+            <a:xfrm>
+              <a:off x="4174380" y="5139781"/>
+              <a:ext cx="864000" cy="0"/>
+            </a:xfrm>
+            <a:prstGeom prst="line">
+              <a:avLst/>
+            </a:prstGeom>
+            <a:ln w="50800">
+              <a:solidFill>
+                <a:srgbClr val="FFC000"/>
+              </a:solidFill>
+            </a:ln>
+          </p:spPr>
+          <p:style>
+            <a:lnRef idx="1">
+              <a:schemeClr val="accent1"/>
+            </a:lnRef>
+            <a:fillRef idx="0">
+              <a:schemeClr val="accent1"/>
+            </a:fillRef>
+            <a:effectRef idx="0">
+              <a:schemeClr val="accent1"/>
+            </a:effectRef>
+            <a:fontRef idx="minor">
+              <a:schemeClr val="tx1"/>
+            </a:fontRef>
+          </p:style>
+        </p:cxnSp>
+        <p:cxnSp>
+          <p:nvCxnSpPr>
+            <p:cNvPr id="8" name="Straight Connector 7">
+              <a:extLst>
+                <a:ext uri="{FF2B5EF4-FFF2-40B4-BE49-F238E27FC236}">
+                  <a16:creationId xmlns:a16="http://schemas.microsoft.com/office/drawing/2014/main" id="{CDFD7F36-487B-40B1-80B6-8AB0E95C4D19}"/>
+                </a:ext>
+              </a:extLst>
+            </p:cNvPr>
+            <p:cNvCxnSpPr>
+              <a:cxnSpLocks/>
+            </p:cNvCxnSpPr>
+            <p:nvPr/>
+          </p:nvCxnSpPr>
+          <p:spPr>
+            <a:xfrm>
+              <a:off x="4171587" y="671807"/>
+              <a:ext cx="864000" cy="0"/>
+            </a:xfrm>
+            <a:prstGeom prst="line">
+              <a:avLst/>
+            </a:prstGeom>
+            <a:ln w="50800">
+              <a:solidFill>
+                <a:srgbClr val="FFC000"/>
+              </a:solidFill>
+            </a:ln>
+          </p:spPr>
+          <p:style>
+            <a:lnRef idx="1">
+              <a:schemeClr val="accent1"/>
+            </a:lnRef>
+            <a:fillRef idx="0">
+              <a:schemeClr val="accent1"/>
+            </a:fillRef>
+            <a:effectRef idx="0">
+              <a:schemeClr val="accent1"/>
+            </a:effectRef>
+            <a:fontRef idx="minor">
+              <a:schemeClr val="tx1"/>
+            </a:fontRef>
+          </p:style>
+        </p:cxnSp>
+      </p:grpSp>
+      <p:sp>
+        <p:nvSpPr>
+          <p:cNvPr id="10" name="TextBox 9">
+            <a:extLst>
+              <a:ext uri="{FF2B5EF4-FFF2-40B4-BE49-F238E27FC236}">
+                <a16:creationId xmlns:a16="http://schemas.microsoft.com/office/drawing/2014/main" id="{B6027752-24E1-4069-9EC0-DA3AD271858A}"/>
+              </a:ext>
+            </a:extLst>
+          </p:cNvPr>
+          <p:cNvSpPr txBox="1"/>
+          <p:nvPr/>
+        </p:nvSpPr>
+        <p:spPr>
+          <a:xfrm>
+            <a:off x="9004044" y="1625847"/>
+            <a:ext cx="1393523" cy="369332"/>
+          </a:xfrm>
+          <a:prstGeom prst="rect">
+            <a:avLst/>
+          </a:prstGeom>
+          <a:noFill/>
+        </p:spPr>
+        <p:txBody>
+          <a:bodyPr wrap="none" rtlCol="0">
+            <a:spAutoFit/>
+          </a:bodyPr>
+          <a:lstStyle/>
+          <a:p>
+            <a:r>
+              <a:rPr lang="en-GB" dirty="0"/>
+              <a:t>Transmission</a:t>
+            </a:r>
+          </a:p>
+        </p:txBody>
+      </p:sp>
+      <p:sp>
+        <p:nvSpPr>
+          <p:cNvPr id="11" name="TextBox 10">
+            <a:extLst>
+              <a:ext uri="{FF2B5EF4-FFF2-40B4-BE49-F238E27FC236}">
+                <a16:creationId xmlns:a16="http://schemas.microsoft.com/office/drawing/2014/main" id="{2EA37963-865F-4B6A-83C0-9BA721223D01}"/>
+              </a:ext>
+            </a:extLst>
+          </p:cNvPr>
+          <p:cNvSpPr txBox="1"/>
+          <p:nvPr/>
+        </p:nvSpPr>
+        <p:spPr>
+          <a:xfrm>
+            <a:off x="9004044" y="2281304"/>
+            <a:ext cx="1224438" cy="369332"/>
+          </a:xfrm>
+          <a:prstGeom prst="rect">
+            <a:avLst/>
+          </a:prstGeom>
+          <a:noFill/>
+        </p:spPr>
+        <p:txBody>
+          <a:bodyPr wrap="none" rtlCol="0">
+            <a:spAutoFit/>
+          </a:bodyPr>
+          <a:lstStyle/>
+          <a:p>
+            <a:r>
+              <a:rPr lang="en-GB" dirty="0"/>
+              <a:t>Absorption</a:t>
+            </a:r>
+          </a:p>
+        </p:txBody>
+      </p:sp>
+      <p:sp>
+        <p:nvSpPr>
+          <p:cNvPr id="12" name="TextBox 11">
+            <a:extLst>
+              <a:ext uri="{FF2B5EF4-FFF2-40B4-BE49-F238E27FC236}">
+                <a16:creationId xmlns:a16="http://schemas.microsoft.com/office/drawing/2014/main" id="{74AFBA1E-0688-431C-BD9F-B33E9E358F57}"/>
+              </a:ext>
+            </a:extLst>
+          </p:cNvPr>
+          <p:cNvSpPr txBox="1"/>
+          <p:nvPr/>
+        </p:nvSpPr>
+        <p:spPr>
+          <a:xfrm>
+            <a:off x="9004044" y="2974316"/>
+            <a:ext cx="1122230" cy="646331"/>
+          </a:xfrm>
+          <a:prstGeom prst="rect">
+            <a:avLst/>
+          </a:prstGeom>
+          <a:noFill/>
+        </p:spPr>
+        <p:txBody>
+          <a:bodyPr wrap="none" rtlCol="0">
+            <a:spAutoFit/>
+          </a:bodyPr>
+          <a:lstStyle/>
+          <a:p>
+            <a:r>
+              <a:rPr lang="en-GB" dirty="0"/>
+              <a:t>Scattering</a:t>
+            </a:r>
+          </a:p>
+          <a:p>
+            <a:r>
+              <a:rPr lang="en-GB" dirty="0"/>
+              <a:t>Reflexion</a:t>
+            </a:r>
+          </a:p>
+        </p:txBody>
+      </p:sp>
+      <p:sp>
+        <p:nvSpPr>
+          <p:cNvPr id="13" name="Arrow: Right 12">
+            <a:extLst>
+              <a:ext uri="{FF2B5EF4-FFF2-40B4-BE49-F238E27FC236}">
+                <a16:creationId xmlns:a16="http://schemas.microsoft.com/office/drawing/2014/main" id="{24A76EFD-37CD-4AF0-BD3A-C628D009E29D}"/>
+              </a:ext>
+            </a:extLst>
+          </p:cNvPr>
+          <p:cNvSpPr/>
+          <p:nvPr/>
+        </p:nvSpPr>
+        <p:spPr>
+          <a:xfrm>
+            <a:off x="4766008" y="1625847"/>
+            <a:ext cx="4041873" cy="369332"/>
+          </a:xfrm>
+          <a:prstGeom prst="rightArrow">
+            <a:avLst/>
+          </a:prstGeom>
+          <a:solidFill>
+            <a:srgbClr val="FFFF00">
+              <a:alpha val="75000"/>
+            </a:srgbClr>
+          </a:solidFill>
+          <a:ln>
+            <a:noFill/>
+          </a:ln>
+        </p:spPr>
+        <p:style>
+          <a:lnRef idx="2">
+            <a:schemeClr val="accent1">
+              <a:shade val="50000"/>
+            </a:schemeClr>
+          </a:lnRef>
+          <a:fillRef idx="1">
+            <a:schemeClr val="accent1"/>
+          </a:fillRef>
+          <a:effectRef idx="0">
+            <a:schemeClr val="accent1"/>
+          </a:effectRef>
+          <a:fontRef idx="minor">
+            <a:schemeClr val="lt1"/>
+          </a:fontRef>
+        </p:style>
+        <p:txBody>
+          <a:bodyPr rtlCol="0" anchor="ctr"/>
+          <a:lstStyle/>
+          <a:p>
+            <a:pPr algn="ctr"/>
+            <a:endParaRPr lang="en-GB"/>
+          </a:p>
+        </p:txBody>
+      </p:sp>
+      <p:sp>
+        <p:nvSpPr>
+          <p:cNvPr id="17" name="Arrow: Right 16">
+            <a:extLst>
+              <a:ext uri="{FF2B5EF4-FFF2-40B4-BE49-F238E27FC236}">
+                <a16:creationId xmlns:a16="http://schemas.microsoft.com/office/drawing/2014/main" id="{EBDC8AD6-108F-4EA6-B554-621711DF53A6}"/>
+              </a:ext>
+            </a:extLst>
+          </p:cNvPr>
+          <p:cNvSpPr/>
+          <p:nvPr/>
+        </p:nvSpPr>
+        <p:spPr>
+          <a:xfrm>
+            <a:off x="4766008" y="2281304"/>
+            <a:ext cx="2073334" cy="369332"/>
+          </a:xfrm>
+          <a:prstGeom prst="rightArrow">
+            <a:avLst/>
+          </a:prstGeom>
+          <a:solidFill>
+            <a:srgbClr val="FFFF00">
+              <a:alpha val="75000"/>
+            </a:srgbClr>
+          </a:solidFill>
+          <a:ln>
+            <a:noFill/>
+          </a:ln>
+        </p:spPr>
+        <p:style>
+          <a:lnRef idx="2">
+            <a:schemeClr val="accent1">
+              <a:shade val="50000"/>
+            </a:schemeClr>
+          </a:lnRef>
+          <a:fillRef idx="1">
+            <a:schemeClr val="accent1"/>
+          </a:fillRef>
+          <a:effectRef idx="0">
+            <a:schemeClr val="accent1"/>
+          </a:effectRef>
+          <a:fontRef idx="minor">
+            <a:schemeClr val="lt1"/>
+          </a:fontRef>
+        </p:style>
+        <p:txBody>
+          <a:bodyPr rtlCol="0" anchor="ctr"/>
+          <a:lstStyle/>
+          <a:p>
+            <a:pPr algn="ctr"/>
+            <a:endParaRPr lang="en-GB"/>
+          </a:p>
+        </p:txBody>
+      </p:sp>
+      <p:grpSp>
+        <p:nvGrpSpPr>
+          <p:cNvPr id="19" name="Group 18">
+            <a:extLst>
+              <a:ext uri="{FF2B5EF4-FFF2-40B4-BE49-F238E27FC236}">
+                <a16:creationId xmlns:a16="http://schemas.microsoft.com/office/drawing/2014/main" id="{EB8358A6-6ED6-49C6-A061-28ECAD24AF1C}"/>
+              </a:ext>
+            </a:extLst>
+          </p:cNvPr>
+          <p:cNvGrpSpPr/>
+          <p:nvPr/>
+        </p:nvGrpSpPr>
+        <p:grpSpPr>
+          <a:xfrm>
+            <a:off x="4663372" y="3039633"/>
+            <a:ext cx="2175970" cy="767257"/>
+            <a:chOff x="4270107" y="3181738"/>
+            <a:chExt cx="2175970" cy="767257"/>
+          </a:xfrm>
+        </p:grpSpPr>
+        <p:sp>
+          <p:nvSpPr>
+            <p:cNvPr id="15" name="Rectangle 14">
+              <a:extLst>
+                <a:ext uri="{FF2B5EF4-FFF2-40B4-BE49-F238E27FC236}">
+                  <a16:creationId xmlns:a16="http://schemas.microsoft.com/office/drawing/2014/main" id="{CF81F0A9-8D5D-44BD-8F22-1E5A53B6724C}"/>
+                </a:ext>
+              </a:extLst>
+            </p:cNvPr>
+            <p:cNvSpPr>
+              <a:spLocks noChangeAspect="1"/>
+            </p:cNvSpPr>
+            <p:nvPr/>
+          </p:nvSpPr>
+          <p:spPr>
+            <a:xfrm>
+              <a:off x="4383448" y="3181738"/>
+              <a:ext cx="1985786" cy="201168"/>
+            </a:xfrm>
+            <a:prstGeom prst="rect">
+              <a:avLst/>
+            </a:prstGeom>
+            <a:solidFill>
+              <a:srgbClr val="FFFF00">
+                <a:alpha val="90000"/>
+              </a:srgbClr>
+            </a:solidFill>
+            <a:ln>
+              <a:noFill/>
+            </a:ln>
+          </p:spPr>
+          <p:style>
+            <a:lnRef idx="2">
+              <a:schemeClr val="accent1">
+                <a:shade val="50000"/>
+              </a:schemeClr>
+            </a:lnRef>
+            <a:fillRef idx="1">
+              <a:schemeClr val="accent1"/>
+            </a:fillRef>
+            <a:effectRef idx="0">
+              <a:schemeClr val="accent1"/>
+            </a:effectRef>
+            <a:fontRef idx="minor">
+              <a:schemeClr val="lt1"/>
+            </a:fontRef>
+          </p:style>
+          <p:txBody>
+            <a:bodyPr rtlCol="0" anchor="ctr"/>
+            <a:lstStyle/>
+            <a:p>
+              <a:pPr algn="ctr"/>
+              <a:endParaRPr lang="en-GB"/>
+            </a:p>
+          </p:txBody>
+        </p:sp>
+        <p:sp>
+          <p:nvSpPr>
+            <p:cNvPr id="18" name="Arrow: Right 17">
+              <a:extLst>
+                <a:ext uri="{FF2B5EF4-FFF2-40B4-BE49-F238E27FC236}">
+                  <a16:creationId xmlns:a16="http://schemas.microsoft.com/office/drawing/2014/main" id="{41D4CFE1-C08F-4BB1-A10E-36BD93D9C3CF}"/>
+                </a:ext>
+              </a:extLst>
+            </p:cNvPr>
+            <p:cNvSpPr/>
+            <p:nvPr/>
+          </p:nvSpPr>
+          <p:spPr>
+            <a:xfrm rot="9277592">
+              <a:off x="4270107" y="3579663"/>
+              <a:ext cx="2175970" cy="369332"/>
+            </a:xfrm>
+            <a:prstGeom prst="rightArrow">
+              <a:avLst/>
+            </a:prstGeom>
+            <a:solidFill>
+              <a:srgbClr val="FFFF00">
+                <a:alpha val="90000"/>
+              </a:srgbClr>
+            </a:solidFill>
+            <a:ln>
+              <a:noFill/>
+            </a:ln>
+          </p:spPr>
+          <p:style>
+            <a:lnRef idx="2">
+              <a:schemeClr val="accent1">
+                <a:shade val="50000"/>
+              </a:schemeClr>
+            </a:lnRef>
+            <a:fillRef idx="1">
+              <a:schemeClr val="accent1"/>
+            </a:fillRef>
+            <a:effectRef idx="0">
+              <a:schemeClr val="accent1"/>
+            </a:effectRef>
+            <a:fontRef idx="minor">
+              <a:schemeClr val="lt1"/>
+            </a:fontRef>
+          </p:style>
+          <p:txBody>
+            <a:bodyPr rtlCol="0" anchor="ctr"/>
+            <a:lstStyle/>
+            <a:p>
+              <a:pPr algn="ctr"/>
+              <a:endParaRPr lang="en-GB"/>
+            </a:p>
+          </p:txBody>
+        </p:sp>
+      </p:grpSp>
+      <p:grpSp>
+        <p:nvGrpSpPr>
+          <p:cNvPr id="20" name="Group 19">
+            <a:extLst>
+              <a:ext uri="{FF2B5EF4-FFF2-40B4-BE49-F238E27FC236}">
+                <a16:creationId xmlns:a16="http://schemas.microsoft.com/office/drawing/2014/main" id="{18FDA49A-9699-477B-89F1-25A72BF6226B}"/>
+              </a:ext>
+            </a:extLst>
+          </p:cNvPr>
+          <p:cNvGrpSpPr/>
+          <p:nvPr/>
+        </p:nvGrpSpPr>
+        <p:grpSpPr>
+          <a:xfrm>
+            <a:off x="1752113" y="1974825"/>
+            <a:ext cx="2468240" cy="982289"/>
+            <a:chOff x="401216" y="2528564"/>
+            <a:chExt cx="2468240" cy="982289"/>
+          </a:xfrm>
+        </p:grpSpPr>
+        <p:grpSp>
+          <p:nvGrpSpPr>
+            <p:cNvPr id="21" name="Group 20">
+              <a:extLst>
+                <a:ext uri="{FF2B5EF4-FFF2-40B4-BE49-F238E27FC236}">
+                  <a16:creationId xmlns:a16="http://schemas.microsoft.com/office/drawing/2014/main" id="{A2ED0DFD-0F5E-41BE-A057-34D1C4248BAB}"/>
+                </a:ext>
+              </a:extLst>
+            </p:cNvPr>
+            <p:cNvGrpSpPr/>
+            <p:nvPr/>
+          </p:nvGrpSpPr>
+          <p:grpSpPr>
+            <a:xfrm>
+              <a:off x="1616016" y="2528564"/>
+              <a:ext cx="1253440" cy="982289"/>
+              <a:chOff x="1590962" y="2537895"/>
+              <a:chExt cx="1253440" cy="982289"/>
+            </a:xfrm>
+          </p:grpSpPr>
+          <p:sp>
+            <p:nvSpPr>
+              <p:cNvPr id="24" name="Flowchart: Connector 23">
+                <a:extLst>
+                  <a:ext uri="{FF2B5EF4-FFF2-40B4-BE49-F238E27FC236}">
+                    <a16:creationId xmlns:a16="http://schemas.microsoft.com/office/drawing/2014/main" id="{BBB909E8-DB96-4B77-AAD1-BF58DA284199}"/>
+                  </a:ext>
+                </a:extLst>
+              </p:cNvPr>
+              <p:cNvSpPr>
+                <a:spLocks noChangeAspect="1"/>
+              </p:cNvSpPr>
+              <p:nvPr/>
+            </p:nvSpPr>
+            <p:spPr>
+              <a:xfrm>
+                <a:off x="2070978" y="2628616"/>
+                <a:ext cx="773424" cy="773424"/>
+              </a:xfrm>
+              <a:prstGeom prst="flowChartConnector">
+                <a:avLst/>
+              </a:prstGeom>
+              <a:solidFill>
+                <a:srgbClr val="FFFF00"/>
+              </a:solidFill>
+              <a:ln>
+                <a:noFill/>
+              </a:ln>
+            </p:spPr>
+            <p:style>
+              <a:lnRef idx="2">
+                <a:schemeClr val="accent1">
+                  <a:shade val="50000"/>
+                </a:schemeClr>
+              </a:lnRef>
+              <a:fillRef idx="1">
+                <a:schemeClr val="accent1"/>
+              </a:fillRef>
+              <a:effectRef idx="0">
+                <a:schemeClr val="accent1"/>
+              </a:effectRef>
+              <a:fontRef idx="minor">
+                <a:schemeClr val="lt1"/>
+              </a:fontRef>
+            </p:style>
+            <p:txBody>
+              <a:bodyPr rtlCol="0" anchor="ctr"/>
+              <a:lstStyle/>
+              <a:p>
+                <a:pPr algn="ctr"/>
+                <a:endParaRPr lang="en-GB" sz="2000" dirty="0"/>
+              </a:p>
+            </p:txBody>
+          </p:sp>
+          <p:sp>
+            <p:nvSpPr>
+              <p:cNvPr id="25" name="Rectangle 24">
+                <a:extLst>
+                  <a:ext uri="{FF2B5EF4-FFF2-40B4-BE49-F238E27FC236}">
+                    <a16:creationId xmlns:a16="http://schemas.microsoft.com/office/drawing/2014/main" id="{B61FEBB7-5A33-46A8-888E-21040F144318}"/>
+                  </a:ext>
+                </a:extLst>
+              </p:cNvPr>
+              <p:cNvSpPr/>
+              <p:nvPr/>
+            </p:nvSpPr>
+            <p:spPr>
+              <a:xfrm>
+                <a:off x="1644292" y="2628614"/>
+                <a:ext cx="800100" cy="795528"/>
+              </a:xfrm>
+              <a:prstGeom prst="rect">
+                <a:avLst/>
+              </a:prstGeom>
+              <a:solidFill>
+                <a:srgbClr val="FFFF00"/>
+              </a:solidFill>
+              <a:ln>
+                <a:noFill/>
+              </a:ln>
+            </p:spPr>
+            <p:style>
+              <a:lnRef idx="2">
+                <a:schemeClr val="accent1">
+                  <a:shade val="50000"/>
+                </a:schemeClr>
+              </a:lnRef>
+              <a:fillRef idx="1">
+                <a:schemeClr val="accent1"/>
+              </a:fillRef>
+              <a:effectRef idx="0">
+                <a:schemeClr val="accent1"/>
+              </a:effectRef>
+              <a:fontRef idx="minor">
+                <a:schemeClr val="lt1"/>
+              </a:fontRef>
+            </p:style>
+            <p:txBody>
+              <a:bodyPr rtlCol="0" anchor="ctr"/>
+              <a:lstStyle/>
+              <a:p>
+                <a:pPr algn="ctr"/>
+                <a:endParaRPr lang="en-GB" dirty="0"/>
+              </a:p>
+            </p:txBody>
+          </p:sp>
+          <p:sp>
+            <p:nvSpPr>
+              <p:cNvPr id="26" name="Rectangle 25">
+                <a:extLst>
+                  <a:ext uri="{FF2B5EF4-FFF2-40B4-BE49-F238E27FC236}">
+                    <a16:creationId xmlns:a16="http://schemas.microsoft.com/office/drawing/2014/main" id="{518A0123-48F7-4577-9723-B07CA1B0559A}"/>
+                  </a:ext>
+                </a:extLst>
+              </p:cNvPr>
+              <p:cNvSpPr/>
+              <p:nvPr/>
+            </p:nvSpPr>
+            <p:spPr>
+              <a:xfrm>
+                <a:off x="1590962" y="2537895"/>
+                <a:ext cx="74095" cy="982289"/>
+              </a:xfrm>
+              <a:prstGeom prst="rect">
+                <a:avLst/>
+              </a:prstGeom>
+              <a:solidFill>
+                <a:srgbClr val="FFFF00"/>
+              </a:solidFill>
+              <a:ln>
+                <a:noFill/>
+              </a:ln>
+            </p:spPr>
+            <p:style>
+              <a:lnRef idx="2">
+                <a:schemeClr val="accent1">
+                  <a:shade val="50000"/>
+                </a:schemeClr>
+              </a:lnRef>
+              <a:fillRef idx="1">
+                <a:schemeClr val="accent1"/>
+              </a:fillRef>
+              <a:effectRef idx="0">
+                <a:schemeClr val="accent1"/>
+              </a:effectRef>
+              <a:fontRef idx="minor">
+                <a:schemeClr val="lt1"/>
+              </a:fontRef>
+            </p:style>
+            <p:txBody>
+              <a:bodyPr rtlCol="0" anchor="ctr"/>
+              <a:lstStyle/>
+              <a:p>
+                <a:pPr algn="ctr"/>
+                <a:endParaRPr lang="en-GB">
+                  <a:highlight>
+                    <a:srgbClr val="FFFF00"/>
+                  </a:highlight>
+                </a:endParaRPr>
+              </a:p>
+            </p:txBody>
+          </p:sp>
+        </p:grpSp>
+        <p:cxnSp>
+          <p:nvCxnSpPr>
+            <p:cNvPr id="22" name="Straight Connector 21">
+              <a:extLst>
+                <a:ext uri="{FF2B5EF4-FFF2-40B4-BE49-F238E27FC236}">
+                  <a16:creationId xmlns:a16="http://schemas.microsoft.com/office/drawing/2014/main" id="{853DDC99-BE2E-4B21-B81B-DAFCC339BB8D}"/>
+                </a:ext>
+              </a:extLst>
+            </p:cNvPr>
+            <p:cNvCxnSpPr/>
+            <p:nvPr/>
+          </p:nvCxnSpPr>
+          <p:spPr>
+            <a:xfrm>
+              <a:off x="662473" y="2867009"/>
+              <a:ext cx="953543" cy="0"/>
+            </a:xfrm>
+            <a:prstGeom prst="line">
+              <a:avLst/>
+            </a:prstGeom>
+            <a:ln w="31750">
+              <a:solidFill>
+                <a:schemeClr val="tx1"/>
+              </a:solidFill>
+            </a:ln>
+          </p:spPr>
+          <p:style>
+            <a:lnRef idx="1">
+              <a:schemeClr val="accent1"/>
+            </a:lnRef>
+            <a:fillRef idx="0">
+              <a:schemeClr val="accent1"/>
+            </a:fillRef>
+            <a:effectRef idx="0">
+              <a:schemeClr val="accent1"/>
+            </a:effectRef>
+            <a:fontRef idx="minor">
+              <a:schemeClr val="tx1"/>
+            </a:fontRef>
+          </p:style>
+        </p:cxnSp>
+        <p:cxnSp>
+          <p:nvCxnSpPr>
+            <p:cNvPr id="23" name="Straight Connector 22">
+              <a:extLst>
+                <a:ext uri="{FF2B5EF4-FFF2-40B4-BE49-F238E27FC236}">
+                  <a16:creationId xmlns:a16="http://schemas.microsoft.com/office/drawing/2014/main" id="{1A7B3308-7960-4600-8D20-2048EAE3A821}"/>
+                </a:ext>
+              </a:extLst>
+            </p:cNvPr>
+            <p:cNvCxnSpPr>
+              <a:cxnSpLocks/>
+            </p:cNvCxnSpPr>
+            <p:nvPr/>
+          </p:nvCxnSpPr>
+          <p:spPr>
+            <a:xfrm>
+              <a:off x="401216" y="3122046"/>
+              <a:ext cx="1214799" cy="0"/>
+            </a:xfrm>
+            <a:prstGeom prst="line">
+              <a:avLst/>
+            </a:prstGeom>
+            <a:ln w="31750">
+              <a:solidFill>
+                <a:schemeClr val="tx1"/>
+              </a:solidFill>
+            </a:ln>
+          </p:spPr>
+          <p:style>
+            <a:lnRef idx="1">
+              <a:schemeClr val="accent1"/>
+            </a:lnRef>
+            <a:fillRef idx="0">
+              <a:schemeClr val="accent1"/>
+            </a:fillRef>
+            <a:effectRef idx="0">
+              <a:schemeClr val="accent1"/>
+            </a:effectRef>
+            <a:fontRef idx="minor">
+              <a:schemeClr val="tx1"/>
+            </a:fontRef>
+          </p:style>
+        </p:cxnSp>
+      </p:grpSp>
+    </p:spTree>
+    <p:extLst>
+      <p:ext uri="{BB962C8B-B14F-4D97-AF65-F5344CB8AC3E}">
+        <p14:creationId xmlns:p14="http://schemas.microsoft.com/office/powerpoint/2010/main" val="878386419"/>
+      </p:ext>
+    </p:extLst>
+  </p:cSld>
+  <p:clrMapOvr>
+    <a:masterClrMapping/>
+  </p:clrMapOvr>
+</p:sld>
+</file>
+
+<file path=ppt/slides/slide9.xml><?xml version="1.0" encoding="utf-8"?>
+<p:sld xmlns:a="http://schemas.openxmlformats.org/drawingml/2006/main" xmlns:r="http://schemas.openxmlformats.org/officeDocument/2006/relationships" xmlns:p="http://schemas.openxmlformats.org/presentationml/2006/main">
+  <p:cSld>
+    <p:spTree>
+      <p:nvGrpSpPr>
+        <p:cNvPr id="1" name=""/>
+        <p:cNvGrpSpPr/>
+        <p:nvPr/>
+      </p:nvGrpSpPr>
+      <p:grpSpPr>
+        <a:xfrm>
+          <a:off x="0" y="0"/>
+          <a:ext cx="0" cy="0"/>
+          <a:chOff x="0" y="0"/>
+          <a:chExt cx="0" cy="0"/>
+        </a:xfrm>
+      </p:grpSpPr>
+      <p:grpSp>
+        <p:nvGrpSpPr>
+          <p:cNvPr id="4" name="Group 3">
+            <a:extLst>
+              <a:ext uri="{FF2B5EF4-FFF2-40B4-BE49-F238E27FC236}">
+                <a16:creationId xmlns:a16="http://schemas.microsoft.com/office/drawing/2014/main" id="{65FE254B-7CAA-4BD8-9D6C-5FB205ED13BC}"/>
+              </a:ext>
+            </a:extLst>
+          </p:cNvPr>
+          <p:cNvGrpSpPr/>
+          <p:nvPr/>
+        </p:nvGrpSpPr>
+        <p:grpSpPr>
+          <a:xfrm>
+            <a:off x="6323207" y="671807"/>
+            <a:ext cx="914400" cy="4942245"/>
+            <a:chOff x="4139849" y="671807"/>
+            <a:chExt cx="914400" cy="4942245"/>
+          </a:xfrm>
+        </p:grpSpPr>
+        <p:sp>
+          <p:nvSpPr>
+            <p:cNvPr id="5" name="Flowchart: Connector 4">
+              <a:extLst>
+                <a:ext uri="{FF2B5EF4-FFF2-40B4-BE49-F238E27FC236}">
+                  <a16:creationId xmlns:a16="http://schemas.microsoft.com/office/drawing/2014/main" id="{E4C27693-4BEA-45EE-8AA5-200D7BA86054}"/>
+                </a:ext>
+              </a:extLst>
+            </p:cNvPr>
+            <p:cNvSpPr>
+              <a:spLocks noChangeAspect="1"/>
+            </p:cNvSpPr>
+            <p:nvPr/>
+          </p:nvSpPr>
+          <p:spPr>
+            <a:xfrm>
+              <a:off x="4146012" y="4708796"/>
+              <a:ext cx="905256" cy="905256"/>
+            </a:xfrm>
+            <a:prstGeom prst="flowChartConnector">
+              <a:avLst/>
+            </a:prstGeom>
+            <a:solidFill>
               <a:schemeClr val="accent5">
                 <a:lumMod val="20000"/>
                 <a:lumOff val="80000"/>
@@ -34679,1360 +36924,6 @@
     <p:extLst>
       <p:ext uri="{BB962C8B-B14F-4D97-AF65-F5344CB8AC3E}">
         <p14:creationId xmlns:p14="http://schemas.microsoft.com/office/powerpoint/2010/main" val="4027332088"/>
-      </p:ext>
-    </p:extLst>
-  </p:cSld>
-  <p:clrMapOvr>
-    <a:masterClrMapping/>
-  </p:clrMapOvr>
-</p:sld>
-</file>
-
-<file path=ppt/slides/slide9.xml><?xml version="1.0" encoding="utf-8"?>
-<p:sld xmlns:a="http://schemas.openxmlformats.org/drawingml/2006/main" xmlns:r="http://schemas.openxmlformats.org/officeDocument/2006/relationships" xmlns:p="http://schemas.openxmlformats.org/presentationml/2006/main">
-  <p:cSld>
-    <p:spTree>
-      <p:nvGrpSpPr>
-        <p:cNvPr id="1" name=""/>
-        <p:cNvGrpSpPr/>
-        <p:nvPr/>
-      </p:nvGrpSpPr>
-      <p:grpSpPr>
-        <a:xfrm>
-          <a:off x="0" y="0"/>
-          <a:ext cx="0" cy="0"/>
-          <a:chOff x="0" y="0"/>
-          <a:chExt cx="0" cy="0"/>
-        </a:xfrm>
-      </p:grpSpPr>
-      <p:sp>
-        <p:nvSpPr>
-          <p:cNvPr id="7" name="Flowchart: Connector 6">
-            <a:extLst>
-              <a:ext uri="{FF2B5EF4-FFF2-40B4-BE49-F238E27FC236}">
-                <a16:creationId xmlns:a16="http://schemas.microsoft.com/office/drawing/2014/main" id="{99434963-4B37-4237-A845-FC7618EB3815}"/>
-              </a:ext>
-            </a:extLst>
-          </p:cNvPr>
-          <p:cNvSpPr>
-            <a:spLocks noChangeAspect="1"/>
-          </p:cNvSpPr>
-          <p:nvPr/>
-        </p:nvSpPr>
-        <p:spPr>
-          <a:xfrm>
-            <a:off x="5618195" y="931641"/>
-            <a:ext cx="955610" cy="955610"/>
-          </a:xfrm>
-          <a:prstGeom prst="flowChartConnector">
-            <a:avLst/>
-          </a:prstGeom>
-          <a:solidFill>
-            <a:schemeClr val="accent5">
-              <a:lumMod val="20000"/>
-              <a:lumOff val="80000"/>
-            </a:schemeClr>
-          </a:solidFill>
-          <a:ln w="50800">
-            <a:solidFill>
-              <a:schemeClr val="accent1">
-                <a:lumMod val="60000"/>
-                <a:lumOff val="40000"/>
-              </a:schemeClr>
-            </a:solidFill>
-          </a:ln>
-        </p:spPr>
-        <p:style>
-          <a:lnRef idx="2">
-            <a:schemeClr val="accent1">
-              <a:shade val="50000"/>
-            </a:schemeClr>
-          </a:lnRef>
-          <a:fillRef idx="1">
-            <a:schemeClr val="accent1"/>
-          </a:fillRef>
-          <a:effectRef idx="0">
-            <a:schemeClr val="accent1"/>
-          </a:effectRef>
-          <a:fontRef idx="minor">
-            <a:schemeClr val="lt1"/>
-          </a:fontRef>
-        </p:style>
-        <p:txBody>
-          <a:bodyPr rtlCol="0" anchor="ctr"/>
-          <a:lstStyle/>
-          <a:p>
-            <a:pPr algn="ctr"/>
-            <a:endParaRPr lang="en-GB"/>
-          </a:p>
-        </p:txBody>
-      </p:sp>
-      <p:grpSp>
-        <p:nvGrpSpPr>
-          <p:cNvPr id="14" name="Group 13">
-            <a:extLst>
-              <a:ext uri="{FF2B5EF4-FFF2-40B4-BE49-F238E27FC236}">
-                <a16:creationId xmlns:a16="http://schemas.microsoft.com/office/drawing/2014/main" id="{8826E3FB-DA11-49EA-9833-19740449D6B0}"/>
-              </a:ext>
-            </a:extLst>
-          </p:cNvPr>
-          <p:cNvGrpSpPr/>
-          <p:nvPr/>
-        </p:nvGrpSpPr>
-        <p:grpSpPr>
-          <a:xfrm>
-            <a:off x="640765" y="904962"/>
-            <a:ext cx="2468240" cy="982289"/>
-            <a:chOff x="401216" y="2528564"/>
-            <a:chExt cx="2468240" cy="982289"/>
-          </a:xfrm>
-        </p:grpSpPr>
-        <p:grpSp>
-          <p:nvGrpSpPr>
-            <p:cNvPr id="15" name="Group 14">
-              <a:extLst>
-                <a:ext uri="{FF2B5EF4-FFF2-40B4-BE49-F238E27FC236}">
-                  <a16:creationId xmlns:a16="http://schemas.microsoft.com/office/drawing/2014/main" id="{11E7B514-37CC-40D7-8B08-BF76D6B172AF}"/>
-                </a:ext>
-              </a:extLst>
-            </p:cNvPr>
-            <p:cNvGrpSpPr/>
-            <p:nvPr/>
-          </p:nvGrpSpPr>
-          <p:grpSpPr>
-            <a:xfrm>
-              <a:off x="1616016" y="2528564"/>
-              <a:ext cx="1253440" cy="982289"/>
-              <a:chOff x="1590962" y="2537895"/>
-              <a:chExt cx="1253440" cy="982289"/>
-            </a:xfrm>
-          </p:grpSpPr>
-          <p:sp>
-            <p:nvSpPr>
-              <p:cNvPr id="18" name="Flowchart: Connector 17">
-                <a:extLst>
-                  <a:ext uri="{FF2B5EF4-FFF2-40B4-BE49-F238E27FC236}">
-                    <a16:creationId xmlns:a16="http://schemas.microsoft.com/office/drawing/2014/main" id="{75C28F05-9F03-40EF-9456-F3B1DD7BB59D}"/>
-                  </a:ext>
-                </a:extLst>
-              </p:cNvPr>
-              <p:cNvSpPr>
-                <a:spLocks noChangeAspect="1"/>
-              </p:cNvSpPr>
-              <p:nvPr/>
-            </p:nvSpPr>
-            <p:spPr>
-              <a:xfrm>
-                <a:off x="2070978" y="2628616"/>
-                <a:ext cx="773424" cy="773424"/>
-              </a:xfrm>
-              <a:prstGeom prst="flowChartConnector">
-                <a:avLst/>
-              </a:prstGeom>
-              <a:solidFill>
-                <a:schemeClr val="bg1">
-                  <a:lumMod val="85000"/>
-                </a:schemeClr>
-              </a:solidFill>
-              <a:ln>
-                <a:noFill/>
-              </a:ln>
-            </p:spPr>
-            <p:style>
-              <a:lnRef idx="2">
-                <a:schemeClr val="accent1">
-                  <a:shade val="50000"/>
-                </a:schemeClr>
-              </a:lnRef>
-              <a:fillRef idx="1">
-                <a:schemeClr val="accent1"/>
-              </a:fillRef>
-              <a:effectRef idx="0">
-                <a:schemeClr val="accent1"/>
-              </a:effectRef>
-              <a:fontRef idx="minor">
-                <a:schemeClr val="lt1"/>
-              </a:fontRef>
-            </p:style>
-            <p:txBody>
-              <a:bodyPr rtlCol="0" anchor="ctr"/>
-              <a:lstStyle/>
-              <a:p>
-                <a:pPr algn="ctr"/>
-                <a:endParaRPr lang="en-GB" sz="2000"/>
-              </a:p>
-            </p:txBody>
-          </p:sp>
-          <p:sp>
-            <p:nvSpPr>
-              <p:cNvPr id="19" name="Rectangle 18">
-                <a:extLst>
-                  <a:ext uri="{FF2B5EF4-FFF2-40B4-BE49-F238E27FC236}">
-                    <a16:creationId xmlns:a16="http://schemas.microsoft.com/office/drawing/2014/main" id="{6C88E62B-7DA1-4EBC-9346-361BF1317942}"/>
-                  </a:ext>
-                </a:extLst>
-              </p:cNvPr>
-              <p:cNvSpPr/>
-              <p:nvPr/>
-            </p:nvSpPr>
-            <p:spPr>
-              <a:xfrm>
-                <a:off x="1644292" y="2611196"/>
-                <a:ext cx="800100" cy="795528"/>
-              </a:xfrm>
-              <a:prstGeom prst="rect">
-                <a:avLst/>
-              </a:prstGeom>
-              <a:solidFill>
-                <a:schemeClr val="bg1">
-                  <a:lumMod val="85000"/>
-                </a:schemeClr>
-              </a:solidFill>
-              <a:ln>
-                <a:noFill/>
-              </a:ln>
-            </p:spPr>
-            <p:style>
-              <a:lnRef idx="2">
-                <a:schemeClr val="accent1">
-                  <a:shade val="50000"/>
-                </a:schemeClr>
-              </a:lnRef>
-              <a:fillRef idx="1">
-                <a:schemeClr val="accent1"/>
-              </a:fillRef>
-              <a:effectRef idx="0">
-                <a:schemeClr val="accent1"/>
-              </a:effectRef>
-              <a:fontRef idx="minor">
-                <a:schemeClr val="lt1"/>
-              </a:fontRef>
-            </p:style>
-            <p:txBody>
-              <a:bodyPr rtlCol="0" anchor="ctr"/>
-              <a:lstStyle/>
-              <a:p>
-                <a:pPr algn="ctr"/>
-                <a:endParaRPr lang="en-GB" dirty="0"/>
-              </a:p>
-            </p:txBody>
-          </p:sp>
-          <p:sp>
-            <p:nvSpPr>
-              <p:cNvPr id="20" name="Rectangle 19">
-                <a:extLst>
-                  <a:ext uri="{FF2B5EF4-FFF2-40B4-BE49-F238E27FC236}">
-                    <a16:creationId xmlns:a16="http://schemas.microsoft.com/office/drawing/2014/main" id="{8A54825C-9964-4CBC-8353-8DD74ACCD22C}"/>
-                  </a:ext>
-                </a:extLst>
-              </p:cNvPr>
-              <p:cNvSpPr/>
-              <p:nvPr/>
-            </p:nvSpPr>
-            <p:spPr>
-              <a:xfrm>
-                <a:off x="1590962" y="2537895"/>
-                <a:ext cx="74095" cy="982289"/>
-              </a:xfrm>
-              <a:prstGeom prst="rect">
-                <a:avLst/>
-              </a:prstGeom>
-              <a:solidFill>
-                <a:schemeClr val="bg1">
-                  <a:lumMod val="85000"/>
-                </a:schemeClr>
-              </a:solidFill>
-              <a:ln>
-                <a:noFill/>
-              </a:ln>
-            </p:spPr>
-            <p:style>
-              <a:lnRef idx="2">
-                <a:schemeClr val="accent1">
-                  <a:shade val="50000"/>
-                </a:schemeClr>
-              </a:lnRef>
-              <a:fillRef idx="1">
-                <a:schemeClr val="accent1"/>
-              </a:fillRef>
-              <a:effectRef idx="0">
-                <a:schemeClr val="accent1"/>
-              </a:effectRef>
-              <a:fontRef idx="minor">
-                <a:schemeClr val="lt1"/>
-              </a:fontRef>
-            </p:style>
-            <p:txBody>
-              <a:bodyPr rtlCol="0" anchor="ctr"/>
-              <a:lstStyle/>
-              <a:p>
-                <a:pPr algn="ctr"/>
-                <a:endParaRPr lang="en-GB"/>
-              </a:p>
-            </p:txBody>
-          </p:sp>
-        </p:grpSp>
-        <p:cxnSp>
-          <p:nvCxnSpPr>
-            <p:cNvPr id="16" name="Straight Connector 15">
-              <a:extLst>
-                <a:ext uri="{FF2B5EF4-FFF2-40B4-BE49-F238E27FC236}">
-                  <a16:creationId xmlns:a16="http://schemas.microsoft.com/office/drawing/2014/main" id="{081261FB-01DF-415D-800E-1BD09F443764}"/>
-                </a:ext>
-              </a:extLst>
-            </p:cNvPr>
-            <p:cNvCxnSpPr/>
-            <p:nvPr/>
-          </p:nvCxnSpPr>
-          <p:spPr>
-            <a:xfrm>
-              <a:off x="662473" y="2867009"/>
-              <a:ext cx="953543" cy="0"/>
-            </a:xfrm>
-            <a:prstGeom prst="line">
-              <a:avLst/>
-            </a:prstGeom>
-            <a:ln w="31750">
-              <a:solidFill>
-                <a:schemeClr val="tx1"/>
-              </a:solidFill>
-            </a:ln>
-          </p:spPr>
-          <p:style>
-            <a:lnRef idx="1">
-              <a:schemeClr val="accent1"/>
-            </a:lnRef>
-            <a:fillRef idx="0">
-              <a:schemeClr val="accent1"/>
-            </a:fillRef>
-            <a:effectRef idx="0">
-              <a:schemeClr val="accent1"/>
-            </a:effectRef>
-            <a:fontRef idx="minor">
-              <a:schemeClr val="tx1"/>
-            </a:fontRef>
-          </p:style>
-        </p:cxnSp>
-        <p:cxnSp>
-          <p:nvCxnSpPr>
-            <p:cNvPr id="17" name="Straight Connector 16">
-              <a:extLst>
-                <a:ext uri="{FF2B5EF4-FFF2-40B4-BE49-F238E27FC236}">
-                  <a16:creationId xmlns:a16="http://schemas.microsoft.com/office/drawing/2014/main" id="{43AEE6A9-39F1-4742-B353-8748B5FCD9CA}"/>
-                </a:ext>
-              </a:extLst>
-            </p:cNvPr>
-            <p:cNvCxnSpPr>
-              <a:cxnSpLocks/>
-            </p:cNvCxnSpPr>
-            <p:nvPr/>
-          </p:nvCxnSpPr>
-          <p:spPr>
-            <a:xfrm>
-              <a:off x="401216" y="3122046"/>
-              <a:ext cx="1214799" cy="0"/>
-            </a:xfrm>
-            <a:prstGeom prst="line">
-              <a:avLst/>
-            </a:prstGeom>
-            <a:ln w="31750">
-              <a:solidFill>
-                <a:schemeClr val="tx1"/>
-              </a:solidFill>
-            </a:ln>
-          </p:spPr>
-          <p:style>
-            <a:lnRef idx="1">
-              <a:schemeClr val="accent1"/>
-            </a:lnRef>
-            <a:fillRef idx="0">
-              <a:schemeClr val="accent1"/>
-            </a:fillRef>
-            <a:effectRef idx="0">
-              <a:schemeClr val="accent1"/>
-            </a:effectRef>
-            <a:fontRef idx="minor">
-              <a:schemeClr val="tx1"/>
-            </a:fontRef>
-          </p:style>
-        </p:cxnSp>
-      </p:grpSp>
-      <p:grpSp>
-        <p:nvGrpSpPr>
-          <p:cNvPr id="21" name="Group 20">
-            <a:extLst>
-              <a:ext uri="{FF2B5EF4-FFF2-40B4-BE49-F238E27FC236}">
-                <a16:creationId xmlns:a16="http://schemas.microsoft.com/office/drawing/2014/main" id="{BC3D4B6D-E877-4CAC-B0E0-64FD59F57196}"/>
-              </a:ext>
-            </a:extLst>
-          </p:cNvPr>
-          <p:cNvGrpSpPr/>
-          <p:nvPr/>
-        </p:nvGrpSpPr>
-        <p:grpSpPr>
-          <a:xfrm rot="16200000">
-            <a:off x="4861880" y="5034095"/>
-            <a:ext cx="2468240" cy="982289"/>
-            <a:chOff x="401216" y="2528564"/>
-            <a:chExt cx="2468240" cy="982289"/>
-          </a:xfrm>
-        </p:grpSpPr>
-        <p:grpSp>
-          <p:nvGrpSpPr>
-            <p:cNvPr id="22" name="Group 21">
-              <a:extLst>
-                <a:ext uri="{FF2B5EF4-FFF2-40B4-BE49-F238E27FC236}">
-                  <a16:creationId xmlns:a16="http://schemas.microsoft.com/office/drawing/2014/main" id="{24B62DAB-3E3B-4CAB-A47F-8629601EE213}"/>
-                </a:ext>
-              </a:extLst>
-            </p:cNvPr>
-            <p:cNvGrpSpPr/>
-            <p:nvPr/>
-          </p:nvGrpSpPr>
-          <p:grpSpPr>
-            <a:xfrm>
-              <a:off x="1616016" y="2528564"/>
-              <a:ext cx="1253440" cy="982289"/>
-              <a:chOff x="1590962" y="2537895"/>
-              <a:chExt cx="1253440" cy="982289"/>
-            </a:xfrm>
-          </p:grpSpPr>
-          <p:sp>
-            <p:nvSpPr>
-              <p:cNvPr id="25" name="Flowchart: Connector 24">
-                <a:extLst>
-                  <a:ext uri="{FF2B5EF4-FFF2-40B4-BE49-F238E27FC236}">
-                    <a16:creationId xmlns:a16="http://schemas.microsoft.com/office/drawing/2014/main" id="{80EAA912-10B2-4E83-813A-8373886EDFB5}"/>
-                  </a:ext>
-                </a:extLst>
-              </p:cNvPr>
-              <p:cNvSpPr>
-                <a:spLocks noChangeAspect="1"/>
-              </p:cNvSpPr>
-              <p:nvPr/>
-            </p:nvSpPr>
-            <p:spPr>
-              <a:xfrm>
-                <a:off x="2070978" y="2628617"/>
-                <a:ext cx="773424" cy="773424"/>
-              </a:xfrm>
-              <a:prstGeom prst="flowChartConnector">
-                <a:avLst/>
-              </a:prstGeom>
-              <a:solidFill>
-                <a:schemeClr val="bg1">
-                  <a:lumMod val="85000"/>
-                </a:schemeClr>
-              </a:solidFill>
-              <a:ln>
-                <a:noFill/>
-              </a:ln>
-            </p:spPr>
-            <p:style>
-              <a:lnRef idx="2">
-                <a:schemeClr val="accent1">
-                  <a:shade val="50000"/>
-                </a:schemeClr>
-              </a:lnRef>
-              <a:fillRef idx="1">
-                <a:schemeClr val="accent1"/>
-              </a:fillRef>
-              <a:effectRef idx="0">
-                <a:schemeClr val="accent1"/>
-              </a:effectRef>
-              <a:fontRef idx="minor">
-                <a:schemeClr val="lt1"/>
-              </a:fontRef>
-            </p:style>
-            <p:txBody>
-              <a:bodyPr rtlCol="0" anchor="ctr"/>
-              <a:lstStyle/>
-              <a:p>
-                <a:pPr algn="ctr"/>
-                <a:endParaRPr lang="en-GB" sz="2000"/>
-              </a:p>
-            </p:txBody>
-          </p:sp>
-          <p:sp>
-            <p:nvSpPr>
-              <p:cNvPr id="26" name="Rectangle 25">
-                <a:extLst>
-                  <a:ext uri="{FF2B5EF4-FFF2-40B4-BE49-F238E27FC236}">
-                    <a16:creationId xmlns:a16="http://schemas.microsoft.com/office/drawing/2014/main" id="{7E3BE99D-E1DB-4650-930F-E95015ECE0A5}"/>
-                  </a:ext>
-                </a:extLst>
-              </p:cNvPr>
-              <p:cNvSpPr/>
-              <p:nvPr/>
-            </p:nvSpPr>
-            <p:spPr>
-              <a:xfrm>
-                <a:off x="1644292" y="2628614"/>
-                <a:ext cx="800100" cy="795528"/>
-              </a:xfrm>
-              <a:prstGeom prst="rect">
-                <a:avLst/>
-              </a:prstGeom>
-              <a:solidFill>
-                <a:schemeClr val="bg1">
-                  <a:lumMod val="85000"/>
-                </a:schemeClr>
-              </a:solidFill>
-              <a:ln>
-                <a:noFill/>
-              </a:ln>
-            </p:spPr>
-            <p:style>
-              <a:lnRef idx="2">
-                <a:schemeClr val="accent1">
-                  <a:shade val="50000"/>
-                </a:schemeClr>
-              </a:lnRef>
-              <a:fillRef idx="1">
-                <a:schemeClr val="accent1"/>
-              </a:fillRef>
-              <a:effectRef idx="0">
-                <a:schemeClr val="accent1"/>
-              </a:effectRef>
-              <a:fontRef idx="minor">
-                <a:schemeClr val="lt1"/>
-              </a:fontRef>
-            </p:style>
-            <p:txBody>
-              <a:bodyPr rtlCol="0" anchor="ctr"/>
-              <a:lstStyle/>
-              <a:p>
-                <a:pPr algn="ctr"/>
-                <a:endParaRPr lang="en-GB" dirty="0"/>
-              </a:p>
-            </p:txBody>
-          </p:sp>
-          <p:sp>
-            <p:nvSpPr>
-              <p:cNvPr id="27" name="Rectangle 26">
-                <a:extLst>
-                  <a:ext uri="{FF2B5EF4-FFF2-40B4-BE49-F238E27FC236}">
-                    <a16:creationId xmlns:a16="http://schemas.microsoft.com/office/drawing/2014/main" id="{1C6C81D2-E41B-4308-8FF6-B4BDB2A03E7E}"/>
-                  </a:ext>
-                </a:extLst>
-              </p:cNvPr>
-              <p:cNvSpPr/>
-              <p:nvPr/>
-            </p:nvSpPr>
-            <p:spPr>
-              <a:xfrm>
-                <a:off x="1590962" y="2537895"/>
-                <a:ext cx="74095" cy="982289"/>
-              </a:xfrm>
-              <a:prstGeom prst="rect">
-                <a:avLst/>
-              </a:prstGeom>
-              <a:solidFill>
-                <a:schemeClr val="bg1">
-                  <a:lumMod val="85000"/>
-                </a:schemeClr>
-              </a:solidFill>
-              <a:ln>
-                <a:noFill/>
-              </a:ln>
-            </p:spPr>
-            <p:style>
-              <a:lnRef idx="2">
-                <a:schemeClr val="accent1">
-                  <a:shade val="50000"/>
-                </a:schemeClr>
-              </a:lnRef>
-              <a:fillRef idx="1">
-                <a:schemeClr val="accent1"/>
-              </a:fillRef>
-              <a:effectRef idx="0">
-                <a:schemeClr val="accent1"/>
-              </a:effectRef>
-              <a:fontRef idx="minor">
-                <a:schemeClr val="lt1"/>
-              </a:fontRef>
-            </p:style>
-            <p:txBody>
-              <a:bodyPr rtlCol="0" anchor="ctr"/>
-              <a:lstStyle/>
-              <a:p>
-                <a:pPr algn="ctr"/>
-                <a:endParaRPr lang="en-GB"/>
-              </a:p>
-            </p:txBody>
-          </p:sp>
-        </p:grpSp>
-        <p:cxnSp>
-          <p:nvCxnSpPr>
-            <p:cNvPr id="23" name="Straight Connector 22">
-              <a:extLst>
-                <a:ext uri="{FF2B5EF4-FFF2-40B4-BE49-F238E27FC236}">
-                  <a16:creationId xmlns:a16="http://schemas.microsoft.com/office/drawing/2014/main" id="{79648CA4-8805-45A9-9F9E-6B91C549E99E}"/>
-                </a:ext>
-              </a:extLst>
-            </p:cNvPr>
-            <p:cNvCxnSpPr/>
-            <p:nvPr/>
-          </p:nvCxnSpPr>
-          <p:spPr>
-            <a:xfrm>
-              <a:off x="662473" y="2867009"/>
-              <a:ext cx="953543" cy="0"/>
-            </a:xfrm>
-            <a:prstGeom prst="line">
-              <a:avLst/>
-            </a:prstGeom>
-            <a:ln w="31750">
-              <a:solidFill>
-                <a:schemeClr val="tx1"/>
-              </a:solidFill>
-            </a:ln>
-          </p:spPr>
-          <p:style>
-            <a:lnRef idx="1">
-              <a:schemeClr val="accent1"/>
-            </a:lnRef>
-            <a:fillRef idx="0">
-              <a:schemeClr val="accent1"/>
-            </a:fillRef>
-            <a:effectRef idx="0">
-              <a:schemeClr val="accent1"/>
-            </a:effectRef>
-            <a:fontRef idx="minor">
-              <a:schemeClr val="tx1"/>
-            </a:fontRef>
-          </p:style>
-        </p:cxnSp>
-        <p:cxnSp>
-          <p:nvCxnSpPr>
-            <p:cNvPr id="24" name="Straight Connector 23">
-              <a:extLst>
-                <a:ext uri="{FF2B5EF4-FFF2-40B4-BE49-F238E27FC236}">
-                  <a16:creationId xmlns:a16="http://schemas.microsoft.com/office/drawing/2014/main" id="{D0DBDE8B-463A-4730-AD1E-166E15775B9B}"/>
-                </a:ext>
-              </a:extLst>
-            </p:cNvPr>
-            <p:cNvCxnSpPr>
-              <a:cxnSpLocks/>
-            </p:cNvCxnSpPr>
-            <p:nvPr/>
-          </p:nvCxnSpPr>
-          <p:spPr>
-            <a:xfrm>
-              <a:off x="401216" y="3122046"/>
-              <a:ext cx="1214799" cy="0"/>
-            </a:xfrm>
-            <a:prstGeom prst="line">
-              <a:avLst/>
-            </a:prstGeom>
-            <a:ln w="31750">
-              <a:solidFill>
-                <a:schemeClr val="tx1"/>
-              </a:solidFill>
-            </a:ln>
-          </p:spPr>
-          <p:style>
-            <a:lnRef idx="1">
-              <a:schemeClr val="accent1"/>
-            </a:lnRef>
-            <a:fillRef idx="0">
-              <a:schemeClr val="accent1"/>
-            </a:fillRef>
-            <a:effectRef idx="0">
-              <a:schemeClr val="accent1"/>
-            </a:effectRef>
-            <a:fontRef idx="minor">
-              <a:schemeClr val="tx1"/>
-            </a:fontRef>
-          </p:style>
-        </p:cxnSp>
-      </p:grpSp>
-      <p:sp>
-        <p:nvSpPr>
-          <p:cNvPr id="28" name="Arrow: Right 27">
-            <a:extLst>
-              <a:ext uri="{FF2B5EF4-FFF2-40B4-BE49-F238E27FC236}">
-                <a16:creationId xmlns:a16="http://schemas.microsoft.com/office/drawing/2014/main" id="{05B650BD-9410-46B8-B3BC-7C52A20E9D66}"/>
-              </a:ext>
-            </a:extLst>
-          </p:cNvPr>
-          <p:cNvSpPr>
-            <a:spLocks noChangeAspect="1"/>
-          </p:cNvSpPr>
-          <p:nvPr/>
-        </p:nvSpPr>
-        <p:spPr>
-          <a:xfrm>
-            <a:off x="3304743" y="773659"/>
-            <a:ext cx="2122942" cy="1239572"/>
-          </a:xfrm>
-          <a:prstGeom prst="rightArrow">
-            <a:avLst/>
-          </a:prstGeom>
-          <a:solidFill>
-            <a:schemeClr val="bg1">
-              <a:lumMod val="65000"/>
-            </a:schemeClr>
-          </a:solidFill>
-          <a:ln>
-            <a:noFill/>
-          </a:ln>
-        </p:spPr>
-        <p:style>
-          <a:lnRef idx="2">
-            <a:schemeClr val="accent1">
-              <a:shade val="50000"/>
-            </a:schemeClr>
-          </a:lnRef>
-          <a:fillRef idx="1">
-            <a:schemeClr val="accent1"/>
-          </a:fillRef>
-          <a:effectRef idx="0">
-            <a:schemeClr val="accent1"/>
-          </a:effectRef>
-          <a:fontRef idx="minor">
-            <a:schemeClr val="lt1"/>
-          </a:fontRef>
-        </p:style>
-        <p:txBody>
-          <a:bodyPr rtlCol="0" anchor="ctr"/>
-          <a:lstStyle/>
-          <a:p>
-            <a:pPr algn="ctr"/>
-            <a:endParaRPr lang="en-GB"/>
-          </a:p>
-        </p:txBody>
-      </p:sp>
-      <p:sp>
-        <p:nvSpPr>
-          <p:cNvPr id="29" name="Arrow: Right 28">
-            <a:extLst>
-              <a:ext uri="{FF2B5EF4-FFF2-40B4-BE49-F238E27FC236}">
-                <a16:creationId xmlns:a16="http://schemas.microsoft.com/office/drawing/2014/main" id="{1396E35A-B169-486B-B063-6BA677A60A85}"/>
-              </a:ext>
-            </a:extLst>
-          </p:cNvPr>
-          <p:cNvSpPr>
-            <a:spLocks noChangeAspect="1"/>
-          </p:cNvSpPr>
-          <p:nvPr/>
-        </p:nvSpPr>
-        <p:spPr>
-          <a:xfrm rot="16200000">
-            <a:off x="5077072" y="2496270"/>
-            <a:ext cx="2045831" cy="1194548"/>
-          </a:xfrm>
-          <a:prstGeom prst="rightArrow">
-            <a:avLst/>
-          </a:prstGeom>
-          <a:solidFill>
-            <a:schemeClr val="bg1">
-              <a:lumMod val="65000"/>
-            </a:schemeClr>
-          </a:solidFill>
-          <a:ln w="50800">
-            <a:solidFill>
-              <a:schemeClr val="tx1"/>
-            </a:solidFill>
-          </a:ln>
-        </p:spPr>
-        <p:style>
-          <a:lnRef idx="2">
-            <a:schemeClr val="accent1">
-              <a:shade val="50000"/>
-            </a:schemeClr>
-          </a:lnRef>
-          <a:fillRef idx="1">
-            <a:schemeClr val="accent1"/>
-          </a:fillRef>
-          <a:effectRef idx="0">
-            <a:schemeClr val="accent1"/>
-          </a:effectRef>
-          <a:fontRef idx="minor">
-            <a:schemeClr val="lt1"/>
-          </a:fontRef>
-        </p:style>
-        <p:txBody>
-          <a:bodyPr rtlCol="0" anchor="ctr"/>
-          <a:lstStyle/>
-          <a:p>
-            <a:pPr algn="ctr"/>
-            <a:endParaRPr lang="en-GB"/>
-          </a:p>
-        </p:txBody>
-      </p:sp>
-      <p:sp>
-        <p:nvSpPr>
-          <p:cNvPr id="30" name="Arrow: Right 29">
-            <a:extLst>
-              <a:ext uri="{FF2B5EF4-FFF2-40B4-BE49-F238E27FC236}">
-                <a16:creationId xmlns:a16="http://schemas.microsoft.com/office/drawing/2014/main" id="{42FEB97C-FB31-4891-9852-63FCB0B6BA97}"/>
-              </a:ext>
-            </a:extLst>
-          </p:cNvPr>
-          <p:cNvSpPr>
-            <a:spLocks/>
-          </p:cNvSpPr>
-          <p:nvPr/>
-        </p:nvSpPr>
-        <p:spPr>
-          <a:xfrm>
-            <a:off x="6792451" y="759594"/>
-            <a:ext cx="2122942" cy="491145"/>
-          </a:xfrm>
-          <a:prstGeom prst="rightArrow">
-            <a:avLst/>
-          </a:prstGeom>
-          <a:solidFill>
-            <a:schemeClr val="bg1">
-              <a:lumMod val="65000"/>
-            </a:schemeClr>
-          </a:solidFill>
-          <a:ln w="50800">
-            <a:solidFill>
-              <a:schemeClr val="bg1">
-                <a:lumMod val="65000"/>
-              </a:schemeClr>
-            </a:solidFill>
-          </a:ln>
-        </p:spPr>
-        <p:style>
-          <a:lnRef idx="2">
-            <a:schemeClr val="accent1">
-              <a:shade val="50000"/>
-            </a:schemeClr>
-          </a:lnRef>
-          <a:fillRef idx="1">
-            <a:schemeClr val="accent1"/>
-          </a:fillRef>
-          <a:effectRef idx="0">
-            <a:schemeClr val="accent1"/>
-          </a:effectRef>
-          <a:fontRef idx="minor">
-            <a:schemeClr val="lt1"/>
-          </a:fontRef>
-        </p:style>
-        <p:txBody>
-          <a:bodyPr rtlCol="0" anchor="ctr"/>
-          <a:lstStyle/>
-          <a:p>
-            <a:pPr algn="ctr"/>
-            <a:endParaRPr lang="en-GB"/>
-          </a:p>
-        </p:txBody>
-      </p:sp>
-      <p:grpSp>
-        <p:nvGrpSpPr>
-          <p:cNvPr id="31" name="Group 30">
-            <a:extLst>
-              <a:ext uri="{FF2B5EF4-FFF2-40B4-BE49-F238E27FC236}">
-                <a16:creationId xmlns:a16="http://schemas.microsoft.com/office/drawing/2014/main" id="{BE74F59C-CF7F-46C0-90C3-82BC6A4D5FB8}"/>
-              </a:ext>
-            </a:extLst>
-          </p:cNvPr>
-          <p:cNvGrpSpPr/>
-          <p:nvPr/>
-        </p:nvGrpSpPr>
-        <p:grpSpPr>
-          <a:xfrm>
-            <a:off x="9366100" y="599103"/>
-            <a:ext cx="220897" cy="1620685"/>
-            <a:chOff x="9375896" y="2238293"/>
-            <a:chExt cx="220897" cy="1620685"/>
-          </a:xfrm>
-        </p:grpSpPr>
-        <p:sp>
-          <p:nvSpPr>
-            <p:cNvPr id="32" name="Rectangle 31">
-              <a:extLst>
-                <a:ext uri="{FF2B5EF4-FFF2-40B4-BE49-F238E27FC236}">
-                  <a16:creationId xmlns:a16="http://schemas.microsoft.com/office/drawing/2014/main" id="{72F4A8BB-C948-4F0B-A10F-5CDD1F6BBBB3}"/>
-                </a:ext>
-              </a:extLst>
-            </p:cNvPr>
-            <p:cNvSpPr/>
-            <p:nvPr/>
-          </p:nvSpPr>
-          <p:spPr>
-            <a:xfrm>
-              <a:off x="9434868" y="2238293"/>
-              <a:ext cx="161925" cy="1620685"/>
-            </a:xfrm>
-            <a:prstGeom prst="rect">
-              <a:avLst/>
-            </a:prstGeom>
-            <a:solidFill>
-              <a:schemeClr val="accent1">
-                <a:lumMod val="75000"/>
-              </a:schemeClr>
-            </a:solidFill>
-            <a:ln>
-              <a:solidFill>
-                <a:schemeClr val="accent1">
-                  <a:lumMod val="75000"/>
-                </a:schemeClr>
-              </a:solidFill>
-            </a:ln>
-          </p:spPr>
-          <p:style>
-            <a:lnRef idx="2">
-              <a:schemeClr val="accent1">
-                <a:shade val="50000"/>
-              </a:schemeClr>
-            </a:lnRef>
-            <a:fillRef idx="1">
-              <a:schemeClr val="accent1"/>
-            </a:fillRef>
-            <a:effectRef idx="0">
-              <a:schemeClr val="accent1"/>
-            </a:effectRef>
-            <a:fontRef idx="minor">
-              <a:schemeClr val="lt1"/>
-            </a:fontRef>
-          </p:style>
-          <p:txBody>
-            <a:bodyPr rtlCol="0" anchor="ctr"/>
-            <a:lstStyle/>
-            <a:p>
-              <a:pPr algn="ctr"/>
-              <a:endParaRPr lang="en-GB"/>
-            </a:p>
-          </p:txBody>
-        </p:sp>
-        <p:sp>
-          <p:nvSpPr>
-            <p:cNvPr id="33" name="Rectangle 32">
-              <a:extLst>
-                <a:ext uri="{FF2B5EF4-FFF2-40B4-BE49-F238E27FC236}">
-                  <a16:creationId xmlns:a16="http://schemas.microsoft.com/office/drawing/2014/main" id="{6FFCB312-FF60-4CB9-BD6E-595AB244844B}"/>
-                </a:ext>
-              </a:extLst>
-            </p:cNvPr>
-            <p:cNvSpPr/>
-            <p:nvPr/>
-          </p:nvSpPr>
-          <p:spPr>
-            <a:xfrm>
-              <a:off x="9375896" y="2783571"/>
-              <a:ext cx="72250" cy="472276"/>
-            </a:xfrm>
-            <a:prstGeom prst="rect">
-              <a:avLst/>
-            </a:prstGeom>
-            <a:solidFill>
-              <a:schemeClr val="accent1">
-                <a:lumMod val="75000"/>
-              </a:schemeClr>
-            </a:solidFill>
-            <a:ln>
-              <a:solidFill>
-                <a:schemeClr val="accent1">
-                  <a:lumMod val="75000"/>
-                </a:schemeClr>
-              </a:solidFill>
-            </a:ln>
-          </p:spPr>
-          <p:style>
-            <a:lnRef idx="2">
-              <a:schemeClr val="accent1">
-                <a:shade val="50000"/>
-              </a:schemeClr>
-            </a:lnRef>
-            <a:fillRef idx="1">
-              <a:schemeClr val="accent1"/>
-            </a:fillRef>
-            <a:effectRef idx="0">
-              <a:schemeClr val="accent1"/>
-            </a:effectRef>
-            <a:fontRef idx="minor">
-              <a:schemeClr val="lt1"/>
-            </a:fontRef>
-          </p:style>
-          <p:txBody>
-            <a:bodyPr rtlCol="0" anchor="ctr"/>
-            <a:lstStyle/>
-            <a:p>
-              <a:pPr algn="ctr"/>
-              <a:endParaRPr lang="en-GB"/>
-            </a:p>
-          </p:txBody>
-        </p:sp>
-      </p:grpSp>
-      <p:grpSp>
-        <p:nvGrpSpPr>
-          <p:cNvPr id="34" name="Group 33">
-            <a:extLst>
-              <a:ext uri="{FF2B5EF4-FFF2-40B4-BE49-F238E27FC236}">
-                <a16:creationId xmlns:a16="http://schemas.microsoft.com/office/drawing/2014/main" id="{12DD13D6-3404-40ED-A87A-BA4AD0D924A0}"/>
-              </a:ext>
-            </a:extLst>
-          </p:cNvPr>
-          <p:cNvGrpSpPr/>
-          <p:nvPr/>
-        </p:nvGrpSpPr>
-        <p:grpSpPr>
-          <a:xfrm>
-            <a:off x="10043518" y="903677"/>
-            <a:ext cx="1682380" cy="983574"/>
-            <a:chOff x="10090959" y="2553620"/>
-            <a:chExt cx="1682380" cy="983574"/>
-          </a:xfrm>
-        </p:grpSpPr>
-        <p:sp>
-          <p:nvSpPr>
-            <p:cNvPr id="35" name="Rectangle: Rounded Corners 34">
-              <a:extLst>
-                <a:ext uri="{FF2B5EF4-FFF2-40B4-BE49-F238E27FC236}">
-                  <a16:creationId xmlns:a16="http://schemas.microsoft.com/office/drawing/2014/main" id="{10BB3B0F-6876-44DB-95FE-CC6187B4385C}"/>
-                </a:ext>
-              </a:extLst>
-            </p:cNvPr>
-            <p:cNvSpPr/>
-            <p:nvPr/>
-          </p:nvSpPr>
-          <p:spPr>
-            <a:xfrm>
-              <a:off x="10091672" y="2553620"/>
-              <a:ext cx="1506276" cy="983574"/>
-            </a:xfrm>
-            <a:prstGeom prst="roundRect">
-              <a:avLst/>
-            </a:prstGeom>
-            <a:solidFill>
-              <a:schemeClr val="accent2">
-                <a:lumMod val="20000"/>
-                <a:lumOff val="80000"/>
-              </a:schemeClr>
-            </a:solidFill>
-            <a:ln w="47625">
-              <a:solidFill>
-                <a:schemeClr val="accent2">
-                  <a:lumMod val="75000"/>
-                </a:schemeClr>
-              </a:solidFill>
-            </a:ln>
-          </p:spPr>
-          <p:style>
-            <a:lnRef idx="2">
-              <a:schemeClr val="accent1">
-                <a:shade val="50000"/>
-              </a:schemeClr>
-            </a:lnRef>
-            <a:fillRef idx="1">
-              <a:schemeClr val="accent1"/>
-            </a:fillRef>
-            <a:effectRef idx="0">
-              <a:schemeClr val="accent1"/>
-            </a:effectRef>
-            <a:fontRef idx="minor">
-              <a:schemeClr val="lt1"/>
-            </a:fontRef>
-          </p:style>
-          <p:txBody>
-            <a:bodyPr rtlCol="0" anchor="ctr"/>
-            <a:lstStyle/>
-            <a:p>
-              <a:pPr algn="ctr"/>
-              <a:endParaRPr lang="en-GB"/>
-            </a:p>
-          </p:txBody>
-        </p:sp>
-        <p:sp>
-          <p:nvSpPr>
-            <p:cNvPr id="36" name="TextBox 35">
-              <a:extLst>
-                <a:ext uri="{FF2B5EF4-FFF2-40B4-BE49-F238E27FC236}">
-                  <a16:creationId xmlns:a16="http://schemas.microsoft.com/office/drawing/2014/main" id="{F03D8D61-7C84-4C31-8DEE-53E805E64BF1}"/>
-                </a:ext>
-              </a:extLst>
-            </p:cNvPr>
-            <p:cNvSpPr txBox="1"/>
-            <p:nvPr/>
-          </p:nvSpPr>
-          <p:spPr>
-            <a:xfrm>
-              <a:off x="10090959" y="2753019"/>
-              <a:ext cx="1682380" cy="584775"/>
-            </a:xfrm>
-            <a:prstGeom prst="rect">
-              <a:avLst/>
-            </a:prstGeom>
-            <a:noFill/>
-          </p:spPr>
-          <p:txBody>
-            <a:bodyPr wrap="square" rtlCol="0">
-              <a:spAutoFit/>
-            </a:bodyPr>
-            <a:lstStyle/>
-            <a:p>
-              <a:r>
-                <a:rPr lang="en-GB" sz="3200" b="1" dirty="0">
-                  <a:cs typeface="Aparajita" panose="020B0502040204020203" pitchFamily="18" charset="0"/>
-                </a:rPr>
-                <a:t>1.25678</a:t>
-              </a:r>
-            </a:p>
-          </p:txBody>
-        </p:sp>
-      </p:grpSp>
-      <p:sp>
-        <p:nvSpPr>
-          <p:cNvPr id="37" name="Arrow: Right 36">
-            <a:extLst>
-              <a:ext uri="{FF2B5EF4-FFF2-40B4-BE49-F238E27FC236}">
-                <a16:creationId xmlns:a16="http://schemas.microsoft.com/office/drawing/2014/main" id="{BF6E9965-22B0-4740-AB68-8252EC61191C}"/>
-              </a:ext>
-            </a:extLst>
-          </p:cNvPr>
-          <p:cNvSpPr>
-            <a:spLocks/>
-          </p:cNvSpPr>
-          <p:nvPr/>
-        </p:nvSpPr>
-        <p:spPr>
-          <a:xfrm>
-            <a:off x="6792451" y="1477496"/>
-            <a:ext cx="2122942" cy="491145"/>
-          </a:xfrm>
-          <a:prstGeom prst="rightArrow">
-            <a:avLst/>
-          </a:prstGeom>
-          <a:solidFill>
-            <a:schemeClr val="bg1">
-              <a:lumMod val="65000"/>
-            </a:schemeClr>
-          </a:solidFill>
-          <a:ln w="50800">
-            <a:solidFill>
-              <a:schemeClr val="tx1"/>
-            </a:solidFill>
-          </a:ln>
-        </p:spPr>
-        <p:style>
-          <a:lnRef idx="2">
-            <a:schemeClr val="accent1">
-              <a:shade val="50000"/>
-            </a:schemeClr>
-          </a:lnRef>
-          <a:fillRef idx="1">
-            <a:schemeClr val="accent1"/>
-          </a:fillRef>
-          <a:effectRef idx="0">
-            <a:schemeClr val="accent1"/>
-          </a:effectRef>
-          <a:fontRef idx="minor">
-            <a:schemeClr val="lt1"/>
-          </a:fontRef>
-        </p:style>
-        <p:txBody>
-          <a:bodyPr rtlCol="0" anchor="ctr"/>
-          <a:lstStyle/>
-          <a:p>
-            <a:pPr algn="ctr"/>
-            <a:endParaRPr lang="en-GB"/>
-          </a:p>
-        </p:txBody>
-      </p:sp>
-      <p:sp>
-        <p:nvSpPr>
-          <p:cNvPr id="38" name="TextBox 37">
-            <a:extLst>
-              <a:ext uri="{FF2B5EF4-FFF2-40B4-BE49-F238E27FC236}">
-                <a16:creationId xmlns:a16="http://schemas.microsoft.com/office/drawing/2014/main" id="{313D5DDC-AA37-4428-AD44-780768581F89}"/>
-              </a:ext>
-            </a:extLst>
-          </p:cNvPr>
-          <p:cNvSpPr txBox="1"/>
-          <p:nvPr/>
-        </p:nvSpPr>
-        <p:spPr>
-          <a:xfrm>
-            <a:off x="3805838" y="1208779"/>
-            <a:ext cx="667170" cy="369332"/>
-          </a:xfrm>
-          <a:prstGeom prst="rect">
-            <a:avLst/>
-          </a:prstGeom>
-          <a:noFill/>
-        </p:spPr>
-        <p:txBody>
-          <a:bodyPr wrap="none" rtlCol="0">
-            <a:spAutoFit/>
-          </a:bodyPr>
-          <a:lstStyle/>
-          <a:p>
-            <a:r>
-              <a:rPr lang="en-GB" dirty="0"/>
-              <a:t>180 </a:t>
-            </a:r>
-            <a:r>
-              <a:rPr lang="en-GB" baseline="30000" dirty="0"/>
-              <a:t>0</a:t>
-            </a:r>
-          </a:p>
-        </p:txBody>
-      </p:sp>
-      <p:sp>
-        <p:nvSpPr>
-          <p:cNvPr id="39" name="TextBox 38">
-            <a:extLst>
-              <a:ext uri="{FF2B5EF4-FFF2-40B4-BE49-F238E27FC236}">
-                <a16:creationId xmlns:a16="http://schemas.microsoft.com/office/drawing/2014/main" id="{08D4178B-0C39-4306-BD67-74EDE21311A9}"/>
-              </a:ext>
-            </a:extLst>
-          </p:cNvPr>
-          <p:cNvSpPr txBox="1"/>
-          <p:nvPr/>
-        </p:nvSpPr>
-        <p:spPr>
-          <a:xfrm rot="16200000">
-            <a:off x="5824912" y="3017310"/>
-            <a:ext cx="550151" cy="369332"/>
-          </a:xfrm>
-          <a:prstGeom prst="rect">
-            <a:avLst/>
-          </a:prstGeom>
-          <a:noFill/>
-        </p:spPr>
-        <p:txBody>
-          <a:bodyPr wrap="none" rtlCol="0">
-            <a:spAutoFit/>
-          </a:bodyPr>
-          <a:lstStyle/>
-          <a:p>
-            <a:r>
-              <a:rPr lang="en-GB" dirty="0"/>
-              <a:t>90 </a:t>
-            </a:r>
-            <a:r>
-              <a:rPr lang="en-GB" baseline="30000" dirty="0"/>
-              <a:t>0</a:t>
-            </a:r>
-          </a:p>
-        </p:txBody>
-      </p:sp>
-      <p:sp>
-        <p:nvSpPr>
-          <p:cNvPr id="40" name="TextBox 39">
-            <a:extLst>
-              <a:ext uri="{FF2B5EF4-FFF2-40B4-BE49-F238E27FC236}">
-                <a16:creationId xmlns:a16="http://schemas.microsoft.com/office/drawing/2014/main" id="{2F9FD8A6-2BFC-4965-B269-D58118420A1B}"/>
-              </a:ext>
-            </a:extLst>
-          </p:cNvPr>
-          <p:cNvSpPr txBox="1"/>
-          <p:nvPr/>
-        </p:nvSpPr>
-        <p:spPr>
-          <a:xfrm>
-            <a:off x="3805838" y="2194198"/>
-            <a:ext cx="1282723" cy="369332"/>
-          </a:xfrm>
-          <a:prstGeom prst="rect">
-            <a:avLst/>
-          </a:prstGeom>
-          <a:noFill/>
-        </p:spPr>
-        <p:txBody>
-          <a:bodyPr wrap="none" rtlCol="0">
-            <a:spAutoFit/>
-          </a:bodyPr>
-          <a:lstStyle/>
-          <a:p>
-            <a:r>
-              <a:rPr lang="en-GB" dirty="0"/>
-              <a:t>Beam angle</a:t>
-            </a:r>
-          </a:p>
-        </p:txBody>
-      </p:sp>
-      <p:sp>
-        <p:nvSpPr>
-          <p:cNvPr id="42" name="TextBox 41">
-            <a:extLst>
-              <a:ext uri="{FF2B5EF4-FFF2-40B4-BE49-F238E27FC236}">
-                <a16:creationId xmlns:a16="http://schemas.microsoft.com/office/drawing/2014/main" id="{B722AEAE-658C-4736-99A4-B934546E0207}"/>
-              </a:ext>
-            </a:extLst>
-          </p:cNvPr>
-          <p:cNvSpPr txBox="1"/>
-          <p:nvPr/>
-        </p:nvSpPr>
-        <p:spPr>
-          <a:xfrm>
-            <a:off x="3805838" y="134428"/>
-            <a:ext cx="3130985" cy="646331"/>
-          </a:xfrm>
-          <a:prstGeom prst="rect">
-            <a:avLst/>
-          </a:prstGeom>
-          <a:noFill/>
-        </p:spPr>
-        <p:txBody>
-          <a:bodyPr wrap="none" rtlCol="0">
-            <a:spAutoFit/>
-          </a:bodyPr>
-          <a:lstStyle/>
-          <a:p>
-            <a:r>
-              <a:rPr lang="en-GB" dirty="0"/>
-              <a:t>Absorbance</a:t>
-            </a:r>
-          </a:p>
-          <a:p>
-            <a:r>
-              <a:rPr lang="en-GB" dirty="0"/>
-              <a:t>Transmitted light measurement</a:t>
-            </a:r>
-          </a:p>
-        </p:txBody>
-      </p:sp>
-      <p:sp>
-        <p:nvSpPr>
-          <p:cNvPr id="43" name="TextBox 42">
-            <a:extLst>
-              <a:ext uri="{FF2B5EF4-FFF2-40B4-BE49-F238E27FC236}">
-                <a16:creationId xmlns:a16="http://schemas.microsoft.com/office/drawing/2014/main" id="{9EF5E67D-1615-495D-9E7A-A36A12BEEE0A}"/>
-              </a:ext>
-            </a:extLst>
-          </p:cNvPr>
-          <p:cNvSpPr txBox="1"/>
-          <p:nvPr/>
-        </p:nvSpPr>
-        <p:spPr>
-          <a:xfrm>
-            <a:off x="6725398" y="2013231"/>
-            <a:ext cx="2889765" cy="646331"/>
-          </a:xfrm>
-          <a:prstGeom prst="rect">
-            <a:avLst/>
-          </a:prstGeom>
-          <a:noFill/>
-        </p:spPr>
-        <p:txBody>
-          <a:bodyPr wrap="none" rtlCol="0">
-            <a:spAutoFit/>
-          </a:bodyPr>
-          <a:lstStyle/>
-          <a:p>
-            <a:r>
-              <a:rPr lang="en-GB" i="1" dirty="0"/>
-              <a:t>Nephelometric turbidity</a:t>
-            </a:r>
-          </a:p>
-          <a:p>
-            <a:r>
-              <a:rPr lang="en-GB" i="1" dirty="0"/>
-              <a:t>Scattered light measurement</a:t>
-            </a:r>
-            <a:endParaRPr lang="en-GB" dirty="0"/>
-          </a:p>
-        </p:txBody>
-      </p:sp>
-    </p:spTree>
-    <p:extLst>
-      <p:ext uri="{BB962C8B-B14F-4D97-AF65-F5344CB8AC3E}">
-        <p14:creationId xmlns:p14="http://schemas.microsoft.com/office/powerpoint/2010/main" val="2098896582"/>
       </p:ext>
     </p:extLst>
   </p:cSld>

--- a/assets/_drawings.pptx
+++ b/assets/_drawings.pptx
@@ -7670,7 +7670,7 @@
           <a:p>
             <a:fld id="{C3F690FB-D2F8-4FAA-B5D4-40764D6363E4}" type="datetimeFigureOut">
               <a:rPr lang="en-GB" smtClean="0"/>
-              <a:t>17/02/2021</a:t>
+              <a:t>19/02/2021</a:t>
             </a:fld>
             <a:endParaRPr lang="en-GB"/>
           </a:p>
@@ -7870,7 +7870,7 @@
           <a:p>
             <a:fld id="{C3F690FB-D2F8-4FAA-B5D4-40764D6363E4}" type="datetimeFigureOut">
               <a:rPr lang="en-GB" smtClean="0"/>
-              <a:t>17/02/2021</a:t>
+              <a:t>19/02/2021</a:t>
             </a:fld>
             <a:endParaRPr lang="en-GB"/>
           </a:p>
@@ -8080,7 +8080,7 @@
           <a:p>
             <a:fld id="{C3F690FB-D2F8-4FAA-B5D4-40764D6363E4}" type="datetimeFigureOut">
               <a:rPr lang="en-GB" smtClean="0"/>
-              <a:t>17/02/2021</a:t>
+              <a:t>19/02/2021</a:t>
             </a:fld>
             <a:endParaRPr lang="en-GB"/>
           </a:p>
@@ -8280,7 +8280,7 @@
           <a:p>
             <a:fld id="{C3F690FB-D2F8-4FAA-B5D4-40764D6363E4}" type="datetimeFigureOut">
               <a:rPr lang="en-GB" smtClean="0"/>
-              <a:t>17/02/2021</a:t>
+              <a:t>19/02/2021</a:t>
             </a:fld>
             <a:endParaRPr lang="en-GB"/>
           </a:p>
@@ -8556,7 +8556,7 @@
           <a:p>
             <a:fld id="{C3F690FB-D2F8-4FAA-B5D4-40764D6363E4}" type="datetimeFigureOut">
               <a:rPr lang="en-GB" smtClean="0"/>
-              <a:t>17/02/2021</a:t>
+              <a:t>19/02/2021</a:t>
             </a:fld>
             <a:endParaRPr lang="en-GB"/>
           </a:p>
@@ -8824,7 +8824,7 @@
           <a:p>
             <a:fld id="{C3F690FB-D2F8-4FAA-B5D4-40764D6363E4}" type="datetimeFigureOut">
               <a:rPr lang="en-GB" smtClean="0"/>
-              <a:t>17/02/2021</a:t>
+              <a:t>19/02/2021</a:t>
             </a:fld>
             <a:endParaRPr lang="en-GB"/>
           </a:p>
@@ -9239,7 +9239,7 @@
           <a:p>
             <a:fld id="{C3F690FB-D2F8-4FAA-B5D4-40764D6363E4}" type="datetimeFigureOut">
               <a:rPr lang="en-GB" smtClean="0"/>
-              <a:t>17/02/2021</a:t>
+              <a:t>19/02/2021</a:t>
             </a:fld>
             <a:endParaRPr lang="en-GB"/>
           </a:p>
@@ -9381,7 +9381,7 @@
           <a:p>
             <a:fld id="{C3F690FB-D2F8-4FAA-B5D4-40764D6363E4}" type="datetimeFigureOut">
               <a:rPr lang="en-GB" smtClean="0"/>
-              <a:t>17/02/2021</a:t>
+              <a:t>19/02/2021</a:t>
             </a:fld>
             <a:endParaRPr lang="en-GB"/>
           </a:p>
@@ -9494,7 +9494,7 @@
           <a:p>
             <a:fld id="{C3F690FB-D2F8-4FAA-B5D4-40764D6363E4}" type="datetimeFigureOut">
               <a:rPr lang="en-GB" smtClean="0"/>
-              <a:t>17/02/2021</a:t>
+              <a:t>19/02/2021</a:t>
             </a:fld>
             <a:endParaRPr lang="en-GB"/>
           </a:p>
@@ -9807,7 +9807,7 @@
           <a:p>
             <a:fld id="{C3F690FB-D2F8-4FAA-B5D4-40764D6363E4}" type="datetimeFigureOut">
               <a:rPr lang="en-GB" smtClean="0"/>
-              <a:t>17/02/2021</a:t>
+              <a:t>19/02/2021</a:t>
             </a:fld>
             <a:endParaRPr lang="en-GB"/>
           </a:p>
@@ -10096,7 +10096,7 @@
           <a:p>
             <a:fld id="{C3F690FB-D2F8-4FAA-B5D4-40764D6363E4}" type="datetimeFigureOut">
               <a:rPr lang="en-GB" smtClean="0"/>
-              <a:t>17/02/2021</a:t>
+              <a:t>19/02/2021</a:t>
             </a:fld>
             <a:endParaRPr lang="en-GB"/>
           </a:p>
@@ -10339,7 +10339,7 @@
           <a:p>
             <a:fld id="{C3F690FB-D2F8-4FAA-B5D4-40764D6363E4}" type="datetimeFigureOut">
               <a:rPr lang="en-GB" smtClean="0"/>
-              <a:t>17/02/2021</a:t>
+              <a:t>19/02/2021</a:t>
             </a:fld>
             <a:endParaRPr lang="en-GB"/>
           </a:p>
@@ -15638,7 +15638,7 @@
           <a:graphicData uri="http://schemas.openxmlformats.org/presentationml/2006/ole">
             <mc:AlternateContent xmlns:mc="http://schemas.openxmlformats.org/markup-compatibility/2006">
               <mc:Choice xmlns:v="urn:schemas-microsoft-com:vml" Requires="v">
-                <p:oleObj spid="_x0000_s1089" name="Worksheet" r:id="rId3" imgW="11763331" imgH="8772584" progId="Excel.Sheet.12">
+                <p:oleObj spid="_x0000_s1092" name="Worksheet" r:id="rId3" imgW="11763331" imgH="8772584" progId="Excel.Sheet.12">
                   <p:embed/>
                 </p:oleObj>
               </mc:Choice>
@@ -15731,7 +15731,7 @@
           <a:graphicData uri="http://schemas.openxmlformats.org/presentationml/2006/ole">
             <mc:AlternateContent xmlns:mc="http://schemas.openxmlformats.org/markup-compatibility/2006">
               <mc:Choice xmlns:v="urn:schemas-microsoft-com:vml" Requires="v">
-                <p:oleObj spid="_x0000_s2096" name="Worksheet" r:id="rId3" imgW="12373108" imgH="6677005" progId="Excel.Sheet.12">
+                <p:oleObj spid="_x0000_s2099" name="Worksheet" r:id="rId3" imgW="12373108" imgH="6677005" progId="Excel.Sheet.12">
                   <p:embed/>
                 </p:oleObj>
               </mc:Choice>
@@ -15830,7 +15830,7 @@
           <a:graphicData uri="http://schemas.openxmlformats.org/presentationml/2006/ole">
             <mc:AlternateContent xmlns:mc="http://schemas.openxmlformats.org/markup-compatibility/2006">
               <mc:Choice xmlns:v="urn:schemas-microsoft-com:vml" Requires="v">
-                <p:oleObj spid="_x0000_s4118" name="Worksheet" r:id="rId3" imgW="12201392" imgH="10868162" progId="Excel.Sheet.12">
+                <p:oleObj spid="_x0000_s4121" name="Worksheet" r:id="rId3" imgW="12201392" imgH="10868162" progId="Excel.Sheet.12">
                   <p:embed/>
                 </p:oleObj>
               </mc:Choice>
@@ -16068,7 +16068,7 @@
         </p:nvSpPr>
         <p:spPr>
           <a:xfrm>
-            <a:off x="831910" y="4697314"/>
+            <a:off x="813988" y="4706440"/>
             <a:ext cx="1247457" cy="261610"/>
           </a:xfrm>
           <a:prstGeom prst="rect">
@@ -16175,7 +16175,7 @@
         </p:nvCxnSpPr>
         <p:spPr>
           <a:xfrm>
-            <a:off x="1988330" y="4842161"/>
+            <a:off x="1970408" y="4851287"/>
             <a:ext cx="552893" cy="0"/>
           </a:xfrm>
           <a:prstGeom prst="line">
@@ -17683,84 +17683,6 @@
           </a:p>
         </p:txBody>
       </p:sp>
-      <p:sp>
-        <p:nvSpPr>
-          <p:cNvPr id="25" name="TextBox 24">
-            <a:extLst>
-              <a:ext uri="{FF2B5EF4-FFF2-40B4-BE49-F238E27FC236}">
-                <a16:creationId xmlns:a16="http://schemas.microsoft.com/office/drawing/2014/main" id="{34B93EB8-3693-4618-837F-3A98EF89C154}"/>
-              </a:ext>
-            </a:extLst>
-          </p:cNvPr>
-          <p:cNvSpPr txBox="1"/>
-          <p:nvPr/>
-        </p:nvSpPr>
-        <p:spPr>
-          <a:xfrm>
-            <a:off x="774892" y="4573353"/>
-            <a:ext cx="1975221" cy="261610"/>
-          </a:xfrm>
-          <a:prstGeom prst="rect">
-            <a:avLst/>
-          </a:prstGeom>
-          <a:noFill/>
-        </p:spPr>
-        <p:txBody>
-          <a:bodyPr wrap="none" rtlCol="0">
-            <a:spAutoFit/>
-          </a:bodyPr>
-          <a:lstStyle/>
-          <a:p>
-            <a:r>
-              <a:rPr lang="en-GB" sz="1100" dirty="0"/>
-              <a:t>Light source (Warm White LED)</a:t>
-            </a:r>
-          </a:p>
-        </p:txBody>
-      </p:sp>
-      <p:cxnSp>
-        <p:nvCxnSpPr>
-          <p:cNvPr id="26" name="Straight Connector 25">
-            <a:extLst>
-              <a:ext uri="{FF2B5EF4-FFF2-40B4-BE49-F238E27FC236}">
-                <a16:creationId xmlns:a16="http://schemas.microsoft.com/office/drawing/2014/main" id="{AEC79E9A-A3A8-4D73-825C-7B7711DBEFAB}"/>
-              </a:ext>
-            </a:extLst>
-          </p:cNvPr>
-          <p:cNvCxnSpPr>
-            <a:cxnSpLocks/>
-          </p:cNvCxnSpPr>
-          <p:nvPr/>
-        </p:nvCxnSpPr>
-        <p:spPr>
-          <a:xfrm>
-            <a:off x="2732498" y="4718200"/>
-            <a:ext cx="552893" cy="0"/>
-          </a:xfrm>
-          <a:prstGeom prst="line">
-            <a:avLst/>
-          </a:prstGeom>
-          <a:ln w="25400">
-            <a:solidFill>
-              <a:schemeClr val="accent2"/>
-            </a:solidFill>
-          </a:ln>
-        </p:spPr>
-        <p:style>
-          <a:lnRef idx="1">
-            <a:schemeClr val="accent1"/>
-          </a:lnRef>
-          <a:fillRef idx="0">
-            <a:schemeClr val="accent1"/>
-          </a:fillRef>
-          <a:effectRef idx="0">
-            <a:schemeClr val="accent1"/>
-          </a:effectRef>
-          <a:fontRef idx="minor">
-            <a:schemeClr val="tx1"/>
-          </a:fontRef>
-        </p:style>
-      </p:cxnSp>
       <p:cxnSp>
         <p:nvCxnSpPr>
           <p:cNvPr id="27" name="Straight Connector 26">
@@ -18611,6 +18533,84 @@
           </a:fontRef>
         </p:style>
       </p:cxnSp>
+      <p:sp>
+        <p:nvSpPr>
+          <p:cNvPr id="43" name="TextBox 42">
+            <a:extLst>
+              <a:ext uri="{FF2B5EF4-FFF2-40B4-BE49-F238E27FC236}">
+                <a16:creationId xmlns:a16="http://schemas.microsoft.com/office/drawing/2014/main" id="{7509F955-50F4-4608-9569-53F002A4D5C4}"/>
+              </a:ext>
+            </a:extLst>
+          </p:cNvPr>
+          <p:cNvSpPr txBox="1"/>
+          <p:nvPr/>
+        </p:nvSpPr>
+        <p:spPr>
+          <a:xfrm>
+            <a:off x="780227" y="4609313"/>
+            <a:ext cx="1247457" cy="261610"/>
+          </a:xfrm>
+          <a:prstGeom prst="rect">
+            <a:avLst/>
+          </a:prstGeom>
+          <a:noFill/>
+        </p:spPr>
+        <p:txBody>
+          <a:bodyPr wrap="none" rtlCol="0">
+            <a:spAutoFit/>
+          </a:bodyPr>
+          <a:lstStyle/>
+          <a:p>
+            <a:r>
+              <a:rPr lang="en-GB" sz="1100" dirty="0"/>
+              <a:t>Light source (LED)</a:t>
+            </a:r>
+          </a:p>
+        </p:txBody>
+      </p:sp>
+      <p:cxnSp>
+        <p:nvCxnSpPr>
+          <p:cNvPr id="44" name="Straight Connector 43">
+            <a:extLst>
+              <a:ext uri="{FF2B5EF4-FFF2-40B4-BE49-F238E27FC236}">
+                <a16:creationId xmlns:a16="http://schemas.microsoft.com/office/drawing/2014/main" id="{C3A6AE02-EC71-4636-A794-FBF311C2D58F}"/>
+              </a:ext>
+            </a:extLst>
+          </p:cNvPr>
+          <p:cNvCxnSpPr>
+            <a:cxnSpLocks/>
+          </p:cNvCxnSpPr>
+          <p:nvPr/>
+        </p:nvCxnSpPr>
+        <p:spPr>
+          <a:xfrm>
+            <a:off x="1936647" y="4754160"/>
+            <a:ext cx="552893" cy="0"/>
+          </a:xfrm>
+          <a:prstGeom prst="line">
+            <a:avLst/>
+          </a:prstGeom>
+          <a:ln w="25400">
+            <a:solidFill>
+              <a:schemeClr val="accent2"/>
+            </a:solidFill>
+          </a:ln>
+        </p:spPr>
+        <p:style>
+          <a:lnRef idx="1">
+            <a:schemeClr val="accent1"/>
+          </a:lnRef>
+          <a:fillRef idx="0">
+            <a:schemeClr val="accent1"/>
+          </a:fillRef>
+          <a:effectRef idx="0">
+            <a:schemeClr val="accent1"/>
+          </a:effectRef>
+          <a:fontRef idx="minor">
+            <a:schemeClr val="tx1"/>
+          </a:fontRef>
+        </p:style>
+      </p:cxnSp>
     </p:spTree>
     <p:extLst>
       <p:ext uri="{BB962C8B-B14F-4D97-AF65-F5344CB8AC3E}">
@@ -18822,84 +18822,6 @@
       </p:sp>
       <p:sp>
         <p:nvSpPr>
-          <p:cNvPr id="10" name="TextBox 9">
-            <a:extLst>
-              <a:ext uri="{FF2B5EF4-FFF2-40B4-BE49-F238E27FC236}">
-                <a16:creationId xmlns:a16="http://schemas.microsoft.com/office/drawing/2014/main" id="{D3965D76-2F20-43EF-AFB3-12BAB0B16BA9}"/>
-              </a:ext>
-            </a:extLst>
-          </p:cNvPr>
-          <p:cNvSpPr txBox="1"/>
-          <p:nvPr/>
-        </p:nvSpPr>
-        <p:spPr>
-          <a:xfrm>
-            <a:off x="818437" y="4538517"/>
-            <a:ext cx="1975221" cy="261610"/>
-          </a:xfrm>
-          <a:prstGeom prst="rect">
-            <a:avLst/>
-          </a:prstGeom>
-          <a:noFill/>
-        </p:spPr>
-        <p:txBody>
-          <a:bodyPr wrap="none" rtlCol="0">
-            <a:spAutoFit/>
-          </a:bodyPr>
-          <a:lstStyle/>
-          <a:p>
-            <a:r>
-              <a:rPr lang="en-GB" sz="1100" dirty="0"/>
-              <a:t>Light source (Warm White LED)</a:t>
-            </a:r>
-          </a:p>
-        </p:txBody>
-      </p:sp>
-      <p:cxnSp>
-        <p:nvCxnSpPr>
-          <p:cNvPr id="11" name="Straight Connector 10">
-            <a:extLst>
-              <a:ext uri="{FF2B5EF4-FFF2-40B4-BE49-F238E27FC236}">
-                <a16:creationId xmlns:a16="http://schemas.microsoft.com/office/drawing/2014/main" id="{C37E32B2-A2FB-4EF3-9403-B407F9193B68}"/>
-              </a:ext>
-            </a:extLst>
-          </p:cNvPr>
-          <p:cNvCxnSpPr>
-            <a:cxnSpLocks/>
-          </p:cNvCxnSpPr>
-          <p:nvPr/>
-        </p:nvCxnSpPr>
-        <p:spPr>
-          <a:xfrm>
-            <a:off x="2776043" y="4683364"/>
-            <a:ext cx="552893" cy="0"/>
-          </a:xfrm>
-          <a:prstGeom prst="line">
-            <a:avLst/>
-          </a:prstGeom>
-          <a:ln w="25400">
-            <a:solidFill>
-              <a:schemeClr val="accent2"/>
-            </a:solidFill>
-          </a:ln>
-        </p:spPr>
-        <p:style>
-          <a:lnRef idx="1">
-            <a:schemeClr val="accent1"/>
-          </a:lnRef>
-          <a:fillRef idx="0">
-            <a:schemeClr val="accent1"/>
-          </a:fillRef>
-          <a:effectRef idx="0">
-            <a:schemeClr val="accent1"/>
-          </a:effectRef>
-          <a:fontRef idx="minor">
-            <a:schemeClr val="tx1"/>
-          </a:fontRef>
-        </p:style>
-      </p:cxnSp>
-      <p:sp>
-        <p:nvSpPr>
           <p:cNvPr id="12" name="TextBox 11">
             <a:extLst>
               <a:ext uri="{FF2B5EF4-FFF2-40B4-BE49-F238E27FC236}">
@@ -19068,7 +18990,7 @@
         </p:nvSpPr>
         <p:spPr>
           <a:xfrm>
-            <a:off x="3623401" y="2132141"/>
+            <a:off x="3833868" y="2136224"/>
             <a:ext cx="679994" cy="261610"/>
           </a:xfrm>
           <a:prstGeom prst="rect">
@@ -19334,8 +19256,8 @@
         </p:nvSpPr>
         <p:spPr>
           <a:xfrm>
-            <a:off x="4446356" y="3338995"/>
-            <a:ext cx="252000" cy="1506525"/>
+            <a:off x="4445832" y="3355624"/>
+            <a:ext cx="252000" cy="1514390"/>
           </a:xfrm>
           <a:prstGeom prst="rect">
             <a:avLst/>
@@ -21269,6 +21191,84 @@
           </a:p>
         </p:txBody>
       </p:sp>
+      <p:sp>
+        <p:nvSpPr>
+          <p:cNvPr id="55" name="TextBox 54">
+            <a:extLst>
+              <a:ext uri="{FF2B5EF4-FFF2-40B4-BE49-F238E27FC236}">
+                <a16:creationId xmlns:a16="http://schemas.microsoft.com/office/drawing/2014/main" id="{9736AAB9-D950-4720-90E9-FA382E138EC9}"/>
+              </a:ext>
+            </a:extLst>
+          </p:cNvPr>
+          <p:cNvSpPr txBox="1"/>
+          <p:nvPr/>
+        </p:nvSpPr>
+        <p:spPr>
+          <a:xfrm>
+            <a:off x="798449" y="4557459"/>
+            <a:ext cx="1247457" cy="261610"/>
+          </a:xfrm>
+          <a:prstGeom prst="rect">
+            <a:avLst/>
+          </a:prstGeom>
+          <a:noFill/>
+        </p:spPr>
+        <p:txBody>
+          <a:bodyPr wrap="none" rtlCol="0">
+            <a:spAutoFit/>
+          </a:bodyPr>
+          <a:lstStyle/>
+          <a:p>
+            <a:r>
+              <a:rPr lang="en-GB" sz="1100" dirty="0"/>
+              <a:t>Light source (LED)</a:t>
+            </a:r>
+          </a:p>
+        </p:txBody>
+      </p:sp>
+      <p:cxnSp>
+        <p:nvCxnSpPr>
+          <p:cNvPr id="56" name="Straight Connector 55">
+            <a:extLst>
+              <a:ext uri="{FF2B5EF4-FFF2-40B4-BE49-F238E27FC236}">
+                <a16:creationId xmlns:a16="http://schemas.microsoft.com/office/drawing/2014/main" id="{F085577B-8E9D-4728-9B0E-78BDA6BFEDE5}"/>
+              </a:ext>
+            </a:extLst>
+          </p:cNvPr>
+          <p:cNvCxnSpPr>
+            <a:cxnSpLocks/>
+          </p:cNvCxnSpPr>
+          <p:nvPr/>
+        </p:nvCxnSpPr>
+        <p:spPr>
+          <a:xfrm>
+            <a:off x="1954869" y="4702306"/>
+            <a:ext cx="552893" cy="0"/>
+          </a:xfrm>
+          <a:prstGeom prst="line">
+            <a:avLst/>
+          </a:prstGeom>
+          <a:ln w="25400">
+            <a:solidFill>
+              <a:schemeClr val="accent2"/>
+            </a:solidFill>
+          </a:ln>
+        </p:spPr>
+        <p:style>
+          <a:lnRef idx="1">
+            <a:schemeClr val="accent1"/>
+          </a:lnRef>
+          <a:fillRef idx="0">
+            <a:schemeClr val="accent1"/>
+          </a:fillRef>
+          <a:effectRef idx="0">
+            <a:schemeClr val="accent1"/>
+          </a:effectRef>
+          <a:fontRef idx="minor">
+            <a:schemeClr val="tx1"/>
+          </a:fontRef>
+        </p:style>
+      </p:cxnSp>
     </p:spTree>
     <p:extLst>
       <p:ext uri="{BB962C8B-B14F-4D97-AF65-F5344CB8AC3E}">

--- a/assets/_drawings.pptx
+++ b/assets/_drawings.pptx
@@ -7670,7 +7670,7 @@
           <a:p>
             <a:fld id="{C3F690FB-D2F8-4FAA-B5D4-40764D6363E4}" type="datetimeFigureOut">
               <a:rPr lang="en-GB" smtClean="0"/>
-              <a:t>19/02/2021</a:t>
+              <a:t>12/04/2021</a:t>
             </a:fld>
             <a:endParaRPr lang="en-GB"/>
           </a:p>
@@ -7870,7 +7870,7 @@
           <a:p>
             <a:fld id="{C3F690FB-D2F8-4FAA-B5D4-40764D6363E4}" type="datetimeFigureOut">
               <a:rPr lang="en-GB" smtClean="0"/>
-              <a:t>19/02/2021</a:t>
+              <a:t>12/04/2021</a:t>
             </a:fld>
             <a:endParaRPr lang="en-GB"/>
           </a:p>
@@ -8080,7 +8080,7 @@
           <a:p>
             <a:fld id="{C3F690FB-D2F8-4FAA-B5D4-40764D6363E4}" type="datetimeFigureOut">
               <a:rPr lang="en-GB" smtClean="0"/>
-              <a:t>19/02/2021</a:t>
+              <a:t>12/04/2021</a:t>
             </a:fld>
             <a:endParaRPr lang="en-GB"/>
           </a:p>
@@ -8280,7 +8280,7 @@
           <a:p>
             <a:fld id="{C3F690FB-D2F8-4FAA-B5D4-40764D6363E4}" type="datetimeFigureOut">
               <a:rPr lang="en-GB" smtClean="0"/>
-              <a:t>19/02/2021</a:t>
+              <a:t>12/04/2021</a:t>
             </a:fld>
             <a:endParaRPr lang="en-GB"/>
           </a:p>
@@ -8556,7 +8556,7 @@
           <a:p>
             <a:fld id="{C3F690FB-D2F8-4FAA-B5D4-40764D6363E4}" type="datetimeFigureOut">
               <a:rPr lang="en-GB" smtClean="0"/>
-              <a:t>19/02/2021</a:t>
+              <a:t>12/04/2021</a:t>
             </a:fld>
             <a:endParaRPr lang="en-GB"/>
           </a:p>
@@ -8824,7 +8824,7 @@
           <a:p>
             <a:fld id="{C3F690FB-D2F8-4FAA-B5D4-40764D6363E4}" type="datetimeFigureOut">
               <a:rPr lang="en-GB" smtClean="0"/>
-              <a:t>19/02/2021</a:t>
+              <a:t>12/04/2021</a:t>
             </a:fld>
             <a:endParaRPr lang="en-GB"/>
           </a:p>
@@ -9239,7 +9239,7 @@
           <a:p>
             <a:fld id="{C3F690FB-D2F8-4FAA-B5D4-40764D6363E4}" type="datetimeFigureOut">
               <a:rPr lang="en-GB" smtClean="0"/>
-              <a:t>19/02/2021</a:t>
+              <a:t>12/04/2021</a:t>
             </a:fld>
             <a:endParaRPr lang="en-GB"/>
           </a:p>
@@ -9381,7 +9381,7 @@
           <a:p>
             <a:fld id="{C3F690FB-D2F8-4FAA-B5D4-40764D6363E4}" type="datetimeFigureOut">
               <a:rPr lang="en-GB" smtClean="0"/>
-              <a:t>19/02/2021</a:t>
+              <a:t>12/04/2021</a:t>
             </a:fld>
             <a:endParaRPr lang="en-GB"/>
           </a:p>
@@ -9494,7 +9494,7 @@
           <a:p>
             <a:fld id="{C3F690FB-D2F8-4FAA-B5D4-40764D6363E4}" type="datetimeFigureOut">
               <a:rPr lang="en-GB" smtClean="0"/>
-              <a:t>19/02/2021</a:t>
+              <a:t>12/04/2021</a:t>
             </a:fld>
             <a:endParaRPr lang="en-GB"/>
           </a:p>
@@ -9807,7 +9807,7 @@
           <a:p>
             <a:fld id="{C3F690FB-D2F8-4FAA-B5D4-40764D6363E4}" type="datetimeFigureOut">
               <a:rPr lang="en-GB" smtClean="0"/>
-              <a:t>19/02/2021</a:t>
+              <a:t>12/04/2021</a:t>
             </a:fld>
             <a:endParaRPr lang="en-GB"/>
           </a:p>
@@ -10096,7 +10096,7 @@
           <a:p>
             <a:fld id="{C3F690FB-D2F8-4FAA-B5D4-40764D6363E4}" type="datetimeFigureOut">
               <a:rPr lang="en-GB" smtClean="0"/>
-              <a:t>19/02/2021</a:t>
+              <a:t>12/04/2021</a:t>
             </a:fld>
             <a:endParaRPr lang="en-GB"/>
           </a:p>
@@ -10339,7 +10339,7 @@
           <a:p>
             <a:fld id="{C3F690FB-D2F8-4FAA-B5D4-40764D6363E4}" type="datetimeFigureOut">
               <a:rPr lang="en-GB" smtClean="0"/>
-              <a:t>19/02/2021</a:t>
+              <a:t>12/04/2021</a:t>
             </a:fld>
             <a:endParaRPr lang="en-GB"/>
           </a:p>
@@ -15625,7 +15625,7 @@
           <p:nvPr>
             <p:extLst>
               <p:ext uri="{D42A27DB-BD31-4B8C-83A1-F6EECF244321}">
-                <p14:modId xmlns:p14="http://schemas.microsoft.com/office/powerpoint/2010/main" val="2517553469"/>
+                <p14:modId xmlns:p14="http://schemas.microsoft.com/office/powerpoint/2010/main" val="2625943232"/>
               </p:ext>
             </p:extLst>
           </p:nvPr>
@@ -15638,7 +15638,7 @@
           <a:graphicData uri="http://schemas.openxmlformats.org/presentationml/2006/ole">
             <mc:AlternateContent xmlns:mc="http://schemas.openxmlformats.org/markup-compatibility/2006">
               <mc:Choice xmlns:v="urn:schemas-microsoft-com:vml" Requires="v">
-                <p:oleObj spid="_x0000_s1092" name="Worksheet" r:id="rId3" imgW="11763331" imgH="8772584" progId="Excel.Sheet.12">
+                <p:oleObj spid="_x0000_s1096" name="Worksheet" r:id="rId3" imgW="11763331" imgH="8772584" progId="Excel.Sheet.12">
                   <p:embed/>
                 </p:oleObj>
               </mc:Choice>
@@ -15731,7 +15731,7 @@
           <a:graphicData uri="http://schemas.openxmlformats.org/presentationml/2006/ole">
             <mc:AlternateContent xmlns:mc="http://schemas.openxmlformats.org/markup-compatibility/2006">
               <mc:Choice xmlns:v="urn:schemas-microsoft-com:vml" Requires="v">
-                <p:oleObj spid="_x0000_s2099" name="Worksheet" r:id="rId3" imgW="12373108" imgH="6677005" progId="Excel.Sheet.12">
+                <p:oleObj spid="_x0000_s2101" name="Worksheet" r:id="rId3" imgW="12373108" imgH="6677005" progId="Excel.Sheet.12">
                   <p:embed/>
                 </p:oleObj>
               </mc:Choice>
@@ -15817,20 +15817,20 @@
           <p:nvPr>
             <p:extLst>
               <p:ext uri="{D42A27DB-BD31-4B8C-83A1-F6EECF244321}">
-                <p14:modId xmlns:p14="http://schemas.microsoft.com/office/powerpoint/2010/main" val="4139273651"/>
+                <p14:modId xmlns:p14="http://schemas.microsoft.com/office/powerpoint/2010/main" val="1884321267"/>
               </p:ext>
             </p:extLst>
           </p:nvPr>
         </p:nvGraphicFramePr>
         <p:xfrm>
-          <a:off x="977900" y="650875"/>
-          <a:ext cx="10587038" cy="5502275"/>
+          <a:off x="954088" y="677863"/>
+          <a:ext cx="10587037" cy="5502275"/>
         </p:xfrm>
         <a:graphic>
           <a:graphicData uri="http://schemas.openxmlformats.org/presentationml/2006/ole">
             <mc:AlternateContent xmlns:mc="http://schemas.openxmlformats.org/markup-compatibility/2006">
               <mc:Choice xmlns:v="urn:schemas-microsoft-com:vml" Requires="v">
-                <p:oleObj spid="_x0000_s4121" name="Worksheet" r:id="rId3" imgW="12201392" imgH="10868162" progId="Excel.Sheet.12">
+                <p:oleObj spid="_x0000_s4128" name="Worksheet" r:id="rId3" imgW="12201392" imgH="10868162" progId="Excel.Sheet.12">
                   <p:embed/>
                 </p:oleObj>
               </mc:Choice>
@@ -15851,8 +15851,8 @@
                     </p:blipFill>
                     <p:spPr>
                       <a:xfrm>
-                        <a:off x="977900" y="650875"/>
-                        <a:ext cx="10587038" cy="5502275"/>
+                        <a:off x="954088" y="677863"/>
+                        <a:ext cx="10587037" cy="5502275"/>
                       </a:xfrm>
                       <a:prstGeom prst="rect">
                         <a:avLst/>
